--- a/Dc20DeepLearning.pptx
+++ b/Dc20DeepLearning.pptx
@@ -5,16 +5,17 @@
     <p:sldMasterId id="2147483648" r:id="rId1"/>
   </p:sldMasterIdLst>
   <p:notesMasterIdLst>
-    <p:notesMasterId r:id="rId7"/>
+    <p:notesMasterId r:id="rId8"/>
   </p:notesMasterIdLst>
   <p:handoutMasterIdLst>
-    <p:handoutMasterId r:id="rId8"/>
+    <p:handoutMasterId r:id="rId9"/>
   </p:handoutMasterIdLst>
   <p:sldIdLst>
     <p:sldId id="256" r:id="rId3"/>
     <p:sldId id="257" r:id="rId4"/>
     <p:sldId id="258" r:id="rId5"/>
-    <p:sldId id="259" r:id="rId6"/>
+    <p:sldId id="260" r:id="rId6"/>
+    <p:sldId id="259" r:id="rId7"/>
   </p:sldIdLst>
   <p:sldSz cx="12192000" cy="6858000"/>
   <p:notesSz cx="7103745" cy="10234295"/>
@@ -3582,26 +3583,26 @@
           <a:bodyPr/>
           <a:p>
             <a:r>
-              <a:rPr lang="" altLang="en-US" sz="3600">
+              <a:rPr lang="en-US" altLang="en-US" sz="3600">
                 <a:latin typeface="Noto Sans" panose="020B0502040504020204" charset="0"/>
                 <a:cs typeface="Noto Sans" panose="020B0502040504020204" charset="0"/>
               </a:rPr>
               <a:t>Deep Learning &amp; Accelerated Calculation</a:t>
             </a:r>
             <a:br>
-              <a:rPr lang="" altLang="en-US" sz="3600">
+              <a:rPr lang="en-US" altLang="en-US" sz="3600">
                 <a:latin typeface="Noto Sans" panose="020B0502040504020204" charset="0"/>
                 <a:cs typeface="Noto Sans" panose="020B0502040504020204" charset="0"/>
               </a:rPr>
             </a:br>
             <a:r>
-              <a:rPr lang="" altLang="en-US" sz="3600">
+              <a:rPr lang="en-US" altLang="en-US" sz="3600">
                 <a:latin typeface="Noto Sans" panose="020B0502040504020204" charset="0"/>
                 <a:cs typeface="Noto Sans" panose="020B0502040504020204" charset="0"/>
               </a:rPr>
               <a:t>with Debian</a:t>
             </a:r>
-            <a:endParaRPr lang="" altLang="en-US" sz="3600">
+            <a:endParaRPr lang="en-US" altLang="en-US" sz="3600">
               <a:latin typeface="Noto Sans" panose="020B0502040504020204" charset="0"/>
               <a:cs typeface="Noto Sans" panose="020B0502040504020204" charset="0"/>
             </a:endParaRPr>
@@ -3622,7 +3623,7 @@
         <p:txBody>
           <a:bodyPr/>
           <a:p>
-            <a:endParaRPr lang="" altLang="en-US">
+            <a:endParaRPr lang="en-US" altLang="en-US">
               <a:solidFill>
                 <a:schemeClr val="bg1">
                   <a:lumMod val="65000"/>
@@ -3633,6 +3634,18 @@
             </a:endParaRPr>
           </a:p>
           <a:p>
+            <a:r>
+              <a:rPr lang="en-US" altLang="en-US">
+                <a:solidFill>
+                  <a:schemeClr val="bg1">
+                    <a:lumMod val="65000"/>
+                  </a:schemeClr>
+                </a:solidFill>
+                <a:latin typeface="Fira Code" charset="0"/>
+                <a:cs typeface="Fira Code" charset="0"/>
+              </a:rPr>
+              <a:t>M. Zhou &lt;lumin@d</a:t>
+            </a:r>
             <a:r>
               <a:rPr lang="" altLang="en-US">
                 <a:solidFill>
@@ -3643,9 +3656,21 @@
                 <a:latin typeface="Fira Code" charset="0"/>
                 <a:cs typeface="Fira Code" charset="0"/>
               </a:rPr>
-              <a:t>M. Zhou &lt;lumin@d.o&gt;</a:t>
-            </a:r>
-            <a:endParaRPr lang="" altLang="en-US">
+              <a:t>ebian.org</a:t>
+            </a:r>
+            <a:r>
+              <a:rPr lang="en-US" altLang="en-US">
+                <a:solidFill>
+                  <a:schemeClr val="bg1">
+                    <a:lumMod val="65000"/>
+                  </a:schemeClr>
+                </a:solidFill>
+                <a:latin typeface="Fira Code" charset="0"/>
+                <a:cs typeface="Fira Code" charset="0"/>
+              </a:rPr>
+              <a:t>&gt;</a:t>
+            </a:r>
+            <a:endParaRPr lang="en-US" altLang="en-US">
               <a:solidFill>
                 <a:schemeClr val="bg1">
                   <a:lumMod val="65000"/>
@@ -3657,7 +3682,7 @@
           </a:p>
           <a:p>
             <a:r>
-              <a:rPr lang="" altLang="en-US">
+              <a:rPr lang="en-US" altLang="en-US">
                 <a:solidFill>
                   <a:schemeClr val="bg1">
                     <a:lumMod val="65000"/>
@@ -3668,7 +3693,7 @@
               </a:rPr>
               <a:t>Aug 2020</a:t>
             </a:r>
-            <a:endParaRPr lang="" altLang="en-US">
+            <a:endParaRPr lang="en-US" altLang="en-US">
               <a:solidFill>
                 <a:schemeClr val="bg1">
                   <a:lumMod val="65000"/>
@@ -3679,7 +3704,7 @@
             </a:endParaRPr>
           </a:p>
           <a:p>
-            <a:endParaRPr lang="" altLang="en-US">
+            <a:endParaRPr lang="en-US" altLang="en-US">
               <a:solidFill>
                 <a:schemeClr val="bg1">
                   <a:lumMod val="65000"/>
@@ -3716,10 +3741,10 @@
           </a:p>
           <a:p>
             <a:r>
-              <a:rPr lang="" altLang="en-US">
+              <a:rPr lang="en-US" altLang="en-US">
                 <a:solidFill>
                   <a:schemeClr val="bg1">
-                    <a:lumMod val="65000"/>
+                    <a:lumMod val="85000"/>
                   </a:schemeClr>
                 </a:solidFill>
                 <a:latin typeface="Fira Code" charset="0"/>
@@ -3728,7 +3753,31 @@
               </a:rPr>
               <a:t>CC-BY-SA 4.0 License</a:t>
             </a:r>
-            <a:endParaRPr lang="" altLang="en-US">
+            <a:endParaRPr lang="en-US" altLang="en-US">
+              <a:solidFill>
+                <a:schemeClr val="bg1">
+                  <a:lumMod val="85000"/>
+                </a:schemeClr>
+              </a:solidFill>
+              <a:latin typeface="Fira Code" charset="0"/>
+              <a:cs typeface="Fira Code" charset="0"/>
+              <a:sym typeface="+mn-ea"/>
+            </a:endParaRPr>
+          </a:p>
+          <a:p>
+            <a:endParaRPr lang="en-US" altLang="en-US">
+              <a:solidFill>
+                <a:schemeClr val="bg1">
+                  <a:lumMod val="65000"/>
+                </a:schemeClr>
+              </a:solidFill>
+              <a:latin typeface="Fira Code" charset="0"/>
+              <a:cs typeface="Fira Code" charset="0"/>
+              <a:sym typeface="+mn-ea"/>
+            </a:endParaRPr>
+          </a:p>
+          <a:p>
+            <a:endParaRPr lang="en-US" altLang="en-US">
               <a:solidFill>
                 <a:schemeClr val="bg1">
                   <a:lumMod val="65000"/>
@@ -3739,7 +3788,7 @@
             </a:endParaRPr>
           </a:p>
           <a:p>
-            <a:endParaRPr lang="" altLang="en-US">
+            <a:endParaRPr lang="en-US" altLang="en-US">
               <a:solidFill>
                 <a:schemeClr val="bg1">
                   <a:lumMod val="65000"/>
@@ -3750,7 +3799,7 @@
             </a:endParaRPr>
           </a:p>
           <a:p>
-            <a:endParaRPr lang="" altLang="en-US">
+            <a:endParaRPr lang="en-US" altLang="en-US">
               <a:solidFill>
                 <a:schemeClr val="bg1">
                   <a:lumMod val="65000"/>
@@ -3848,14 +3897,15 @@
         <p:txBody>
           <a:bodyPr/>
           <a:p>
-            <a:r>
-              <a:rPr lang="" altLang="en-US">
+            <a:pPr algn="l"/>
+            <a:r>
+              <a:rPr lang="en-US" altLang="en-US">
                 <a:latin typeface="Noto Sans" panose="020B0502040504020204" charset="0"/>
                 <a:cs typeface="Noto Sans" panose="020B0502040504020204" charset="0"/>
               </a:rPr>
               <a:t>Deep Learning</a:t>
             </a:r>
-            <a:endParaRPr lang="" altLang="en-US">
+            <a:endParaRPr lang="en-US" altLang="en-US">
               <a:latin typeface="Noto Sans" panose="020B0502040504020204" charset="0"/>
               <a:cs typeface="Noto Sans" panose="020B0502040504020204" charset="0"/>
             </a:endParaRPr>
@@ -3881,14 +3931,20 @@
         <p:txBody>
           <a:bodyPr/>
           <a:p>
-            <a:r>
-              <a:rPr lang="" altLang="en-US">
+            <a:endParaRPr lang="en-US" altLang="en-US">
+              <a:latin typeface="Noto Sans" panose="020B0502040504020204" charset="0"/>
+              <a:cs typeface="Noto Sans" panose="020B0502040504020204" charset="0"/>
+            </a:endParaRPr>
+          </a:p>
+          <a:p>
+            <a:r>
+              <a:rPr lang="en-US" altLang="en-US">
                 <a:latin typeface="Noto Sans" panose="020B0502040504020204" charset="0"/>
                 <a:cs typeface="Noto Sans" panose="020B0502040504020204" charset="0"/>
               </a:rPr>
               <a:t>Trend of Artificial Intelligence</a:t>
             </a:r>
-            <a:endParaRPr lang="" altLang="en-US">
+            <a:endParaRPr lang="en-US" altLang="en-US">
               <a:latin typeface="Noto Sans" panose="020B0502040504020204" charset="0"/>
               <a:cs typeface="Noto Sans" panose="020B0502040504020204" charset="0"/>
             </a:endParaRPr>
@@ -3896,20 +3952,20 @@
           <a:p>
             <a:pPr lvl="1"/>
             <a:r>
-              <a:rPr lang="" altLang="en-US">
+              <a:rPr lang="en-US" altLang="en-US">
                 <a:latin typeface="Noto Sans" panose="020B0502040504020204" charset="0"/>
                 <a:cs typeface="Noto Sans" panose="020B0502040504020204" charset="0"/>
               </a:rPr>
               <a:t>AlphaGo, Automobile, etc.</a:t>
             </a:r>
-            <a:endParaRPr lang="" altLang="en-US">
+            <a:endParaRPr lang="en-US" altLang="en-US">
               <a:latin typeface="Noto Sans" panose="020B0502040504020204" charset="0"/>
               <a:cs typeface="Noto Sans" panose="020B0502040504020204" charset="0"/>
             </a:endParaRPr>
           </a:p>
           <a:p>
             <a:pPr lvl="0"/>
-            <a:endParaRPr lang="" altLang="en-US">
+            <a:endParaRPr lang="en-US" altLang="en-US">
               <a:latin typeface="Noto Sans" panose="020B0502040504020204" charset="0"/>
               <a:cs typeface="Noto Sans" panose="020B0502040504020204" charset="0"/>
             </a:endParaRPr>
@@ -3917,13 +3973,13 @@
           <a:p>
             <a:pPr lvl="0"/>
             <a:r>
-              <a:rPr lang="" altLang="en-US">
+              <a:rPr lang="en-US" altLang="en-US">
                 <a:latin typeface="Noto Sans" panose="020B0502040504020204" charset="0"/>
                 <a:cs typeface="Noto Sans" panose="020B0502040504020204" charset="0"/>
               </a:rPr>
               <a:t>Deep Learning is a key part</a:t>
             </a:r>
-            <a:endParaRPr lang="" altLang="en-US">
+            <a:endParaRPr lang="en-US" altLang="en-US">
               <a:latin typeface="Noto Sans" panose="020B0502040504020204" charset="0"/>
               <a:cs typeface="Noto Sans" panose="020B0502040504020204" charset="0"/>
             </a:endParaRPr>
@@ -3933,13 +3989,13 @@
               <a:buNone/>
             </a:pPr>
             <a:r>
-              <a:rPr lang="" altLang="en-US">
+              <a:rPr lang="en-US" altLang="en-US">
                 <a:latin typeface="Noto Sans" panose="020B0502040504020204" charset="0"/>
                 <a:cs typeface="Noto Sans" panose="020B0502040504020204" charset="0"/>
               </a:rPr>
               <a:t>    of the state-of-the-art AI.</a:t>
             </a:r>
-            <a:endParaRPr lang="" altLang="en-US">
+            <a:endParaRPr lang="en-US" altLang="en-US">
               <a:latin typeface="Noto Sans" panose="020B0502040504020204" charset="0"/>
               <a:cs typeface="Noto Sans" panose="020B0502040504020204" charset="0"/>
             </a:endParaRPr>
@@ -4011,13 +4067,13 @@
           </a:bodyPr>
           <a:p>
             <a:r>
-              <a:rPr lang="" altLang="en-US" sz="3200">
+              <a:rPr lang="en-US" altLang="en-US" sz="3200">
                 <a:latin typeface="Noto Sans" panose="020B0502040504020204" charset="0"/>
                 <a:cs typeface="Noto Sans" panose="020B0502040504020204" charset="0"/>
               </a:rPr>
               <a:t>Artificial Intelligence</a:t>
             </a:r>
-            <a:endParaRPr lang="" altLang="en-US" sz="3200">
+            <a:endParaRPr lang="en-US" altLang="en-US" sz="3200">
               <a:latin typeface="Noto Sans" panose="020B0502040504020204" charset="0"/>
               <a:cs typeface="Noto Sans" panose="020B0502040504020204" charset="0"/>
             </a:endParaRPr>
@@ -4113,13 +4169,13 @@
           </a:bodyPr>
           <a:p>
             <a:r>
-              <a:rPr lang="" altLang="en-US" sz="2800">
+              <a:rPr lang="en-US" altLang="en-US" sz="2800">
                 <a:latin typeface="Noto Sans" panose="020B0502040504020204" charset="0"/>
                 <a:cs typeface="Noto Sans" panose="020B0502040504020204" charset="0"/>
               </a:rPr>
               <a:t>Deep Learning</a:t>
             </a:r>
-            <a:endParaRPr lang="" altLang="en-US" sz="2800">
+            <a:endParaRPr lang="en-US" altLang="en-US" sz="2800">
               <a:latin typeface="Noto Sans" panose="020B0502040504020204" charset="0"/>
               <a:cs typeface="Noto Sans" panose="020B0502040504020204" charset="0"/>
             </a:endParaRPr>
@@ -4158,14 +4214,15 @@
         <p:txBody>
           <a:bodyPr/>
           <a:p>
-            <a:r>
-              <a:rPr lang="" altLang="en-US">
+            <a:pPr algn="l"/>
+            <a:r>
+              <a:rPr lang="en-US" altLang="en-US">
                 <a:latin typeface="Noto Sans" panose="020B0502040504020204" charset="0"/>
                 <a:cs typeface="Noto Sans" panose="020B0502040504020204" charset="0"/>
               </a:rPr>
               <a:t>Neural Networks</a:t>
             </a:r>
-            <a:endParaRPr lang="" altLang="en-US">
+            <a:endParaRPr lang="en-US" altLang="en-US">
               <a:latin typeface="Noto Sans" panose="020B0502040504020204" charset="0"/>
               <a:cs typeface="Noto Sans" panose="020B0502040504020204" charset="0"/>
             </a:endParaRPr>
@@ -4209,40 +4266,40 @@
           <a:bodyPr/>
           <a:p>
             <a:r>
-              <a:rPr lang="" altLang="en-US" sz="2800">
+              <a:rPr lang="en-US" altLang="en-US" sz="2800">
                 <a:latin typeface="Noto Sans" panose="020B0502040504020204" charset="0"/>
                 <a:cs typeface="Noto Sans" panose="020B0502040504020204" charset="0"/>
               </a:rPr>
               <a:t>Deep Learning is basically about (Deep) Neural Networks</a:t>
             </a:r>
-            <a:endParaRPr lang="" altLang="en-US">
+            <a:endParaRPr lang="en-US" altLang="en-US">
               <a:latin typeface="Noto Sans" panose="020B0502040504020204" charset="0"/>
               <a:cs typeface="Noto Sans" panose="020B0502040504020204" charset="0"/>
             </a:endParaRPr>
           </a:p>
           <a:p>
             <a:r>
-              <a:rPr lang="" altLang="en-US" sz="2800">
+              <a:rPr lang="en-US" altLang="en-US" sz="2800">
                 <a:latin typeface="Noto Sans" panose="020B0502040504020204" charset="0"/>
                 <a:cs typeface="Noto Sans" panose="020B0502040504020204" charset="0"/>
               </a:rPr>
               <a:t>The most typical application is </a:t>
             </a:r>
             <a:r>
-              <a:rPr lang="" altLang="en-US" sz="2800" u="sng">
+              <a:rPr lang="en-US" altLang="en-US" sz="2800" u="sng">
                 <a:latin typeface="Noto Sans" panose="020B0502040504020204" charset="0"/>
                 <a:cs typeface="Noto Sans" panose="020B0502040504020204" charset="0"/>
               </a:rPr>
               <a:t>classification</a:t>
             </a:r>
             <a:r>
-              <a:rPr lang="" altLang="en-US" sz="2800">
+              <a:rPr lang="en-US" altLang="en-US" sz="2800">
                 <a:latin typeface="Noto Sans" panose="020B0502040504020204" charset="0"/>
                 <a:cs typeface="Noto Sans" panose="020B0502040504020204" charset="0"/>
               </a:rPr>
               <a:t>.</a:t>
             </a:r>
-            <a:endParaRPr lang="" altLang="en-US" sz="2800">
+            <a:endParaRPr lang="en-US" altLang="en-US" sz="2800">
               <a:latin typeface="Noto Sans" panose="020B0502040504020204" charset="0"/>
               <a:cs typeface="Noto Sans" panose="020B0502040504020204" charset="0"/>
             </a:endParaRPr>
@@ -4309,13 +4366,13 @@
             </a:bodyPr>
             <a:p>
               <a:r>
-                <a:rPr lang="" altLang="en-US">
+                <a:rPr lang="en-US" altLang="en-US">
                   <a:latin typeface="Noto Sans" panose="020B0502040504020204" charset="0"/>
                   <a:cs typeface="Noto Sans" panose="020B0502040504020204" charset="0"/>
                 </a:rPr>
                 <a:t>Input Image</a:t>
               </a:r>
-              <a:endParaRPr lang="" altLang="en-US">
+              <a:endParaRPr lang="en-US" altLang="en-US">
                 <a:latin typeface="Noto Sans" panose="020B0502040504020204" charset="0"/>
                 <a:cs typeface="Noto Sans" panose="020B0502040504020204" charset="0"/>
               </a:endParaRPr>
@@ -4393,13 +4450,13 @@
           </a:bodyPr>
           <a:p>
             <a:r>
-              <a:rPr lang="" altLang="en-US">
+              <a:rPr lang="en-US" altLang="en-US">
                 <a:latin typeface="Noto Sans" panose="020B0502040504020204" charset="0"/>
                 <a:cs typeface="Noto Sans" panose="020B0502040504020204" charset="0"/>
               </a:rPr>
               <a:t>Deep Neural Network</a:t>
             </a:r>
-            <a:endParaRPr lang="" altLang="en-US">
+            <a:endParaRPr lang="en-US" altLang="en-US">
               <a:latin typeface="Noto Sans" panose="020B0502040504020204" charset="0"/>
               <a:cs typeface="Noto Sans" panose="020B0502040504020204" charset="0"/>
             </a:endParaRPr>
@@ -4510,26 +4567,26 @@
           </a:bodyPr>
           <a:p>
             <a:r>
-              <a:rPr lang="" altLang="en-US">
+              <a:rPr lang="en-US" altLang="en-US">
                 <a:latin typeface="Noto Sans" panose="020B0502040504020204" charset="0"/>
                 <a:cs typeface="Noto Sans" panose="020B0502040504020204" charset="0"/>
               </a:rPr>
               <a:t>Dog ?</a:t>
             </a:r>
-            <a:endParaRPr lang="" altLang="en-US">
+            <a:endParaRPr lang="en-US" altLang="en-US">
               <a:latin typeface="Noto Sans" panose="020B0502040504020204" charset="0"/>
               <a:cs typeface="Noto Sans" panose="020B0502040504020204" charset="0"/>
             </a:endParaRPr>
           </a:p>
           <a:p>
-            <a:endParaRPr lang="" altLang="en-US">
+            <a:endParaRPr lang="en-US" altLang="en-US">
               <a:latin typeface="Noto Sans" panose="020B0502040504020204" charset="0"/>
               <a:cs typeface="Noto Sans" panose="020B0502040504020204" charset="0"/>
             </a:endParaRPr>
           </a:p>
           <a:p>
             <a:r>
-              <a:rPr lang="" altLang="en-US" b="1">
+              <a:rPr lang="en-US" altLang="en-US" b="1">
                 <a:solidFill>
                   <a:srgbClr val="92D050"/>
                 </a:solidFill>
@@ -4539,7 +4596,7 @@
               <a:t>Cat</a:t>
             </a:r>
             <a:r>
-              <a:rPr lang="" altLang="en-US">
+              <a:rPr lang="en-US" altLang="en-US">
                 <a:solidFill>
                   <a:srgbClr val="92D050"/>
                 </a:solidFill>
@@ -4548,45 +4605,45 @@
               </a:rPr>
               <a:t> ?</a:t>
             </a:r>
-            <a:endParaRPr lang="" altLang="en-US">
+            <a:endParaRPr lang="en-US" altLang="en-US">
               <a:latin typeface="Noto Sans" panose="020B0502040504020204" charset="0"/>
               <a:cs typeface="Noto Sans" panose="020B0502040504020204" charset="0"/>
             </a:endParaRPr>
           </a:p>
           <a:p>
-            <a:endParaRPr lang="" altLang="en-US">
+            <a:endParaRPr lang="en-US" altLang="en-US">
               <a:latin typeface="Noto Sans" panose="020B0502040504020204" charset="0"/>
               <a:cs typeface="Noto Sans" panose="020B0502040504020204" charset="0"/>
             </a:endParaRPr>
           </a:p>
           <a:p>
             <a:r>
-              <a:rPr lang="" altLang="en-US">
+              <a:rPr lang="en-US" altLang="en-US">
                 <a:latin typeface="Noto Sans" panose="020B0502040504020204" charset="0"/>
                 <a:cs typeface="Noto Sans" panose="020B0502040504020204" charset="0"/>
               </a:rPr>
               <a:t>Liquid ?</a:t>
             </a:r>
-            <a:endParaRPr lang="" altLang="en-US">
+            <a:endParaRPr lang="en-US" altLang="en-US">
               <a:latin typeface="Noto Sans" panose="020B0502040504020204" charset="0"/>
               <a:cs typeface="Noto Sans" panose="020B0502040504020204" charset="0"/>
             </a:endParaRPr>
           </a:p>
           <a:p>
-            <a:endParaRPr lang="" altLang="en-US">
+            <a:endParaRPr lang="en-US" altLang="en-US">
               <a:latin typeface="Noto Sans" panose="020B0502040504020204" charset="0"/>
               <a:cs typeface="Noto Sans" panose="020B0502040504020204" charset="0"/>
             </a:endParaRPr>
           </a:p>
           <a:p>
             <a:r>
-              <a:rPr lang="" altLang="en-US">
+              <a:rPr lang="en-US" altLang="en-US">
                 <a:latin typeface="Noto Sans" panose="020B0502040504020204" charset="0"/>
                 <a:cs typeface="Noto Sans" panose="020B0502040504020204" charset="0"/>
               </a:rPr>
               <a:t>......</a:t>
             </a:r>
-            <a:endParaRPr lang="" altLang="en-US">
+            <a:endParaRPr lang="en-US" altLang="en-US">
               <a:latin typeface="Noto Sans" panose="020B0502040504020204" charset="0"/>
               <a:cs typeface="Noto Sans" panose="020B0502040504020204" charset="0"/>
             </a:endParaRPr>
@@ -4668,7 +4725,7 @@
           </a:bodyPr>
           <a:p>
             <a:r>
-              <a:rPr lang="" altLang="en-US">
+              <a:rPr lang="en-US" altLang="en-US">
                 <a:solidFill>
                   <a:schemeClr val="bg1">
                     <a:lumMod val="75000"/>
@@ -4677,7 +4734,7 @@
               </a:rPr>
               <a:t>* The cat image comes from wikipedia, CC-licensed.</a:t>
             </a:r>
-            <a:endParaRPr lang="" altLang="en-US">
+            <a:endParaRPr lang="en-US" altLang="en-US">
               <a:solidFill>
                 <a:schemeClr val="bg1">
                   <a:lumMod val="75000"/>
@@ -4719,11 +4776,1104 @@
         <p:txBody>
           <a:bodyPr/>
           <a:p>
-            <a:r>
-              <a:rPr lang="" altLang="en-US"/>
+            <a:pPr algn="l"/>
+            <a:r>
+              <a:rPr lang="" altLang="en-US">
+                <a:latin typeface="Noto Sans" panose="020B0502040504020204" charset="0"/>
+                <a:cs typeface="Noto Sans" panose="020B0502040504020204" charset="0"/>
+              </a:rPr>
+              <a:t>Closer look to Neural Net</a:t>
+            </a:r>
+            <a:endParaRPr lang="" altLang="en-US">
+              <a:latin typeface="Noto Sans" panose="020B0502040504020204" charset="0"/>
+              <a:cs typeface="Noto Sans" panose="020B0502040504020204" charset="0"/>
+            </a:endParaRPr>
+          </a:p>
+        </p:txBody>
+      </p:sp>
+      <p:pic>
+        <p:nvPicPr>
+          <p:cNvPr id="5" name="Picture 4"/>
+          <p:cNvPicPr>
+            <a:picLocks noChangeAspect="true"/>
+          </p:cNvPicPr>
+          <p:nvPr/>
+        </p:nvPicPr>
+        <p:blipFill>
+          <a:blip r:embed="rId1"/>
+          <a:stretch>
+            <a:fillRect/>
+          </a:stretch>
+        </p:blipFill>
+        <p:spPr>
+          <a:xfrm>
+            <a:off x="8651875" y="317500"/>
+            <a:ext cx="3158490" cy="389255"/>
+          </a:xfrm>
+          <a:prstGeom prst="rect">
+            <a:avLst/>
+          </a:prstGeom>
+        </p:spPr>
+      </p:pic>
+      <p:sp>
+        <p:nvSpPr>
+          <p:cNvPr id="6" name="Content Placeholder 5"/>
+          <p:cNvSpPr/>
+          <p:nvPr>
+            <p:ph idx="1"/>
+          </p:nvPr>
+        </p:nvSpPr>
+        <p:spPr>
+          <a:xfrm>
+            <a:off x="609600" y="1494790"/>
+            <a:ext cx="10972800" cy="4525963"/>
+          </a:xfrm>
+        </p:spPr>
+        <p:txBody>
+          <a:bodyPr/>
+          <a:p>
+            <a:r>
+              <a:rPr lang="" altLang="en-US">
+                <a:latin typeface="Noto Sans" panose="020B0502040504020204" charset="0"/>
+                <a:cs typeface="Noto Sans" panose="020B0502040504020204" charset="0"/>
+              </a:rPr>
+              <a:t>Convolution Layer</a:t>
+            </a:r>
+            <a:endParaRPr lang="" altLang="en-US">
+              <a:latin typeface="Noto Sans" panose="020B0502040504020204" charset="0"/>
+              <a:cs typeface="Noto Sans" panose="020B0502040504020204" charset="0"/>
+            </a:endParaRPr>
+          </a:p>
+          <a:p>
+            <a:r>
+              <a:rPr lang="" altLang="en-US">
+                <a:latin typeface="Noto Sans" panose="020B0502040504020204" charset="0"/>
+                <a:cs typeface="Noto Sans" panose="020B0502040504020204" charset="0"/>
+              </a:rPr>
+              <a:t>Linear Layer</a:t>
+            </a:r>
+            <a:endParaRPr lang="" altLang="en-US">
+              <a:latin typeface="Noto Sans" panose="020B0502040504020204" charset="0"/>
+              <a:cs typeface="Noto Sans" panose="020B0502040504020204" charset="0"/>
+            </a:endParaRPr>
+          </a:p>
+          <a:p>
+            <a:r>
+              <a:rPr lang="" altLang="en-US">
+                <a:latin typeface="Noto Sans" panose="020B0502040504020204" charset="0"/>
+                <a:cs typeface="Noto Sans" panose="020B0502040504020204" charset="0"/>
+              </a:rPr>
+              <a:t>Activation Layer</a:t>
+            </a:r>
+            <a:endParaRPr lang="" altLang="en-US">
+              <a:latin typeface="Noto Sans" panose="020B0502040504020204" charset="0"/>
+              <a:cs typeface="Noto Sans" panose="020B0502040504020204" charset="0"/>
+            </a:endParaRPr>
+          </a:p>
+          <a:p>
+            <a:r>
+              <a:rPr lang="" altLang="en-US">
+                <a:latin typeface="Noto Sans" panose="020B0502040504020204" charset="0"/>
+                <a:cs typeface="Noto Sans" panose="020B0502040504020204" charset="0"/>
+              </a:rPr>
+              <a:t>Pooling Layer</a:t>
+            </a:r>
+            <a:endParaRPr lang="" altLang="en-US">
+              <a:latin typeface="Noto Sans" panose="020B0502040504020204" charset="0"/>
+              <a:cs typeface="Noto Sans" panose="020B0502040504020204" charset="0"/>
+            </a:endParaRPr>
+          </a:p>
+          <a:p>
+            <a:r>
+              <a:rPr lang="" altLang="en-US">
+                <a:latin typeface="Noto Sans" panose="020B0502040504020204" charset="0"/>
+                <a:cs typeface="Noto Sans" panose="020B0502040504020204" charset="0"/>
+              </a:rPr>
+              <a:t>etc</a:t>
+            </a:r>
+            <a:endParaRPr lang="" altLang="en-US">
+              <a:latin typeface="Noto Sans" panose="020B0502040504020204" charset="0"/>
+              <a:cs typeface="Noto Sans" panose="020B0502040504020204" charset="0"/>
+            </a:endParaRPr>
+          </a:p>
+        </p:txBody>
+      </p:sp>
+      <p:sp>
+        <p:nvSpPr>
+          <p:cNvPr id="9" name="Trapezoid 8"/>
+          <p:cNvSpPr/>
+          <p:nvPr/>
+        </p:nvSpPr>
+        <p:spPr>
+          <a:xfrm rot="5400000">
+            <a:off x="6247765" y="2038985"/>
+            <a:ext cx="1981200" cy="1651000"/>
+          </a:xfrm>
+          <a:prstGeom prst="trapezoid">
+            <a:avLst/>
+          </a:prstGeom>
+          <a:solidFill>
+            <a:schemeClr val="accent1">
+              <a:lumMod val="60000"/>
+              <a:lumOff val="40000"/>
+            </a:schemeClr>
+          </a:solidFill>
+        </p:spPr>
+        <p:style>
+          <a:lnRef idx="2">
+            <a:schemeClr val="accent1">
+              <a:shade val="50000"/>
+            </a:schemeClr>
+          </a:lnRef>
+          <a:fillRef idx="1">
+            <a:schemeClr val="accent1"/>
+          </a:fillRef>
+          <a:effectRef idx="0">
+            <a:schemeClr val="accent1"/>
+          </a:effectRef>
+          <a:fontRef idx="minor">
+            <a:schemeClr val="lt1"/>
+          </a:fontRef>
+        </p:style>
+        <p:txBody>
+          <a:bodyPr rtlCol="0" anchor="ctr"/>
+          <a:p>
+            <a:pPr algn="ctr"/>
+            <a:endParaRPr lang="" altLang="en-US">
+              <a:latin typeface="Noto Sans" panose="020B0502040504020204" charset="0"/>
+              <a:cs typeface="Noto Sans" panose="020B0502040504020204" charset="0"/>
+            </a:endParaRPr>
+          </a:p>
+        </p:txBody>
+      </p:sp>
+      <p:sp>
+        <p:nvSpPr>
+          <p:cNvPr id="11" name="Text Box 10"/>
+          <p:cNvSpPr txBox="true"/>
+          <p:nvPr/>
+        </p:nvSpPr>
+        <p:spPr>
+          <a:xfrm>
+            <a:off x="5757545" y="2633980"/>
+            <a:ext cx="3288665" cy="460375"/>
+          </a:xfrm>
+          <a:prstGeom prst="rect">
+            <a:avLst/>
+          </a:prstGeom>
+          <a:noFill/>
+        </p:spPr>
+        <p:txBody>
+          <a:bodyPr wrap="none" rtlCol="0">
+            <a:spAutoFit/>
+          </a:bodyPr>
+          <a:p>
+            <a:r>
+              <a:rPr lang="en-US" altLang="en-US" sz="2400">
+                <a:latin typeface="Noto Sans" panose="020B0502040504020204" charset="0"/>
+                <a:cs typeface="Noto Sans" panose="020B0502040504020204" charset="0"/>
+              </a:rPr>
+              <a:t>Deep Neural Network</a:t>
+            </a:r>
+            <a:endParaRPr lang="en-US" altLang="en-US" sz="2400">
+              <a:latin typeface="Noto Sans" panose="020B0502040504020204" charset="0"/>
+              <a:cs typeface="Noto Sans" panose="020B0502040504020204" charset="0"/>
+            </a:endParaRPr>
+          </a:p>
+        </p:txBody>
+      </p:sp>
+      <p:sp>
+        <p:nvSpPr>
+          <p:cNvPr id="12" name="Right Arrow 11"/>
+          <p:cNvSpPr/>
+          <p:nvPr/>
+        </p:nvSpPr>
+        <p:spPr>
+          <a:xfrm>
+            <a:off x="2472690" y="5309235"/>
+            <a:ext cx="678180" cy="259715"/>
+          </a:xfrm>
+          <a:prstGeom prst="rightArrow">
+            <a:avLst/>
+          </a:prstGeom>
+        </p:spPr>
+        <p:style>
+          <a:lnRef idx="2">
+            <a:schemeClr val="accent1">
+              <a:shade val="50000"/>
+            </a:schemeClr>
+          </a:lnRef>
+          <a:fillRef idx="1">
+            <a:schemeClr val="accent1"/>
+          </a:fillRef>
+          <a:effectRef idx="0">
+            <a:schemeClr val="accent1"/>
+          </a:effectRef>
+          <a:fontRef idx="minor">
+            <a:schemeClr val="lt1"/>
+          </a:fontRef>
+        </p:style>
+        <p:txBody>
+          <a:bodyPr rtlCol="0" anchor="ctr"/>
+          <a:p>
+            <a:pPr algn="ctr"/>
+            <a:endParaRPr lang="en-US">
+              <a:latin typeface="Noto Sans" panose="020B0502040504020204" charset="0"/>
+              <a:cs typeface="Noto Sans" panose="020B0502040504020204" charset="0"/>
+            </a:endParaRPr>
+          </a:p>
+        </p:txBody>
+      </p:sp>
+      <p:sp>
+        <p:nvSpPr>
+          <p:cNvPr id="13" name="Trapezoid 12"/>
+          <p:cNvSpPr/>
+          <p:nvPr/>
+        </p:nvSpPr>
+        <p:spPr>
+          <a:xfrm rot="5400000">
+            <a:off x="2848610" y="5165090"/>
+            <a:ext cx="1457325" cy="548005"/>
+          </a:xfrm>
+          <a:prstGeom prst="trapezoid">
+            <a:avLst>
+              <a:gd name="adj" fmla="val 50000"/>
+            </a:avLst>
+          </a:prstGeom>
+        </p:spPr>
+        <p:style>
+          <a:lnRef idx="2">
+            <a:schemeClr val="accent1">
+              <a:shade val="50000"/>
+            </a:schemeClr>
+          </a:lnRef>
+          <a:fillRef idx="1">
+            <a:schemeClr val="accent1"/>
+          </a:fillRef>
+          <a:effectRef idx="0">
+            <a:schemeClr val="accent1"/>
+          </a:effectRef>
+          <a:fontRef idx="minor">
+            <a:schemeClr val="lt1"/>
+          </a:fontRef>
+        </p:style>
+        <p:txBody>
+          <a:bodyPr rtlCol="0" anchor="ctr"/>
+          <a:p>
+            <a:pPr algn="ctr"/>
+            <a:endParaRPr lang="en-US">
+              <a:latin typeface="Noto Sans" panose="020B0502040504020204" charset="0"/>
+              <a:cs typeface="Noto Sans" panose="020B0502040504020204" charset="0"/>
+            </a:endParaRPr>
+          </a:p>
+        </p:txBody>
+      </p:sp>
+      <p:sp>
+        <p:nvSpPr>
+          <p:cNvPr id="14" name="Text Box 13"/>
+          <p:cNvSpPr txBox="true"/>
+          <p:nvPr/>
+        </p:nvSpPr>
+        <p:spPr>
+          <a:xfrm>
+            <a:off x="2882265" y="6363970"/>
+            <a:ext cx="1389380" cy="368300"/>
+          </a:xfrm>
+          <a:prstGeom prst="rect">
+            <a:avLst/>
+          </a:prstGeom>
+          <a:noFill/>
+        </p:spPr>
+        <p:txBody>
+          <a:bodyPr wrap="none" rtlCol="0">
+            <a:spAutoFit/>
+          </a:bodyPr>
+          <a:p>
+            <a:r>
+              <a:rPr lang="" altLang="en-US">
+                <a:latin typeface="Noto Sans" panose="020B0502040504020204" charset="0"/>
+                <a:cs typeface="Noto Sans" panose="020B0502040504020204" charset="0"/>
+              </a:rPr>
+              <a:t>Convolution</a:t>
+            </a:r>
+            <a:endParaRPr lang="" altLang="en-US">
+              <a:latin typeface="Noto Sans" panose="020B0502040504020204" charset="0"/>
+              <a:cs typeface="Noto Sans" panose="020B0502040504020204" charset="0"/>
+            </a:endParaRPr>
+          </a:p>
+        </p:txBody>
+      </p:sp>
+      <p:sp>
+        <p:nvSpPr>
+          <p:cNvPr id="15" name="Trapezoid 14"/>
+          <p:cNvSpPr/>
+          <p:nvPr/>
+        </p:nvSpPr>
+        <p:spPr>
+          <a:xfrm rot="5400000">
+            <a:off x="4216400" y="5165090"/>
+            <a:ext cx="1457325" cy="548005"/>
+          </a:xfrm>
+          <a:prstGeom prst="trapezoid">
+            <a:avLst>
+              <a:gd name="adj" fmla="val 50000"/>
+            </a:avLst>
+          </a:prstGeom>
+        </p:spPr>
+        <p:style>
+          <a:lnRef idx="2">
+            <a:schemeClr val="accent1">
+              <a:shade val="50000"/>
+            </a:schemeClr>
+          </a:lnRef>
+          <a:fillRef idx="1">
+            <a:schemeClr val="accent1"/>
+          </a:fillRef>
+          <a:effectRef idx="0">
+            <a:schemeClr val="accent1"/>
+          </a:effectRef>
+          <a:fontRef idx="minor">
+            <a:schemeClr val="lt1"/>
+          </a:fontRef>
+        </p:style>
+        <p:txBody>
+          <a:bodyPr rtlCol="0" anchor="ctr"/>
+          <a:p>
+            <a:pPr algn="ctr"/>
+            <a:endParaRPr lang="en-US">
+              <a:latin typeface="Noto Sans" panose="020B0502040504020204" charset="0"/>
+              <a:cs typeface="Noto Sans" panose="020B0502040504020204" charset="0"/>
+            </a:endParaRPr>
+          </a:p>
+        </p:txBody>
+      </p:sp>
+      <p:sp>
+        <p:nvSpPr>
+          <p:cNvPr id="16" name="Text Box 15"/>
+          <p:cNvSpPr txBox="true"/>
+          <p:nvPr/>
+        </p:nvSpPr>
+        <p:spPr>
+          <a:xfrm>
+            <a:off x="4472305" y="6363970"/>
+            <a:ext cx="944880" cy="368300"/>
+          </a:xfrm>
+          <a:prstGeom prst="rect">
+            <a:avLst/>
+          </a:prstGeom>
+          <a:noFill/>
+        </p:spPr>
+        <p:txBody>
+          <a:bodyPr wrap="none" rtlCol="0">
+            <a:spAutoFit/>
+          </a:bodyPr>
+          <a:p>
+            <a:r>
+              <a:rPr lang="" altLang="en-US">
+                <a:latin typeface="Noto Sans" panose="020B0502040504020204" charset="0"/>
+                <a:cs typeface="Noto Sans" panose="020B0502040504020204" charset="0"/>
+              </a:rPr>
+              <a:t>Pooling</a:t>
+            </a:r>
+            <a:endParaRPr lang="" altLang="en-US">
+              <a:latin typeface="Noto Sans" panose="020B0502040504020204" charset="0"/>
+              <a:cs typeface="Noto Sans" panose="020B0502040504020204" charset="0"/>
+            </a:endParaRPr>
+          </a:p>
+        </p:txBody>
+      </p:sp>
+      <p:sp>
+        <p:nvSpPr>
+          <p:cNvPr id="17" name="Right Arrow 16"/>
+          <p:cNvSpPr/>
+          <p:nvPr/>
+        </p:nvSpPr>
+        <p:spPr>
+          <a:xfrm>
+            <a:off x="4008755" y="5352415"/>
+            <a:ext cx="519430" cy="173355"/>
+          </a:xfrm>
+          <a:prstGeom prst="rightArrow">
+            <a:avLst/>
+          </a:prstGeom>
+        </p:spPr>
+        <p:style>
+          <a:lnRef idx="2">
+            <a:schemeClr val="accent1">
+              <a:shade val="50000"/>
+            </a:schemeClr>
+          </a:lnRef>
+          <a:fillRef idx="1">
+            <a:schemeClr val="accent1"/>
+          </a:fillRef>
+          <a:effectRef idx="0">
+            <a:schemeClr val="accent1"/>
+          </a:effectRef>
+          <a:fontRef idx="minor">
+            <a:schemeClr val="lt1"/>
+          </a:fontRef>
+        </p:style>
+        <p:txBody>
+          <a:bodyPr rtlCol="0" anchor="ctr"/>
+          <a:p>
+            <a:pPr algn="ctr"/>
+            <a:endParaRPr lang="en-US">
+              <a:latin typeface="Noto Sans" panose="020B0502040504020204" charset="0"/>
+              <a:cs typeface="Noto Sans" panose="020B0502040504020204" charset="0"/>
+            </a:endParaRPr>
+          </a:p>
+        </p:txBody>
+      </p:sp>
+      <p:sp>
+        <p:nvSpPr>
+          <p:cNvPr id="18" name="Flowchart: Process 17"/>
+          <p:cNvSpPr/>
+          <p:nvPr/>
+        </p:nvSpPr>
+        <p:spPr>
+          <a:xfrm>
+            <a:off x="5892800" y="4717415"/>
+            <a:ext cx="304165" cy="1443355"/>
+          </a:xfrm>
+          <a:prstGeom prst="flowChartProcess">
+            <a:avLst/>
+          </a:prstGeom>
+        </p:spPr>
+        <p:style>
+          <a:lnRef idx="2">
+            <a:schemeClr val="accent1">
+              <a:shade val="50000"/>
+            </a:schemeClr>
+          </a:lnRef>
+          <a:fillRef idx="1">
+            <a:schemeClr val="accent1"/>
+          </a:fillRef>
+          <a:effectRef idx="0">
+            <a:schemeClr val="accent1"/>
+          </a:effectRef>
+          <a:fontRef idx="minor">
+            <a:schemeClr val="lt1"/>
+          </a:fontRef>
+        </p:style>
+        <p:txBody>
+          <a:bodyPr rtlCol="0" anchor="ctr"/>
+          <a:p>
+            <a:pPr algn="ctr"/>
+            <a:endParaRPr lang="en-US">
+              <a:latin typeface="Noto Sans" panose="020B0502040504020204" charset="0"/>
+              <a:cs typeface="Noto Sans" panose="020B0502040504020204" charset="0"/>
+            </a:endParaRPr>
+          </a:p>
+        </p:txBody>
+      </p:sp>
+      <p:sp>
+        <p:nvSpPr>
+          <p:cNvPr id="19" name="Right Arrow 18"/>
+          <p:cNvSpPr/>
+          <p:nvPr/>
+        </p:nvSpPr>
+        <p:spPr>
+          <a:xfrm>
+            <a:off x="5315585" y="5338128"/>
+            <a:ext cx="490855" cy="201930"/>
+          </a:xfrm>
+          <a:prstGeom prst="rightArrow">
+            <a:avLst/>
+          </a:prstGeom>
+        </p:spPr>
+        <p:style>
+          <a:lnRef idx="2">
+            <a:schemeClr val="accent1">
+              <a:shade val="50000"/>
+            </a:schemeClr>
+          </a:lnRef>
+          <a:fillRef idx="1">
+            <a:schemeClr val="accent1"/>
+          </a:fillRef>
+          <a:effectRef idx="0">
+            <a:schemeClr val="accent1"/>
+          </a:effectRef>
+          <a:fontRef idx="minor">
+            <a:schemeClr val="lt1"/>
+          </a:fontRef>
+        </p:style>
+        <p:txBody>
+          <a:bodyPr rtlCol="0" anchor="ctr"/>
+          <a:p>
+            <a:pPr algn="ctr"/>
+            <a:endParaRPr lang="en-US">
+              <a:latin typeface="Noto Sans" panose="020B0502040504020204" charset="0"/>
+              <a:cs typeface="Noto Sans" panose="020B0502040504020204" charset="0"/>
+            </a:endParaRPr>
+          </a:p>
+        </p:txBody>
+      </p:sp>
+      <p:sp>
+        <p:nvSpPr>
+          <p:cNvPr id="20" name="Text Box 19"/>
+          <p:cNvSpPr txBox="true"/>
+          <p:nvPr/>
+        </p:nvSpPr>
+        <p:spPr>
+          <a:xfrm>
+            <a:off x="5661660" y="6363970"/>
+            <a:ext cx="767080" cy="368300"/>
+          </a:xfrm>
+          <a:prstGeom prst="rect">
+            <a:avLst/>
+          </a:prstGeom>
+          <a:noFill/>
+        </p:spPr>
+        <p:txBody>
+          <a:bodyPr wrap="none" rtlCol="0">
+            <a:spAutoFit/>
+          </a:bodyPr>
+          <a:p>
+            <a:r>
+              <a:rPr lang="" altLang="en-US">
+                <a:latin typeface="Noto Sans" panose="020B0502040504020204" charset="0"/>
+                <a:cs typeface="Noto Sans" panose="020B0502040504020204" charset="0"/>
+              </a:rPr>
+              <a:t>ReLU</a:t>
+            </a:r>
+            <a:endParaRPr lang="" altLang="en-US">
+              <a:latin typeface="Noto Sans" panose="020B0502040504020204" charset="0"/>
+              <a:cs typeface="Noto Sans" panose="020B0502040504020204" charset="0"/>
+            </a:endParaRPr>
+          </a:p>
+        </p:txBody>
+      </p:sp>
+      <p:sp>
+        <p:nvSpPr>
+          <p:cNvPr id="21" name="Right Arrow 20"/>
+          <p:cNvSpPr/>
+          <p:nvPr/>
+        </p:nvSpPr>
+        <p:spPr>
+          <a:xfrm>
+            <a:off x="6428740" y="5316220"/>
+            <a:ext cx="462280" cy="245745"/>
+          </a:xfrm>
+          <a:prstGeom prst="rightArrow">
+            <a:avLst/>
+          </a:prstGeom>
+        </p:spPr>
+        <p:style>
+          <a:lnRef idx="2">
+            <a:schemeClr val="accent1">
+              <a:shade val="50000"/>
+            </a:schemeClr>
+          </a:lnRef>
+          <a:fillRef idx="1">
+            <a:schemeClr val="accent1"/>
+          </a:fillRef>
+          <a:effectRef idx="0">
+            <a:schemeClr val="accent1"/>
+          </a:effectRef>
+          <a:fontRef idx="minor">
+            <a:schemeClr val="lt1"/>
+          </a:fontRef>
+        </p:style>
+        <p:txBody>
+          <a:bodyPr rtlCol="0" anchor="ctr"/>
+          <a:p>
+            <a:pPr algn="ctr"/>
+            <a:endParaRPr lang="en-US">
+              <a:latin typeface="Noto Sans" panose="020B0502040504020204" charset="0"/>
+              <a:cs typeface="Noto Sans" panose="020B0502040504020204" charset="0"/>
+            </a:endParaRPr>
+          </a:p>
+        </p:txBody>
+      </p:sp>
+      <p:sp>
+        <p:nvSpPr>
+          <p:cNvPr id="22" name="Text Box 21"/>
+          <p:cNvSpPr txBox="true"/>
+          <p:nvPr/>
+        </p:nvSpPr>
+        <p:spPr>
+          <a:xfrm>
+            <a:off x="6989445" y="5116513"/>
+            <a:ext cx="944880" cy="645160"/>
+          </a:xfrm>
+          <a:prstGeom prst="rect">
+            <a:avLst/>
+          </a:prstGeom>
+          <a:noFill/>
+        </p:spPr>
+        <p:txBody>
+          <a:bodyPr wrap="none" rtlCol="0">
+            <a:spAutoFit/>
+          </a:bodyPr>
+          <a:p>
+            <a:r>
+              <a:rPr lang="" altLang="en-US" sz="3600">
+                <a:latin typeface="Noto Sans" panose="020B0502040504020204" charset="0"/>
+                <a:cs typeface="Noto Sans" panose="020B0502040504020204" charset="0"/>
+              </a:rPr>
+              <a:t>......</a:t>
+            </a:r>
+            <a:endParaRPr lang="" altLang="en-US" sz="3600">
+              <a:latin typeface="Noto Sans" panose="020B0502040504020204" charset="0"/>
+              <a:cs typeface="Noto Sans" panose="020B0502040504020204" charset="0"/>
+            </a:endParaRPr>
+          </a:p>
+        </p:txBody>
+      </p:sp>
+      <p:sp>
+        <p:nvSpPr>
+          <p:cNvPr id="23" name="Rounded Rectangle 22"/>
+          <p:cNvSpPr/>
+          <p:nvPr/>
+        </p:nvSpPr>
+        <p:spPr>
+          <a:xfrm>
+            <a:off x="8468360" y="4759325"/>
+            <a:ext cx="337185" cy="1359535"/>
+          </a:xfrm>
+          <a:prstGeom prst="roundRect">
+            <a:avLst/>
+          </a:prstGeom>
+        </p:spPr>
+        <p:style>
+          <a:lnRef idx="2">
+            <a:schemeClr val="accent1">
+              <a:shade val="50000"/>
+            </a:schemeClr>
+          </a:lnRef>
+          <a:fillRef idx="1">
+            <a:schemeClr val="accent1"/>
+          </a:fillRef>
+          <a:effectRef idx="0">
+            <a:schemeClr val="accent1"/>
+          </a:effectRef>
+          <a:fontRef idx="minor">
+            <a:schemeClr val="lt1"/>
+          </a:fontRef>
+        </p:style>
+        <p:txBody>
+          <a:bodyPr rtlCol="0" anchor="ctr"/>
+          <a:p>
+            <a:pPr algn="ctr"/>
+            <a:endParaRPr lang="en-US">
+              <a:latin typeface="Noto Sans" panose="020B0502040504020204" charset="0"/>
+              <a:cs typeface="Noto Sans" panose="020B0502040504020204" charset="0"/>
+            </a:endParaRPr>
+          </a:p>
+        </p:txBody>
+      </p:sp>
+      <p:sp>
+        <p:nvSpPr>
+          <p:cNvPr id="24" name="Right Arrow 23"/>
+          <p:cNvSpPr/>
+          <p:nvPr/>
+        </p:nvSpPr>
+        <p:spPr>
+          <a:xfrm>
+            <a:off x="7934325" y="5316220"/>
+            <a:ext cx="462280" cy="245745"/>
+          </a:xfrm>
+          <a:prstGeom prst="rightArrow">
+            <a:avLst/>
+          </a:prstGeom>
+        </p:spPr>
+        <p:style>
+          <a:lnRef idx="2">
+            <a:schemeClr val="accent1">
+              <a:shade val="50000"/>
+            </a:schemeClr>
+          </a:lnRef>
+          <a:fillRef idx="1">
+            <a:schemeClr val="accent1"/>
+          </a:fillRef>
+          <a:effectRef idx="0">
+            <a:schemeClr val="accent1"/>
+          </a:effectRef>
+          <a:fontRef idx="minor">
+            <a:schemeClr val="lt1"/>
+          </a:fontRef>
+        </p:style>
+        <p:txBody>
+          <a:bodyPr rtlCol="0" anchor="ctr"/>
+          <a:p>
+            <a:pPr algn="ctr"/>
+            <a:endParaRPr lang="en-US">
+              <a:latin typeface="Noto Sans" panose="020B0502040504020204" charset="0"/>
+              <a:cs typeface="Noto Sans" panose="020B0502040504020204" charset="0"/>
+            </a:endParaRPr>
+          </a:p>
+        </p:txBody>
+      </p:sp>
+      <p:sp>
+        <p:nvSpPr>
+          <p:cNvPr id="25" name="Text Box 24"/>
+          <p:cNvSpPr txBox="true"/>
+          <p:nvPr/>
+        </p:nvSpPr>
+        <p:spPr>
+          <a:xfrm>
+            <a:off x="8228330" y="6363970"/>
+            <a:ext cx="817880" cy="368300"/>
+          </a:xfrm>
+          <a:prstGeom prst="rect">
+            <a:avLst/>
+          </a:prstGeom>
+          <a:noFill/>
+        </p:spPr>
+        <p:txBody>
+          <a:bodyPr wrap="none" rtlCol="0">
+            <a:spAutoFit/>
+          </a:bodyPr>
+          <a:p>
+            <a:r>
+              <a:rPr lang="" altLang="en-US">
+                <a:latin typeface="Noto Sans" panose="020B0502040504020204" charset="0"/>
+                <a:cs typeface="Noto Sans" panose="020B0502040504020204" charset="0"/>
+              </a:rPr>
+              <a:t>Linear</a:t>
+            </a:r>
+            <a:endParaRPr lang="" altLang="en-US">
+              <a:latin typeface="Noto Sans" panose="020B0502040504020204" charset="0"/>
+              <a:cs typeface="Noto Sans" panose="020B0502040504020204" charset="0"/>
+            </a:endParaRPr>
+          </a:p>
+        </p:txBody>
+      </p:sp>
+      <p:sp>
+        <p:nvSpPr>
+          <p:cNvPr id="26" name="Rounded Rectangle 25"/>
+          <p:cNvSpPr/>
+          <p:nvPr/>
+        </p:nvSpPr>
+        <p:spPr>
+          <a:xfrm>
+            <a:off x="9443720" y="4759325"/>
+            <a:ext cx="337185" cy="1359535"/>
+          </a:xfrm>
+          <a:prstGeom prst="roundRect">
+            <a:avLst/>
+          </a:prstGeom>
+        </p:spPr>
+        <p:style>
+          <a:lnRef idx="2">
+            <a:schemeClr val="accent1">
+              <a:shade val="50000"/>
+            </a:schemeClr>
+          </a:lnRef>
+          <a:fillRef idx="1">
+            <a:schemeClr val="accent1"/>
+          </a:fillRef>
+          <a:effectRef idx="0">
+            <a:schemeClr val="accent1"/>
+          </a:effectRef>
+          <a:fontRef idx="minor">
+            <a:schemeClr val="lt1"/>
+          </a:fontRef>
+        </p:style>
+        <p:txBody>
+          <a:bodyPr rtlCol="0" anchor="ctr"/>
+          <a:p>
+            <a:pPr algn="ctr"/>
+            <a:endParaRPr lang="en-US">
+              <a:latin typeface="Noto Sans" panose="020B0502040504020204" charset="0"/>
+              <a:cs typeface="Noto Sans" panose="020B0502040504020204" charset="0"/>
+            </a:endParaRPr>
+          </a:p>
+        </p:txBody>
+      </p:sp>
+      <p:sp>
+        <p:nvSpPr>
+          <p:cNvPr id="27" name="Right Arrow 26"/>
+          <p:cNvSpPr/>
+          <p:nvPr/>
+        </p:nvSpPr>
+        <p:spPr>
+          <a:xfrm>
+            <a:off x="8871585" y="5316220"/>
+            <a:ext cx="462280" cy="245745"/>
+          </a:xfrm>
+          <a:prstGeom prst="rightArrow">
+            <a:avLst/>
+          </a:prstGeom>
+        </p:spPr>
+        <p:style>
+          <a:lnRef idx="2">
+            <a:schemeClr val="accent1">
+              <a:shade val="50000"/>
+            </a:schemeClr>
+          </a:lnRef>
+          <a:fillRef idx="1">
+            <a:schemeClr val="accent1"/>
+          </a:fillRef>
+          <a:effectRef idx="0">
+            <a:schemeClr val="accent1"/>
+          </a:effectRef>
+          <a:fontRef idx="minor">
+            <a:schemeClr val="lt1"/>
+          </a:fontRef>
+        </p:style>
+        <p:txBody>
+          <a:bodyPr rtlCol="0" anchor="ctr"/>
+          <a:p>
+            <a:pPr algn="ctr"/>
+            <a:endParaRPr lang="en-US">
+              <a:latin typeface="Noto Sans" panose="020B0502040504020204" charset="0"/>
+              <a:cs typeface="Noto Sans" panose="020B0502040504020204" charset="0"/>
+            </a:endParaRPr>
+          </a:p>
+        </p:txBody>
+      </p:sp>
+      <p:sp>
+        <p:nvSpPr>
+          <p:cNvPr id="28" name="Text Box 27"/>
+          <p:cNvSpPr txBox="true"/>
+          <p:nvPr/>
+        </p:nvSpPr>
+        <p:spPr>
+          <a:xfrm>
+            <a:off x="9103360" y="6363970"/>
+            <a:ext cx="1021080" cy="368300"/>
+          </a:xfrm>
+          <a:prstGeom prst="rect">
+            <a:avLst/>
+          </a:prstGeom>
+          <a:noFill/>
+        </p:spPr>
+        <p:txBody>
+          <a:bodyPr wrap="none" rtlCol="0">
+            <a:spAutoFit/>
+          </a:bodyPr>
+          <a:p>
+            <a:r>
+              <a:rPr lang="" altLang="en-US">
+                <a:latin typeface="Noto Sans" panose="020B0502040504020204" charset="0"/>
+                <a:cs typeface="Noto Sans" panose="020B0502040504020204" charset="0"/>
+              </a:rPr>
+              <a:t>Softmax</a:t>
+            </a:r>
+            <a:endParaRPr lang="" altLang="en-US">
+              <a:latin typeface="Noto Sans" panose="020B0502040504020204" charset="0"/>
+              <a:cs typeface="Noto Sans" panose="020B0502040504020204" charset="0"/>
+            </a:endParaRPr>
+          </a:p>
+        </p:txBody>
+      </p:sp>
+      <p:sp>
+        <p:nvSpPr>
+          <p:cNvPr id="29" name="Oval 28"/>
+          <p:cNvSpPr/>
+          <p:nvPr/>
+        </p:nvSpPr>
+        <p:spPr>
+          <a:xfrm>
+            <a:off x="10582910" y="4984433"/>
+            <a:ext cx="1270000" cy="909320"/>
+          </a:xfrm>
+          <a:prstGeom prst="ellipse">
+            <a:avLst/>
+          </a:prstGeom>
+        </p:spPr>
+        <p:style>
+          <a:lnRef idx="2">
+            <a:schemeClr val="accent1">
+              <a:shade val="50000"/>
+            </a:schemeClr>
+          </a:lnRef>
+          <a:fillRef idx="1">
+            <a:schemeClr val="accent1"/>
+          </a:fillRef>
+          <a:effectRef idx="0">
+            <a:schemeClr val="accent1"/>
+          </a:effectRef>
+          <a:fontRef idx="minor">
+            <a:schemeClr val="lt1"/>
+          </a:fontRef>
+        </p:style>
+        <p:txBody>
+          <a:bodyPr rtlCol="0" anchor="ctr"/>
+          <a:p>
+            <a:pPr algn="ctr"/>
+            <a:r>
+              <a:rPr lang="" altLang="en-US">
+                <a:latin typeface="Noto Sans" panose="020B0502040504020204" charset="0"/>
+                <a:cs typeface="Noto Sans" panose="020B0502040504020204" charset="0"/>
+              </a:rPr>
+              <a:t>Label</a:t>
+            </a:r>
+            <a:endParaRPr lang="" altLang="en-US">
+              <a:latin typeface="Noto Sans" panose="020B0502040504020204" charset="0"/>
+              <a:cs typeface="Noto Sans" panose="020B0502040504020204" charset="0"/>
+            </a:endParaRPr>
+          </a:p>
+        </p:txBody>
+      </p:sp>
+      <p:sp>
+        <p:nvSpPr>
+          <p:cNvPr id="30" name="Right Arrow 29"/>
+          <p:cNvSpPr/>
+          <p:nvPr/>
+        </p:nvSpPr>
+        <p:spPr>
+          <a:xfrm>
+            <a:off x="9950450" y="5316220"/>
+            <a:ext cx="462280" cy="245745"/>
+          </a:xfrm>
+          <a:prstGeom prst="rightArrow">
+            <a:avLst/>
+          </a:prstGeom>
+        </p:spPr>
+        <p:style>
+          <a:lnRef idx="2">
+            <a:schemeClr val="accent1">
+              <a:shade val="50000"/>
+            </a:schemeClr>
+          </a:lnRef>
+          <a:fillRef idx="1">
+            <a:schemeClr val="accent1"/>
+          </a:fillRef>
+          <a:effectRef idx="0">
+            <a:schemeClr val="accent1"/>
+          </a:effectRef>
+          <a:fontRef idx="minor">
+            <a:schemeClr val="lt1"/>
+          </a:fontRef>
+        </p:style>
+        <p:txBody>
+          <a:bodyPr rtlCol="0" anchor="ctr"/>
+          <a:p>
+            <a:pPr algn="ctr"/>
+            <a:endParaRPr lang="en-US">
+              <a:latin typeface="Noto Sans" panose="020B0502040504020204" charset="0"/>
+              <a:cs typeface="Noto Sans" panose="020B0502040504020204" charset="0"/>
+            </a:endParaRPr>
+          </a:p>
+        </p:txBody>
+      </p:sp>
+      <p:sp>
+        <p:nvSpPr>
+          <p:cNvPr id="32" name="Left Brace 31"/>
+          <p:cNvSpPr/>
+          <p:nvPr/>
+        </p:nvSpPr>
+        <p:spPr>
+          <a:xfrm rot="5400000">
+            <a:off x="6782435" y="-264795"/>
+            <a:ext cx="462915" cy="8933815"/>
+          </a:xfrm>
+          <a:prstGeom prst="leftBrace">
+            <a:avLst/>
+          </a:prstGeom>
+        </p:spPr>
+        <p:style>
+          <a:lnRef idx="1">
+            <a:schemeClr val="accent1"/>
+          </a:lnRef>
+          <a:fillRef idx="0">
+            <a:schemeClr val="accent1"/>
+          </a:fillRef>
+          <a:effectRef idx="0">
+            <a:schemeClr val="accent1"/>
+          </a:effectRef>
+          <a:fontRef idx="minor">
+            <a:schemeClr val="tx1"/>
+          </a:fontRef>
+        </p:style>
+        <p:txBody>
+          <a:bodyPr rtlCol="0" anchor="ctr"/>
+          <a:p>
+            <a:pPr algn="ctr"/>
+            <a:endParaRPr lang="en-US">
+              <a:latin typeface="Noto Sans" panose="020B0502040504020204" charset="0"/>
+              <a:cs typeface="Noto Sans" panose="020B0502040504020204" charset="0"/>
+            </a:endParaRPr>
+          </a:p>
+        </p:txBody>
+      </p:sp>
+      <p:sp>
+        <p:nvSpPr>
+          <p:cNvPr id="33" name="Rectangle 32"/>
+          <p:cNvSpPr/>
+          <p:nvPr/>
+        </p:nvSpPr>
+        <p:spPr>
+          <a:xfrm>
+            <a:off x="986155" y="4826000"/>
+            <a:ext cx="1226185" cy="1226185"/>
+          </a:xfrm>
+          <a:prstGeom prst="rect">
+            <a:avLst/>
+          </a:prstGeom>
+        </p:spPr>
+        <p:style>
+          <a:lnRef idx="2">
+            <a:schemeClr val="accent1">
+              <a:shade val="50000"/>
+            </a:schemeClr>
+          </a:lnRef>
+          <a:fillRef idx="1">
+            <a:schemeClr val="accent1"/>
+          </a:fillRef>
+          <a:effectRef idx="0">
+            <a:schemeClr val="accent1"/>
+          </a:effectRef>
+          <a:fontRef idx="minor">
+            <a:schemeClr val="lt1"/>
+          </a:fontRef>
+        </p:style>
+        <p:txBody>
+          <a:bodyPr rtlCol="0" anchor="ctr"/>
+          <a:p>
+            <a:pPr algn="ctr"/>
+            <a:r>
+              <a:rPr lang="" altLang="en-US">
+                <a:latin typeface="Noto Sans" panose="020B0502040504020204" charset="0"/>
+                <a:cs typeface="Noto Sans" panose="020B0502040504020204" charset="0"/>
+              </a:rPr>
+              <a:t>INPUT</a:t>
+            </a:r>
+            <a:endParaRPr lang="" altLang="en-US">
+              <a:latin typeface="Noto Sans" panose="020B0502040504020204" charset="0"/>
+              <a:cs typeface="Noto Sans" panose="020B0502040504020204" charset="0"/>
+            </a:endParaRPr>
+          </a:p>
+        </p:txBody>
+      </p:sp>
+    </p:spTree>
+  </p:cSld>
+  <p:clrMapOvr>
+    <a:masterClrMapping/>
+  </p:clrMapOvr>
+</p:sld>
+</file>
+
+<file path=ppt/slides/slide5.xml><?xml version="1.0" encoding="utf-8"?>
+<p:sld xmlns:a="http://schemas.openxmlformats.org/drawingml/2006/main" xmlns:r="http://schemas.openxmlformats.org/officeDocument/2006/relationships" xmlns:p="http://schemas.openxmlformats.org/presentationml/2006/main">
+  <p:cSld>
+    <p:spTree>
+      <p:nvGrpSpPr>
+        <p:cNvPr id="1" name=""/>
+        <p:cNvGrpSpPr/>
+        <p:nvPr/>
+      </p:nvGrpSpPr>
+      <p:grpSpPr/>
+      <p:sp>
+        <p:nvSpPr>
+          <p:cNvPr id="2" name="Title 1"/>
+          <p:cNvSpPr>
+            <a:spLocks noGrp="true"/>
+          </p:cNvSpPr>
+          <p:nvPr>
+            <p:ph type="title"/>
+          </p:nvPr>
+        </p:nvSpPr>
+        <p:spPr/>
+        <p:txBody>
+          <a:bodyPr/>
+          <a:p>
+            <a:r>
+              <a:rPr lang="en-US" altLang="en-US"/>
               <a:t>Thanks!</a:t>
             </a:r>
-            <a:endParaRPr lang="" altLang="en-US"/>
+            <a:endParaRPr lang="en-US" altLang="en-US"/>
           </a:p>
         </p:txBody>
       </p:sp>

--- a/Dc20DeepLearning.pptx
+++ b/Dc20DeepLearning.pptx
@@ -5,17 +5,19 @@
     <p:sldMasterId id="2147483648" r:id="rId1"/>
   </p:sldMasterIdLst>
   <p:notesMasterIdLst>
-    <p:notesMasterId r:id="rId8"/>
+    <p:notesMasterId r:id="rId10"/>
   </p:notesMasterIdLst>
   <p:handoutMasterIdLst>
-    <p:handoutMasterId r:id="rId9"/>
+    <p:handoutMasterId r:id="rId11"/>
   </p:handoutMasterIdLst>
   <p:sldIdLst>
     <p:sldId id="256" r:id="rId3"/>
     <p:sldId id="257" r:id="rId4"/>
     <p:sldId id="258" r:id="rId5"/>
     <p:sldId id="260" r:id="rId6"/>
-    <p:sldId id="259" r:id="rId7"/>
+    <p:sldId id="262" r:id="rId7"/>
+    <p:sldId id="263" r:id="rId8"/>
+    <p:sldId id="259" r:id="rId9"/>
   </p:sldIdLst>
   <p:sldSz cx="12192000" cy="6858000"/>
   <p:notesSz cx="7103745" cy="10234295"/>
@@ -3865,6 +3867,30 @@
           </a:prstGeom>
         </p:spPr>
       </p:pic>
+      <p:pic>
+        <p:nvPicPr>
+          <p:cNvPr id="3" name="Picture 2"/>
+          <p:cNvPicPr>
+            <a:picLocks noChangeAspect="true"/>
+          </p:cNvPicPr>
+          <p:nvPr/>
+        </p:nvPicPr>
+        <p:blipFill>
+          <a:blip r:embed="rId2"/>
+          <a:stretch>
+            <a:fillRect/>
+          </a:stretch>
+        </p:blipFill>
+        <p:spPr>
+          <a:xfrm>
+            <a:off x="366395" y="317500"/>
+            <a:ext cx="952500" cy="1171575"/>
+          </a:xfrm>
+          <a:prstGeom prst="rect">
+            <a:avLst/>
+          </a:prstGeom>
+        </p:spPr>
+      </p:pic>
     </p:spTree>
   </p:cSld>
   <p:clrMapOvr>
@@ -5869,11 +5895,18 @@
         <p:txBody>
           <a:bodyPr/>
           <a:p>
-            <a:r>
-              <a:rPr lang="en-US" altLang="en-US"/>
-              <a:t>Thanks!</a:t>
-            </a:r>
-            <a:endParaRPr lang="en-US" altLang="en-US"/>
+            <a:pPr algn="l"/>
+            <a:r>
+              <a:rPr lang="" altLang="en-US">
+                <a:latin typeface="Noto Sans" panose="020B0502040504020204" charset="0"/>
+                <a:cs typeface="Noto Sans" panose="020B0502040504020204" charset="0"/>
+              </a:rPr>
+              <a:t>Performance Bottleneck</a:t>
+            </a:r>
+            <a:endParaRPr lang="" altLang="en-US">
+              <a:latin typeface="Noto Sans" panose="020B0502040504020204" charset="0"/>
+              <a:cs typeface="Noto Sans" panose="020B0502040504020204" charset="0"/>
+            </a:endParaRPr>
           </a:p>
         </p:txBody>
       </p:sp>
@@ -5909,11 +5942,878 @@
             <p:ph idx="1"/>
           </p:nvPr>
         </p:nvSpPr>
+        <p:spPr>
+          <a:xfrm>
+            <a:off x="609600" y="1917065"/>
+            <a:ext cx="10972800" cy="3747135"/>
+          </a:xfrm>
+        </p:spPr>
+        <p:txBody>
+          <a:bodyPr/>
+          <a:p>
+            <a:r>
+              <a:rPr lang="en-US" altLang="en-US">
+                <a:latin typeface="Noto Sans" panose="020B0502040504020204" charset="0"/>
+                <a:cs typeface="Noto Sans" panose="020B0502040504020204" charset="0"/>
+                <a:sym typeface="+mn-ea"/>
+              </a:rPr>
+              <a:t>Linear Layer</a:t>
+            </a:r>
+            <a:endParaRPr lang="en-US" altLang="en-US">
+              <a:latin typeface="Noto Sans" panose="020B0502040504020204" charset="0"/>
+              <a:cs typeface="Noto Sans" panose="020B0502040504020204" charset="0"/>
+            </a:endParaRPr>
+          </a:p>
+          <a:p>
+            <a:r>
+              <a:rPr lang="en-US" altLang="en-US">
+                <a:latin typeface="Noto Sans" panose="020B0502040504020204" charset="0"/>
+                <a:cs typeface="Noto Sans" panose="020B0502040504020204" charset="0"/>
+              </a:rPr>
+              <a:t>Convolution Layer</a:t>
+            </a:r>
+            <a:endParaRPr lang="en-US" altLang="en-US">
+              <a:latin typeface="Noto Sans" panose="020B0502040504020204" charset="0"/>
+              <a:cs typeface="Noto Sans" panose="020B0502040504020204" charset="0"/>
+            </a:endParaRPr>
+          </a:p>
+          <a:p>
+            <a:pPr marL="0" indent="0">
+              <a:buNone/>
+            </a:pPr>
+            <a:r>
+              <a:rPr lang="" altLang="en-US">
+                <a:latin typeface="Noto Sans" panose="020B0502040504020204" charset="0"/>
+                <a:cs typeface="Noto Sans" panose="020B0502040504020204" charset="0"/>
+              </a:rPr>
+              <a:t>    (Linear Operation)</a:t>
+            </a:r>
+            <a:endParaRPr lang="en-US" altLang="en-US">
+              <a:latin typeface="Noto Sans" panose="020B0502040504020204" charset="0"/>
+              <a:cs typeface="Noto Sans" panose="020B0502040504020204" charset="0"/>
+            </a:endParaRPr>
+          </a:p>
+          <a:p>
+            <a:endParaRPr lang="en-US" altLang="en-US">
+              <a:latin typeface="Noto Sans" panose="020B0502040504020204" charset="0"/>
+              <a:cs typeface="Noto Sans" panose="020B0502040504020204" charset="0"/>
+            </a:endParaRPr>
+          </a:p>
+          <a:p>
+            <a:endParaRPr lang="en-US" altLang="en-US">
+              <a:latin typeface="Noto Sans" panose="020B0502040504020204" charset="0"/>
+              <a:cs typeface="Noto Sans" panose="020B0502040504020204" charset="0"/>
+            </a:endParaRPr>
+          </a:p>
+        </p:txBody>
+      </p:sp>
+      <p:sp>
+        <p:nvSpPr>
+          <p:cNvPr id="3" name="Right Arrow 2"/>
+          <p:cNvSpPr/>
+          <p:nvPr/>
+        </p:nvSpPr>
+        <p:spPr>
+          <a:xfrm>
+            <a:off x="3865880" y="2102485"/>
+            <a:ext cx="2568575" cy="288925"/>
+          </a:xfrm>
+          <a:prstGeom prst="rightArrow">
+            <a:avLst/>
+          </a:prstGeom>
+        </p:spPr>
+        <p:style>
+          <a:lnRef idx="2">
+            <a:schemeClr val="accent1">
+              <a:shade val="50000"/>
+            </a:schemeClr>
+          </a:lnRef>
+          <a:fillRef idx="1">
+            <a:schemeClr val="accent1"/>
+          </a:fillRef>
+          <a:effectRef idx="0">
+            <a:schemeClr val="accent1"/>
+          </a:effectRef>
+          <a:fontRef idx="minor">
+            <a:schemeClr val="lt1"/>
+          </a:fontRef>
+        </p:style>
+        <p:txBody>
+          <a:bodyPr rtlCol="0" anchor="ctr"/>
+          <a:p>
+            <a:pPr algn="ctr"/>
+            <a:endParaRPr lang="en-US">
+              <a:latin typeface="Noto Sans" panose="020B0502040504020204" charset="0"/>
+              <a:cs typeface="Noto Sans" panose="020B0502040504020204" charset="0"/>
+            </a:endParaRPr>
+          </a:p>
+        </p:txBody>
+      </p:sp>
+      <p:sp>
+        <p:nvSpPr>
+          <p:cNvPr id="4" name="Text Box 3"/>
+          <p:cNvSpPr txBox="true"/>
+          <p:nvPr/>
+        </p:nvSpPr>
+        <p:spPr>
+          <a:xfrm>
+            <a:off x="6802120" y="1770380"/>
+            <a:ext cx="3302000" cy="953135"/>
+          </a:xfrm>
+          <a:prstGeom prst="rect">
+            <a:avLst/>
+          </a:prstGeom>
+          <a:noFill/>
+        </p:spPr>
+        <p:txBody>
+          <a:bodyPr wrap="none" rtlCol="0">
+            <a:spAutoFit/>
+          </a:bodyPr>
+          <a:p>
+            <a:pPr algn="ctr"/>
+            <a:r>
+              <a:rPr lang="" altLang="en-US" sz="2800">
+                <a:latin typeface="Noto Sans" panose="020B0502040504020204" charset="0"/>
+                <a:cs typeface="Noto Sans" panose="020B0502040504020204" charset="0"/>
+              </a:rPr>
+              <a:t>Matrix Multiplication</a:t>
+            </a:r>
+            <a:endParaRPr lang="" altLang="en-US" sz="2800">
+              <a:latin typeface="Noto Sans" panose="020B0502040504020204" charset="0"/>
+              <a:cs typeface="Noto Sans" panose="020B0502040504020204" charset="0"/>
+            </a:endParaRPr>
+          </a:p>
+          <a:p>
+            <a:pPr algn="ctr"/>
+            <a:r>
+              <a:rPr lang="" altLang="en-US" sz="2800">
+                <a:latin typeface="Noto Sans" panose="020B0502040504020204" charset="0"/>
+                <a:cs typeface="Noto Sans" panose="020B0502040504020204" charset="0"/>
+              </a:rPr>
+              <a:t>(GEMM)</a:t>
+            </a:r>
+            <a:endParaRPr lang="" altLang="en-US" sz="2800">
+              <a:latin typeface="Noto Sans" panose="020B0502040504020204" charset="0"/>
+              <a:cs typeface="Noto Sans" panose="020B0502040504020204" charset="0"/>
+            </a:endParaRPr>
+          </a:p>
+        </p:txBody>
+      </p:sp>
+      <p:sp>
+        <p:nvSpPr>
+          <p:cNvPr id="7" name="Curved Up Arrow 6"/>
+          <p:cNvSpPr/>
+          <p:nvPr/>
+        </p:nvSpPr>
+        <p:spPr>
+          <a:xfrm rot="20580000">
+            <a:off x="4733925" y="3218815"/>
+            <a:ext cx="3486785" cy="649605"/>
+          </a:xfrm>
+          <a:prstGeom prst="curvedUpArrow">
+            <a:avLst>
+              <a:gd name="adj1" fmla="val 25000"/>
+              <a:gd name="adj2" fmla="val 50000"/>
+              <a:gd name="adj3" fmla="val 28950"/>
+            </a:avLst>
+          </a:prstGeom>
+        </p:spPr>
+        <p:style>
+          <a:lnRef idx="2">
+            <a:schemeClr val="accent1">
+              <a:shade val="50000"/>
+            </a:schemeClr>
+          </a:lnRef>
+          <a:fillRef idx="1">
+            <a:schemeClr val="accent1"/>
+          </a:fillRef>
+          <a:effectRef idx="0">
+            <a:schemeClr val="accent1"/>
+          </a:effectRef>
+          <a:fontRef idx="minor">
+            <a:schemeClr val="lt1"/>
+          </a:fontRef>
+        </p:style>
+        <p:txBody>
+          <a:bodyPr rtlCol="0" anchor="ctr"/>
+          <a:p>
+            <a:pPr algn="ctr"/>
+            <a:endParaRPr lang="en-US">
+              <a:solidFill>
+                <a:schemeClr val="tx1"/>
+              </a:solidFill>
+              <a:latin typeface="Noto Sans" panose="020B0502040504020204" charset="0"/>
+              <a:cs typeface="Noto Sans" panose="020B0502040504020204" charset="0"/>
+            </a:endParaRPr>
+          </a:p>
+        </p:txBody>
+      </p:sp>
+      <p:sp>
+        <p:nvSpPr>
+          <p:cNvPr id="8" name="Text Box 7"/>
+          <p:cNvSpPr txBox="true"/>
+          <p:nvPr/>
+        </p:nvSpPr>
+        <p:spPr>
+          <a:xfrm>
+            <a:off x="321310" y="5160645"/>
+            <a:ext cx="2951480" cy="645160"/>
+          </a:xfrm>
+          <a:prstGeom prst="rect">
+            <a:avLst/>
+          </a:prstGeom>
+          <a:noFill/>
+        </p:spPr>
+        <p:txBody>
+          <a:bodyPr wrap="none" rtlCol="0">
+            <a:spAutoFit/>
+          </a:bodyPr>
+          <a:p>
+            <a:r>
+              <a:rPr lang="" altLang="en-US" sz="3600">
+                <a:latin typeface="Noto Sans" panose="020B0502040504020204" charset="0"/>
+                <a:cs typeface="Noto Sans" panose="020B0502040504020204" charset="0"/>
+              </a:rPr>
+              <a:t>Acceleration?</a:t>
+            </a:r>
+            <a:endParaRPr lang="" altLang="en-US" sz="3600">
+              <a:latin typeface="Noto Sans" panose="020B0502040504020204" charset="0"/>
+              <a:cs typeface="Noto Sans" panose="020B0502040504020204" charset="0"/>
+            </a:endParaRPr>
+          </a:p>
+        </p:txBody>
+      </p:sp>
+      <p:sp>
+        <p:nvSpPr>
+          <p:cNvPr id="10" name="Text Box 9"/>
+          <p:cNvSpPr txBox="true"/>
+          <p:nvPr/>
+        </p:nvSpPr>
+        <p:spPr>
+          <a:xfrm>
+            <a:off x="3723005" y="4883785"/>
+            <a:ext cx="3981450" cy="1198880"/>
+          </a:xfrm>
+          <a:prstGeom prst="rect">
+            <a:avLst/>
+          </a:prstGeom>
+          <a:noFill/>
+        </p:spPr>
+        <p:txBody>
+          <a:bodyPr wrap="none" rtlCol="0">
+            <a:spAutoFit/>
+          </a:bodyPr>
+          <a:p>
+            <a:pPr marL="342900" indent="-342900">
+              <a:buFont typeface="Arial" panose="020B0604020202020204" pitchFamily="34" charset="0"/>
+              <a:buChar char="•"/>
+            </a:pPr>
+            <a:r>
+              <a:rPr lang="" altLang="en-US" sz="2400">
+                <a:latin typeface="Noto Sans" panose="020B0502040504020204" charset="0"/>
+                <a:cs typeface="Noto Sans" panose="020B0502040504020204" charset="0"/>
+              </a:rPr>
+              <a:t>Parallelization</a:t>
+            </a:r>
+            <a:endParaRPr lang="" altLang="en-US" sz="2400">
+              <a:latin typeface="Noto Sans" panose="020B0502040504020204" charset="0"/>
+              <a:cs typeface="Noto Sans" panose="020B0502040504020204" charset="0"/>
+            </a:endParaRPr>
+          </a:p>
+          <a:p>
+            <a:pPr marL="342900" indent="-342900">
+              <a:buFont typeface="Arial" panose="020B0604020202020204" pitchFamily="34" charset="0"/>
+              <a:buChar char="•"/>
+            </a:pPr>
+            <a:r>
+              <a:rPr lang="" altLang="en-US" sz="2400">
+                <a:latin typeface="Noto Sans" panose="020B0502040504020204" charset="0"/>
+                <a:cs typeface="Noto Sans" panose="020B0502040504020204" charset="0"/>
+              </a:rPr>
+              <a:t>Optimizing Cache Access</a:t>
+            </a:r>
+            <a:endParaRPr lang="" altLang="en-US" sz="2400">
+              <a:latin typeface="Noto Sans" panose="020B0502040504020204" charset="0"/>
+              <a:cs typeface="Noto Sans" panose="020B0502040504020204" charset="0"/>
+            </a:endParaRPr>
+          </a:p>
+          <a:p>
+            <a:pPr marL="342900" indent="-342900">
+              <a:buFont typeface="Arial" panose="020B0604020202020204" pitchFamily="34" charset="0"/>
+              <a:buChar char="•"/>
+            </a:pPr>
+            <a:r>
+              <a:rPr lang="" altLang="en-US" sz="2400" b="1" u="sng">
+                <a:latin typeface="Noto Sans" panose="020B0502040504020204" charset="0"/>
+                <a:cs typeface="Noto Sans" panose="020B0502040504020204" charset="0"/>
+              </a:rPr>
+              <a:t>Hardware Acceleration</a:t>
+            </a:r>
+            <a:endParaRPr lang="" altLang="en-US" sz="2400" b="1" u="sng">
+              <a:latin typeface="Noto Sans" panose="020B0502040504020204" charset="0"/>
+              <a:cs typeface="Noto Sans" panose="020B0502040504020204" charset="0"/>
+            </a:endParaRPr>
+          </a:p>
+        </p:txBody>
+      </p:sp>
+      <p:sp>
+        <p:nvSpPr>
+          <p:cNvPr id="31" name="Text Box 30"/>
+          <p:cNvSpPr txBox="true"/>
+          <p:nvPr/>
+        </p:nvSpPr>
+        <p:spPr>
+          <a:xfrm>
+            <a:off x="8239125" y="4079875"/>
+            <a:ext cx="3719830" cy="2306955"/>
+          </a:xfrm>
+          <a:prstGeom prst="rect">
+            <a:avLst/>
+          </a:prstGeom>
+          <a:noFill/>
+        </p:spPr>
+        <p:txBody>
+          <a:bodyPr wrap="none" rtlCol="0">
+            <a:spAutoFit/>
+          </a:bodyPr>
+          <a:p>
+            <a:pPr marL="342900" indent="-342900">
+              <a:buFont typeface="Arial" panose="020B0604020202020204" pitchFamily="34" charset="0"/>
+              <a:buChar char="•"/>
+            </a:pPr>
+            <a:r>
+              <a:rPr lang="" altLang="en-US" sz="2400">
+                <a:latin typeface="Noto Sans" panose="020B0502040504020204" charset="0"/>
+                <a:cs typeface="Noto Sans" panose="020B0502040504020204" charset="0"/>
+              </a:rPr>
+              <a:t>SIMD (CPU), e.g. AVX2</a:t>
+            </a:r>
+            <a:endParaRPr lang="" altLang="en-US" sz="2400">
+              <a:latin typeface="Noto Sans" panose="020B0502040504020204" charset="0"/>
+              <a:cs typeface="Noto Sans" panose="020B0502040504020204" charset="0"/>
+            </a:endParaRPr>
+          </a:p>
+          <a:p>
+            <a:pPr marL="342900" indent="-342900">
+              <a:buFont typeface="Arial" panose="020B0604020202020204" pitchFamily="34" charset="0"/>
+              <a:buChar char="•"/>
+            </a:pPr>
+            <a:r>
+              <a:rPr lang="" altLang="en-US" sz="2400">
+                <a:latin typeface="Noto Sans" panose="020B0502040504020204" charset="0"/>
+                <a:cs typeface="Noto Sans" panose="020B0502040504020204" charset="0"/>
+              </a:rPr>
+              <a:t>OpenCL (GPU)</a:t>
+            </a:r>
+            <a:endParaRPr lang="" altLang="en-US" sz="2400">
+              <a:latin typeface="Noto Sans" panose="020B0502040504020204" charset="0"/>
+              <a:cs typeface="Noto Sans" panose="020B0502040504020204" charset="0"/>
+            </a:endParaRPr>
+          </a:p>
+          <a:p>
+            <a:pPr marL="342900" indent="-342900">
+              <a:buFont typeface="Arial" panose="020B0604020202020204" pitchFamily="34" charset="0"/>
+              <a:buChar char="•"/>
+            </a:pPr>
+            <a:r>
+              <a:rPr lang="" altLang="en-US" sz="2400">
+                <a:latin typeface="Noto Sans" panose="020B0502040504020204" charset="0"/>
+                <a:cs typeface="Noto Sans" panose="020B0502040504020204" charset="0"/>
+              </a:rPr>
+              <a:t>Nvidia/CUDA (GPU)</a:t>
+            </a:r>
+            <a:endParaRPr lang="" altLang="en-US" sz="2400">
+              <a:latin typeface="Noto Sans" panose="020B0502040504020204" charset="0"/>
+              <a:cs typeface="Noto Sans" panose="020B0502040504020204" charset="0"/>
+            </a:endParaRPr>
+          </a:p>
+          <a:p>
+            <a:pPr marL="342900" indent="-342900">
+              <a:buFont typeface="Arial" panose="020B0604020202020204" pitchFamily="34" charset="0"/>
+              <a:buChar char="•"/>
+            </a:pPr>
+            <a:r>
+              <a:rPr lang="" altLang="en-US" sz="2400">
+                <a:latin typeface="Noto Sans" panose="020B0502040504020204" charset="0"/>
+                <a:cs typeface="Noto Sans" panose="020B0502040504020204" charset="0"/>
+              </a:rPr>
+              <a:t>AMD/ROCm (GPU)</a:t>
+            </a:r>
+            <a:endParaRPr lang="" altLang="en-US" sz="2400">
+              <a:latin typeface="Noto Sans" panose="020B0502040504020204" charset="0"/>
+              <a:cs typeface="Noto Sans" panose="020B0502040504020204" charset="0"/>
+            </a:endParaRPr>
+          </a:p>
+          <a:p>
+            <a:pPr marL="342900" indent="-342900">
+              <a:buFont typeface="Arial" panose="020B0604020202020204" pitchFamily="34" charset="0"/>
+              <a:buChar char="•"/>
+            </a:pPr>
+            <a:r>
+              <a:rPr lang="" altLang="en-US" sz="2400">
+                <a:latin typeface="Noto Sans" panose="020B0502040504020204" charset="0"/>
+                <a:cs typeface="Noto Sans" panose="020B0502040504020204" charset="0"/>
+              </a:rPr>
+              <a:t>Intel/SYCL (GPU)</a:t>
+            </a:r>
+            <a:endParaRPr lang="" altLang="en-US" sz="2400">
+              <a:latin typeface="Noto Sans" panose="020B0502040504020204" charset="0"/>
+              <a:cs typeface="Noto Sans" panose="020B0502040504020204" charset="0"/>
+            </a:endParaRPr>
+          </a:p>
+          <a:p>
+            <a:pPr marL="342900" indent="-342900">
+              <a:buFont typeface="Arial" panose="020B0604020202020204" pitchFamily="34" charset="0"/>
+              <a:buChar char="•"/>
+            </a:pPr>
+            <a:r>
+              <a:rPr lang="" altLang="en-US" sz="2400">
+                <a:latin typeface="Noto Sans" panose="020B0502040504020204" charset="0"/>
+                <a:cs typeface="Noto Sans" panose="020B0502040504020204" charset="0"/>
+              </a:rPr>
+              <a:t>FPGA, etc.</a:t>
+            </a:r>
+            <a:endParaRPr lang="" altLang="en-US" sz="2400">
+              <a:latin typeface="Noto Sans" panose="020B0502040504020204" charset="0"/>
+              <a:cs typeface="Noto Sans" panose="020B0502040504020204" charset="0"/>
+            </a:endParaRPr>
+          </a:p>
+        </p:txBody>
+      </p:sp>
+      <p:sp>
+        <p:nvSpPr>
+          <p:cNvPr id="34" name="Left Brace 33"/>
+          <p:cNvSpPr/>
+          <p:nvPr/>
+        </p:nvSpPr>
+        <p:spPr>
+          <a:xfrm>
+            <a:off x="3376295" y="4650740"/>
+            <a:ext cx="346710" cy="1616075"/>
+          </a:xfrm>
+          <a:prstGeom prst="leftBrace">
+            <a:avLst/>
+          </a:prstGeom>
+        </p:spPr>
+        <p:style>
+          <a:lnRef idx="1">
+            <a:schemeClr val="accent1"/>
+          </a:lnRef>
+          <a:fillRef idx="0">
+            <a:schemeClr val="accent1"/>
+          </a:fillRef>
+          <a:effectRef idx="0">
+            <a:schemeClr val="accent1"/>
+          </a:effectRef>
+          <a:fontRef idx="minor">
+            <a:schemeClr val="tx1"/>
+          </a:fontRef>
+        </p:style>
+        <p:txBody>
+          <a:bodyPr rtlCol="0" anchor="ctr"/>
+          <a:p>
+            <a:pPr algn="ctr"/>
+            <a:endParaRPr lang="en-US">
+              <a:latin typeface="Noto Sans" panose="020B0502040504020204" charset="0"/>
+              <a:cs typeface="Noto Sans" panose="020B0502040504020204" charset="0"/>
+            </a:endParaRPr>
+          </a:p>
+        </p:txBody>
+      </p:sp>
+      <p:sp>
+        <p:nvSpPr>
+          <p:cNvPr id="35" name="Left Brace 34"/>
+          <p:cNvSpPr/>
+          <p:nvPr/>
+        </p:nvSpPr>
+        <p:spPr>
+          <a:xfrm>
+            <a:off x="7777480" y="3956685"/>
+            <a:ext cx="591185" cy="2552700"/>
+          </a:xfrm>
+          <a:prstGeom prst="leftBrace">
+            <a:avLst>
+              <a:gd name="adj1" fmla="val 8333"/>
+              <a:gd name="adj2" fmla="val 76840"/>
+            </a:avLst>
+          </a:prstGeom>
+        </p:spPr>
+        <p:style>
+          <a:lnRef idx="1">
+            <a:schemeClr val="accent1"/>
+          </a:lnRef>
+          <a:fillRef idx="0">
+            <a:schemeClr val="accent1"/>
+          </a:fillRef>
+          <a:effectRef idx="0">
+            <a:schemeClr val="accent1"/>
+          </a:effectRef>
+          <a:fontRef idx="minor">
+            <a:schemeClr val="tx1"/>
+          </a:fontRef>
+        </p:style>
+        <p:txBody>
+          <a:bodyPr rtlCol="0" anchor="ctr"/>
+          <a:p>
+            <a:pPr algn="ctr"/>
+            <a:endParaRPr lang="en-US">
+              <a:latin typeface="Noto Sans" panose="020B0502040504020204" charset="0"/>
+              <a:cs typeface="Noto Sans" panose="020B0502040504020204" charset="0"/>
+            </a:endParaRPr>
+          </a:p>
+        </p:txBody>
+      </p:sp>
+    </p:spTree>
+  </p:cSld>
+  <p:clrMapOvr>
+    <a:masterClrMapping/>
+  </p:clrMapOvr>
+</p:sld>
+</file>
+
+<file path=ppt/slides/slide6.xml><?xml version="1.0" encoding="utf-8"?>
+<p:sld xmlns:a="http://schemas.openxmlformats.org/drawingml/2006/main" xmlns:r="http://schemas.openxmlformats.org/officeDocument/2006/relationships" xmlns:p="http://schemas.openxmlformats.org/presentationml/2006/main">
+  <p:cSld>
+    <p:spTree>
+      <p:nvGrpSpPr>
+        <p:cNvPr id="1" name=""/>
+        <p:cNvGrpSpPr/>
+        <p:nvPr/>
+      </p:nvGrpSpPr>
+      <p:grpSpPr/>
+      <p:sp>
+        <p:nvSpPr>
+          <p:cNvPr id="2" name="Title 1"/>
+          <p:cNvSpPr>
+            <a:spLocks noGrp="true"/>
+          </p:cNvSpPr>
+          <p:nvPr>
+            <p:ph type="title"/>
+          </p:nvPr>
+        </p:nvSpPr>
         <p:spPr/>
         <p:txBody>
           <a:bodyPr/>
           <a:p>
+            <a:pPr algn="l"/>
+            <a:r>
+              <a:rPr lang="" altLang="en-US">
+                <a:latin typeface="Noto Sans" panose="020B0502040504020204" charset="0"/>
+                <a:cs typeface="Noto Sans" panose="020B0502040504020204" charset="0"/>
+              </a:rPr>
+              <a:t>Hardware Acceleration</a:t>
+            </a:r>
+            <a:endParaRPr lang="" altLang="en-US">
+              <a:latin typeface="Noto Sans" panose="020B0502040504020204" charset="0"/>
+              <a:cs typeface="Noto Sans" panose="020B0502040504020204" charset="0"/>
+            </a:endParaRPr>
+          </a:p>
+        </p:txBody>
+      </p:sp>
+      <p:pic>
+        <p:nvPicPr>
+          <p:cNvPr id="5" name="Picture 4"/>
+          <p:cNvPicPr>
+            <a:picLocks noChangeAspect="true"/>
+          </p:cNvPicPr>
+          <p:nvPr/>
+        </p:nvPicPr>
+        <p:blipFill>
+          <a:blip r:embed="rId1"/>
+          <a:stretch>
+            <a:fillRect/>
+          </a:stretch>
+        </p:blipFill>
+        <p:spPr>
+          <a:xfrm>
+            <a:off x="8651875" y="317500"/>
+            <a:ext cx="3158490" cy="389255"/>
+          </a:xfrm>
+          <a:prstGeom prst="rect">
+            <a:avLst/>
+          </a:prstGeom>
+        </p:spPr>
+      </p:pic>
+      <p:sp>
+        <p:nvSpPr>
+          <p:cNvPr id="9" name="Content Placeholder 8"/>
+          <p:cNvSpPr/>
+          <p:nvPr>
+            <p:ph idx="1"/>
+          </p:nvPr>
+        </p:nvSpPr>
+        <p:spPr>
+          <a:xfrm>
+            <a:off x="609600" y="1711960"/>
+            <a:ext cx="10972800" cy="4525963"/>
+          </a:xfrm>
+        </p:spPr>
+        <p:txBody>
+          <a:bodyPr/>
+          <a:p>
+            <a:pPr marL="342900" indent="-342900">
+              <a:buFont typeface="Arial" panose="020B0604020202020204" pitchFamily="34" charset="0"/>
+              <a:buChar char="•"/>
+            </a:pPr>
+            <a:r>
+              <a:rPr lang="en-US" altLang="en-US">
+                <a:latin typeface="Noto Sans" panose="020B0502040504020204" charset="0"/>
+                <a:cs typeface="Noto Sans" panose="020B0502040504020204" charset="0"/>
+                <a:sym typeface="+mn-ea"/>
+              </a:rPr>
+              <a:t>SIMD (CPU), e.g. AVX2</a:t>
+            </a:r>
+            <a:r>
+              <a:rPr lang="" altLang="en-US">
+                <a:latin typeface="Noto Sans" panose="020B0502040504020204" charset="0"/>
+                <a:cs typeface="Noto Sans" panose="020B0502040504020204" charset="0"/>
+                <a:sym typeface="+mn-ea"/>
+              </a:rPr>
+              <a:t>   ......   FLOPS upper bound</a:t>
+            </a:r>
+            <a:endParaRPr lang="en-US" altLang="en-US">
+              <a:latin typeface="Noto Sans" panose="020B0502040504020204" charset="0"/>
+              <a:cs typeface="Noto Sans" panose="020B0502040504020204" charset="0"/>
+            </a:endParaRPr>
+          </a:p>
+          <a:p>
+            <a:pPr marL="342900" indent="-342900">
+              <a:buFont typeface="Arial" panose="020B0604020202020204" pitchFamily="34" charset="0"/>
+              <a:buChar char="•"/>
+            </a:pPr>
+            <a:r>
+              <a:rPr lang="en-US" altLang="en-US">
+                <a:latin typeface="Noto Sans" panose="020B0502040504020204" charset="0"/>
+                <a:cs typeface="Noto Sans" panose="020B0502040504020204" charset="0"/>
+                <a:sym typeface="+mn-ea"/>
+              </a:rPr>
+              <a:t>OpenCL (GPU)</a:t>
+            </a:r>
+            <a:r>
+              <a:rPr lang="" altLang="en-US">
+                <a:latin typeface="Noto Sans" panose="020B0502040504020204" charset="0"/>
+                <a:cs typeface="Noto Sans" panose="020B0502040504020204" charset="0"/>
+                <a:sym typeface="+mn-ea"/>
+              </a:rPr>
+              <a:t>                 ......   Programming?, Support?</a:t>
+            </a:r>
+            <a:endParaRPr lang="en-US" altLang="en-US">
+              <a:latin typeface="Noto Sans" panose="020B0502040504020204" charset="0"/>
+              <a:cs typeface="Noto Sans" panose="020B0502040504020204" charset="0"/>
+            </a:endParaRPr>
+          </a:p>
+          <a:p>
+            <a:pPr marL="342900" indent="-342900">
+              <a:buFont typeface="Arial" panose="020B0604020202020204" pitchFamily="34" charset="0"/>
+              <a:buChar char="•"/>
+            </a:pPr>
+            <a:r>
+              <a:rPr lang="en-US" altLang="en-US">
+                <a:latin typeface="Noto Sans" panose="020B0502040504020204" charset="0"/>
+                <a:cs typeface="Noto Sans" panose="020B0502040504020204" charset="0"/>
+                <a:sym typeface="+mn-ea"/>
+              </a:rPr>
+              <a:t>Nvidia/CUDA (GPU)</a:t>
+            </a:r>
+            <a:r>
+              <a:rPr lang="" altLang="en-US">
+                <a:latin typeface="Noto Sans" panose="020B0502040504020204" charset="0"/>
+                <a:cs typeface="Noto Sans" panose="020B0502040504020204" charset="0"/>
+                <a:sym typeface="+mn-ea"/>
+              </a:rPr>
+              <a:t>        ......   Mature but PROPRIETARY</a:t>
+            </a:r>
+            <a:endParaRPr lang="en-US" altLang="en-US">
+              <a:latin typeface="Noto Sans" panose="020B0502040504020204" charset="0"/>
+              <a:cs typeface="Noto Sans" panose="020B0502040504020204" charset="0"/>
+            </a:endParaRPr>
+          </a:p>
+          <a:p>
+            <a:pPr marL="342900" indent="-342900">
+              <a:buFont typeface="Arial" panose="020B0604020202020204" pitchFamily="34" charset="0"/>
+              <a:buChar char="•"/>
+            </a:pPr>
+            <a:r>
+              <a:rPr lang="en-US" altLang="en-US">
+                <a:latin typeface="Noto Sans" panose="020B0502040504020204" charset="0"/>
+                <a:cs typeface="Noto Sans" panose="020B0502040504020204" charset="0"/>
+                <a:sym typeface="+mn-ea"/>
+              </a:rPr>
+              <a:t>AMD/ROCm (GPU)</a:t>
+            </a:r>
+            <a:r>
+              <a:rPr lang="" altLang="en-US">
+                <a:latin typeface="Noto Sans" panose="020B0502040504020204" charset="0"/>
+                <a:cs typeface="Noto Sans" panose="020B0502040504020204" charset="0"/>
+                <a:sym typeface="+mn-ea"/>
+              </a:rPr>
+              <a:t>          ......   </a:t>
+            </a:r>
+            <a:r>
+              <a:rPr lang="" altLang="en-US" u="sng">
+                <a:latin typeface="Noto Sans" panose="020B0502040504020204" charset="0"/>
+                <a:cs typeface="Noto Sans" panose="020B0502040504020204" charset="0"/>
+                <a:sym typeface="+mn-ea"/>
+              </a:rPr>
+              <a:t>Open Source, developing</a:t>
+            </a:r>
+            <a:endParaRPr lang="en-US" altLang="en-US">
+              <a:latin typeface="Noto Sans" panose="020B0502040504020204" charset="0"/>
+              <a:cs typeface="Noto Sans" panose="020B0502040504020204" charset="0"/>
+            </a:endParaRPr>
+          </a:p>
+          <a:p>
+            <a:pPr marL="342900" indent="-342900">
+              <a:buFont typeface="Arial" panose="020B0604020202020204" pitchFamily="34" charset="0"/>
+              <a:buChar char="•"/>
+            </a:pPr>
+            <a:r>
+              <a:rPr lang="en-US" altLang="en-US">
+                <a:latin typeface="Noto Sans" panose="020B0502040504020204" charset="0"/>
+                <a:cs typeface="Noto Sans" panose="020B0502040504020204" charset="0"/>
+                <a:sym typeface="+mn-ea"/>
+              </a:rPr>
+              <a:t>Intel/SYCL (GPU)</a:t>
+            </a:r>
+            <a:r>
+              <a:rPr lang="" altLang="en-US">
+                <a:latin typeface="Noto Sans" panose="020B0502040504020204" charset="0"/>
+                <a:cs typeface="Noto Sans" panose="020B0502040504020204" charset="0"/>
+                <a:sym typeface="+mn-ea"/>
+              </a:rPr>
+              <a:t>             ......   </a:t>
+            </a:r>
+            <a:r>
+              <a:rPr lang="" altLang="en-US" u="sng">
+                <a:latin typeface="Noto Sans" panose="020B0502040504020204" charset="0"/>
+                <a:cs typeface="Noto Sans" panose="020B0502040504020204" charset="0"/>
+                <a:sym typeface="+mn-ea"/>
+              </a:rPr>
+              <a:t>Open Source, developing</a:t>
+            </a:r>
+            <a:endParaRPr lang="en-US" altLang="en-US" u="sng">
+              <a:latin typeface="Noto Sans" panose="020B0502040504020204" charset="0"/>
+              <a:cs typeface="Noto Sans" panose="020B0502040504020204" charset="0"/>
+            </a:endParaRPr>
+          </a:p>
+          <a:p>
+            <a:pPr marL="342900" indent="-342900">
+              <a:buFont typeface="Arial" panose="020B0604020202020204" pitchFamily="34" charset="0"/>
+              <a:buChar char="•"/>
+            </a:pPr>
+            <a:r>
+              <a:rPr lang="en-US" altLang="en-US">
+                <a:latin typeface="Noto Sans" panose="020B0502040504020204" charset="0"/>
+                <a:cs typeface="Noto Sans" panose="020B0502040504020204" charset="0"/>
+                <a:sym typeface="+mn-ea"/>
+              </a:rPr>
+              <a:t>FPGA, etc.</a:t>
+            </a:r>
+            <a:r>
+              <a:rPr lang="" altLang="en-US">
+                <a:latin typeface="Noto Sans" panose="020B0502040504020204" charset="0"/>
+                <a:cs typeface="Noto Sans" panose="020B0502040504020204" charset="0"/>
+                <a:sym typeface="+mn-ea"/>
+              </a:rPr>
+              <a:t>                        ......    Oops, unfamiliar  :-(</a:t>
+            </a:r>
+            <a:endParaRPr lang="en-US" altLang="en-US">
+              <a:latin typeface="Noto Sans" panose="020B0502040504020204" charset="0"/>
+              <a:cs typeface="Noto Sans" panose="020B0502040504020204" charset="0"/>
+            </a:endParaRPr>
+          </a:p>
+          <a:p>
             <a:endParaRPr lang="en-US"/>
+          </a:p>
+        </p:txBody>
+      </p:sp>
+    </p:spTree>
+  </p:cSld>
+  <p:clrMapOvr>
+    <a:masterClrMapping/>
+  </p:clrMapOvr>
+</p:sld>
+</file>
+
+<file path=ppt/slides/slide7.xml><?xml version="1.0" encoding="utf-8"?>
+<p:sld xmlns:a="http://schemas.openxmlformats.org/drawingml/2006/main" xmlns:r="http://schemas.openxmlformats.org/officeDocument/2006/relationships" xmlns:p="http://schemas.openxmlformats.org/presentationml/2006/main">
+  <p:cSld>
+    <p:spTree>
+      <p:nvGrpSpPr>
+        <p:cNvPr id="1" name=""/>
+        <p:cNvGrpSpPr/>
+        <p:nvPr/>
+      </p:nvGrpSpPr>
+      <p:grpSpPr/>
+      <p:sp>
+        <p:nvSpPr>
+          <p:cNvPr id="2" name="Title 1"/>
+          <p:cNvSpPr>
+            <a:spLocks noGrp="true"/>
+          </p:cNvSpPr>
+          <p:nvPr>
+            <p:ph type="title"/>
+          </p:nvPr>
+        </p:nvSpPr>
+        <p:spPr/>
+        <p:txBody>
+          <a:bodyPr/>
+          <a:p>
+            <a:r>
+              <a:rPr lang="en-US" altLang="en-US"/>
+              <a:t>Thanks!</a:t>
+            </a:r>
+            <a:endParaRPr lang="en-US" altLang="en-US"/>
+          </a:p>
+        </p:txBody>
+      </p:sp>
+      <p:pic>
+        <p:nvPicPr>
+          <p:cNvPr id="5" name="Picture 4"/>
+          <p:cNvPicPr>
+            <a:picLocks noChangeAspect="true"/>
+          </p:cNvPicPr>
+          <p:nvPr/>
+        </p:nvPicPr>
+        <p:blipFill>
+          <a:blip r:embed="rId1"/>
+          <a:stretch>
+            <a:fillRect/>
+          </a:stretch>
+        </p:blipFill>
+        <p:spPr>
+          <a:xfrm>
+            <a:off x="8651875" y="317500"/>
+            <a:ext cx="3158490" cy="389255"/>
+          </a:xfrm>
+          <a:prstGeom prst="rect">
+            <a:avLst/>
+          </a:prstGeom>
+        </p:spPr>
+      </p:pic>
+      <p:sp>
+        <p:nvSpPr>
+          <p:cNvPr id="6" name="Content Placeholder 5"/>
+          <p:cNvSpPr/>
+          <p:nvPr>
+            <p:ph idx="1"/>
+          </p:nvPr>
+        </p:nvSpPr>
+        <p:spPr/>
+        <p:txBody>
+          <a:bodyPr/>
+          <a:p>
+            <a:r>
+              <a:rPr lang="en-US" sz="2400">
+                <a:latin typeface="Fira Code" charset="0"/>
+                <a:cs typeface="Fira Code" charset="0"/>
+              </a:rPr>
+              <a:t>https://people.debian.org/~lumin/debian-dl.html</a:t>
+            </a:r>
+            <a:endParaRPr lang="en-US" sz="2400">
+              <a:latin typeface="Fira Code" charset="0"/>
+              <a:cs typeface="Fira Code" charset="0"/>
+            </a:endParaRPr>
           </a:p>
         </p:txBody>
       </p:sp>

--- a/Dc20DeepLearning.pptx
+++ b/Dc20DeepLearning.pptx
@@ -5,10 +5,10 @@
     <p:sldMasterId id="2147483648" r:id="rId1"/>
   </p:sldMasterIdLst>
   <p:notesMasterIdLst>
-    <p:notesMasterId r:id="rId10"/>
+    <p:notesMasterId r:id="rId11"/>
   </p:notesMasterIdLst>
   <p:handoutMasterIdLst>
-    <p:handoutMasterId r:id="rId11"/>
+    <p:handoutMasterId r:id="rId12"/>
   </p:handoutMasterIdLst>
   <p:sldIdLst>
     <p:sldId id="256" r:id="rId3"/>
@@ -17,7 +17,8 @@
     <p:sldId id="260" r:id="rId6"/>
     <p:sldId id="262" r:id="rId7"/>
     <p:sldId id="263" r:id="rId8"/>
-    <p:sldId id="259" r:id="rId9"/>
+    <p:sldId id="264" r:id="rId9"/>
+    <p:sldId id="259" r:id="rId10"/>
   </p:sldIdLst>
   <p:sldSz cx="12192000" cy="6858000"/>
   <p:notesSz cx="7103745" cy="10234295"/>
@@ -6736,6 +6737,285 @@
 </file>
 
 <file path=ppt/slides/slide7.xml><?xml version="1.0" encoding="utf-8"?>
+<p:sld xmlns:a="http://schemas.openxmlformats.org/drawingml/2006/main" xmlns:r="http://schemas.openxmlformats.org/officeDocument/2006/relationships" xmlns:p="http://schemas.openxmlformats.org/presentationml/2006/main">
+  <p:cSld>
+    <p:spTree>
+      <p:nvGrpSpPr>
+        <p:cNvPr id="1" name=""/>
+        <p:cNvGrpSpPr/>
+        <p:nvPr/>
+      </p:nvGrpSpPr>
+      <p:grpSpPr/>
+      <p:sp>
+        <p:nvSpPr>
+          <p:cNvPr id="2" name="Title 1"/>
+          <p:cNvSpPr>
+            <a:spLocks noGrp="true"/>
+          </p:cNvSpPr>
+          <p:nvPr>
+            <p:ph type="title"/>
+          </p:nvPr>
+        </p:nvSpPr>
+        <p:spPr/>
+        <p:txBody>
+          <a:bodyPr/>
+          <a:p>
+            <a:pPr algn="l"/>
+            <a:r>
+              <a:rPr lang="" altLang="en-US">
+                <a:latin typeface="Noto Sans" panose="020B0502040504020204" charset="0"/>
+                <a:cs typeface="Noto Sans" panose="020B0502040504020204" charset="0"/>
+              </a:rPr>
+              <a:t>Packages in Debian</a:t>
+            </a:r>
+            <a:endParaRPr lang="" altLang="en-US">
+              <a:latin typeface="Noto Sans" panose="020B0502040504020204" charset="0"/>
+              <a:cs typeface="Noto Sans" panose="020B0502040504020204" charset="0"/>
+            </a:endParaRPr>
+          </a:p>
+        </p:txBody>
+      </p:sp>
+      <p:pic>
+        <p:nvPicPr>
+          <p:cNvPr id="4" name="Picture 3"/>
+          <p:cNvPicPr>
+            <a:picLocks noChangeAspect="true"/>
+          </p:cNvPicPr>
+          <p:nvPr/>
+        </p:nvPicPr>
+        <p:blipFill>
+          <a:blip r:embed="rId1"/>
+          <a:stretch>
+            <a:fillRect/>
+          </a:stretch>
+        </p:blipFill>
+        <p:spPr>
+          <a:xfrm>
+            <a:off x="8651875" y="317500"/>
+            <a:ext cx="3158490" cy="389255"/>
+          </a:xfrm>
+          <a:prstGeom prst="rect">
+            <a:avLst/>
+          </a:prstGeom>
+        </p:spPr>
+      </p:pic>
+      <p:sp>
+        <p:nvSpPr>
+          <p:cNvPr id="6" name="Content Placeholder 5"/>
+          <p:cNvSpPr/>
+          <p:nvPr>
+            <p:ph idx="1"/>
+          </p:nvPr>
+        </p:nvSpPr>
+        <p:spPr/>
+        <p:txBody>
+          <a:bodyPr/>
+          <a:p>
+            <a:r>
+              <a:rPr lang="" altLang="en-US">
+                <a:latin typeface="Noto Sans" panose="020B0502040504020204" charset="0"/>
+                <a:cs typeface="Noto Sans" panose="020B0502040504020204" charset="0"/>
+              </a:rPr>
+              <a:t>Performance Libraries</a:t>
+            </a:r>
+            <a:endParaRPr lang="" altLang="en-US">
+              <a:latin typeface="Noto Sans" panose="020B0502040504020204" charset="0"/>
+              <a:cs typeface="Noto Sans" panose="020B0502040504020204" charset="0"/>
+            </a:endParaRPr>
+          </a:p>
+          <a:p>
+            <a:pPr lvl="1"/>
+            <a:r>
+              <a:rPr lang="" altLang="en-US">
+                <a:latin typeface="Noto Sans" panose="020B0502040504020204" charset="0"/>
+                <a:cs typeface="Noto Sans" panose="020B0502040504020204" charset="0"/>
+              </a:rPr>
+              <a:t>e.g. math libraries incl. </a:t>
+            </a:r>
+            <a:r>
+              <a:rPr lang="" altLang="en-US" u="sng">
+                <a:latin typeface="Noto Sans" panose="020B0502040504020204" charset="0"/>
+                <a:cs typeface="Noto Sans" panose="020B0502040504020204" charset="0"/>
+              </a:rPr>
+              <a:t>BLAS/LAPACK</a:t>
+            </a:r>
+            <a:r>
+              <a:rPr lang="" altLang="en-US">
+                <a:latin typeface="Noto Sans" panose="020B0502040504020204" charset="0"/>
+                <a:cs typeface="Noto Sans" panose="020B0502040504020204" charset="0"/>
+              </a:rPr>
+              <a:t>. (SIMD)</a:t>
+            </a:r>
+            <a:endParaRPr lang="" altLang="en-US">
+              <a:latin typeface="Noto Sans" panose="020B0502040504020204" charset="0"/>
+              <a:cs typeface="Noto Sans" panose="020B0502040504020204" charset="0"/>
+            </a:endParaRPr>
+          </a:p>
+          <a:p>
+            <a:r>
+              <a:rPr lang="" altLang="en-US">
+                <a:latin typeface="Noto Sans" panose="020B0502040504020204" charset="0"/>
+                <a:cs typeface="Noto Sans" panose="020B0502040504020204" charset="0"/>
+              </a:rPr>
+              <a:t>Deep Learning Frameworks</a:t>
+            </a:r>
+            <a:endParaRPr lang="" altLang="en-US">
+              <a:latin typeface="Noto Sans" panose="020B0502040504020204" charset="0"/>
+              <a:cs typeface="Noto Sans" panose="020B0502040504020204" charset="0"/>
+            </a:endParaRPr>
+          </a:p>
+          <a:p>
+            <a:pPr lvl="1"/>
+            <a:r>
+              <a:rPr lang="" altLang="en-US">
+                <a:latin typeface="Noto Sans" panose="020B0502040504020204" charset="0"/>
+                <a:cs typeface="Noto Sans" panose="020B0502040504020204" charset="0"/>
+              </a:rPr>
+              <a:t>e.g. </a:t>
+            </a:r>
+            <a:r>
+              <a:rPr lang="" altLang="en-US" u="sng">
+                <a:latin typeface="Noto Sans" panose="020B0502040504020204" charset="0"/>
+                <a:cs typeface="Noto Sans" panose="020B0502040504020204" charset="0"/>
+              </a:rPr>
+              <a:t>TensorFlow, PyTorch, Caffe</a:t>
+            </a:r>
+            <a:endParaRPr lang="" altLang="en-US" u="sng">
+              <a:latin typeface="Noto Sans" panose="020B0502040504020204" charset="0"/>
+              <a:cs typeface="Noto Sans" panose="020B0502040504020204" charset="0"/>
+            </a:endParaRPr>
+          </a:p>
+          <a:p>
+            <a:pPr lvl="0"/>
+            <a:r>
+              <a:rPr lang="" altLang="en-US" u="sng">
+                <a:latin typeface="Noto Sans" panose="020B0502040504020204" charset="0"/>
+                <a:cs typeface="Noto Sans" panose="020B0502040504020204" charset="0"/>
+              </a:rPr>
+              <a:t>AMD ROCm (AMD GPUs)</a:t>
+            </a:r>
+            <a:endParaRPr lang="" altLang="en-US">
+              <a:latin typeface="Noto Sans" panose="020B0502040504020204" charset="0"/>
+              <a:cs typeface="Noto Sans" panose="020B0502040504020204" charset="0"/>
+            </a:endParaRPr>
+          </a:p>
+          <a:p>
+            <a:pPr lvl="1"/>
+            <a:r>
+              <a:rPr lang="" altLang="en-US">
+                <a:latin typeface="Noto Sans" panose="020B0502040504020204" charset="0"/>
+                <a:cs typeface="Noto Sans" panose="020B0502040504020204" charset="0"/>
+                <a:sym typeface="+mn-ea"/>
+              </a:rPr>
+              <a:t>FOSS counterpart to </a:t>
+            </a:r>
+            <a:r>
+              <a:rPr lang="en-US" altLang="en-US">
+                <a:latin typeface="Noto Sans" panose="020B0502040504020204" charset="0"/>
+                <a:cs typeface="Noto Sans" panose="020B0502040504020204" charset="0"/>
+                <a:sym typeface="+mn-ea"/>
+              </a:rPr>
+              <a:t>Nvidia/CUDA</a:t>
+            </a:r>
+            <a:endParaRPr lang="en-US" altLang="en-US">
+              <a:latin typeface="Noto Sans" panose="020B0502040504020204" charset="0"/>
+              <a:cs typeface="Noto Sans" panose="020B0502040504020204" charset="0"/>
+              <a:sym typeface="+mn-ea"/>
+            </a:endParaRPr>
+          </a:p>
+          <a:p>
+            <a:pPr lvl="0"/>
+            <a:r>
+              <a:rPr lang="" altLang="en-US" u="sng">
+                <a:latin typeface="Noto Sans" panose="020B0502040504020204" charset="0"/>
+                <a:cs typeface="Noto Sans" panose="020B0502040504020204" charset="0"/>
+              </a:rPr>
+              <a:t>Intel SYCL (Intel GPUs)</a:t>
+            </a:r>
+            <a:endParaRPr lang="" altLang="en-US">
+              <a:latin typeface="Noto Sans" panose="020B0502040504020204" charset="0"/>
+              <a:cs typeface="Noto Sans" panose="020B0502040504020204" charset="0"/>
+            </a:endParaRPr>
+          </a:p>
+          <a:p>
+            <a:pPr lvl="1"/>
+            <a:r>
+              <a:rPr lang="" altLang="en-US">
+                <a:latin typeface="Noto Sans" panose="020B0502040504020204" charset="0"/>
+                <a:cs typeface="Noto Sans" panose="020B0502040504020204" charset="0"/>
+              </a:rPr>
+              <a:t>OpenCL, LLVM</a:t>
+            </a:r>
+            <a:endParaRPr lang="" altLang="en-US">
+              <a:latin typeface="Noto Sans" panose="020B0502040504020204" charset="0"/>
+              <a:cs typeface="Noto Sans" panose="020B0502040504020204" charset="0"/>
+            </a:endParaRPr>
+          </a:p>
+        </p:txBody>
+      </p:sp>
+      <p:sp>
+        <p:nvSpPr>
+          <p:cNvPr id="7" name="Text Box 6"/>
+          <p:cNvSpPr txBox="true"/>
+          <p:nvPr/>
+        </p:nvSpPr>
+        <p:spPr>
+          <a:xfrm>
+            <a:off x="8378190" y="4330700"/>
+            <a:ext cx="1921510" cy="1076325"/>
+          </a:xfrm>
+          <a:prstGeom prst="rect">
+            <a:avLst/>
+          </a:prstGeom>
+          <a:noFill/>
+        </p:spPr>
+        <p:txBody>
+          <a:bodyPr wrap="none" rtlCol="0">
+            <a:spAutoFit/>
+          </a:bodyPr>
+          <a:p>
+            <a:pPr algn="ctr"/>
+            <a:r>
+              <a:rPr lang="" altLang="en-US" sz="3200">
+                <a:solidFill>
+                  <a:srgbClr val="00B0F0"/>
+                </a:solidFill>
+              </a:rPr>
+              <a:t>Status</a:t>
+            </a:r>
+            <a:endParaRPr lang="" altLang="en-US" sz="3200">
+              <a:solidFill>
+                <a:srgbClr val="00B0F0"/>
+              </a:solidFill>
+            </a:endParaRPr>
+          </a:p>
+          <a:p>
+            <a:pPr algn="ctr"/>
+            <a:r>
+              <a:rPr lang="" altLang="en-US" sz="3200">
+                <a:solidFill>
+                  <a:srgbClr val="00B0F0"/>
+                </a:solidFill>
+              </a:rPr>
+              <a:t>Summary</a:t>
+            </a:r>
+            <a:endParaRPr lang="" altLang="en-US" sz="3200">
+              <a:solidFill>
+                <a:srgbClr val="00B0F0"/>
+              </a:solidFill>
+            </a:endParaRPr>
+          </a:p>
+        </p:txBody>
+      </p:sp>
+    </p:spTree>
+  </p:cSld>
+  <p:clrMapOvr>
+    <a:masterClrMapping/>
+  </p:clrMapOvr>
+</p:sld>
+</file>
+
+<file path=ppt/slides/slide8.xml><?xml version="1.0" encoding="utf-8"?>
 <p:sld xmlns:a="http://schemas.openxmlformats.org/drawingml/2006/main" xmlns:r="http://schemas.openxmlformats.org/officeDocument/2006/relationships" xmlns:p="http://schemas.openxmlformats.org/presentationml/2006/main">
   <p:cSld>
     <p:spTree>

--- a/Dc20DeepLearning.pptx
+++ b/Dc20DeepLearning.pptx
@@ -5,10 +5,10 @@
     <p:sldMasterId id="2147483648" r:id="rId1"/>
   </p:sldMasterIdLst>
   <p:notesMasterIdLst>
-    <p:notesMasterId r:id="rId11"/>
+    <p:notesMasterId r:id="rId12"/>
   </p:notesMasterIdLst>
   <p:handoutMasterIdLst>
-    <p:handoutMasterId r:id="rId12"/>
+    <p:handoutMasterId r:id="rId13"/>
   </p:handoutMasterIdLst>
   <p:sldIdLst>
     <p:sldId id="256" r:id="rId3"/>
@@ -18,7 +18,8 @@
     <p:sldId id="262" r:id="rId7"/>
     <p:sldId id="263" r:id="rId8"/>
     <p:sldId id="264" r:id="rId9"/>
-    <p:sldId id="259" r:id="rId10"/>
+    <p:sldId id="265" r:id="rId10"/>
+    <p:sldId id="259" r:id="rId11"/>
   </p:sldIdLst>
   <p:sldSz cx="12192000" cy="6858000"/>
   <p:notesSz cx="7103745" cy="10234295"/>
@@ -7016,6 +7017,463 @@
 </file>
 
 <file path=ppt/slides/slide8.xml><?xml version="1.0" encoding="utf-8"?>
+<p:sld xmlns:a="http://schemas.openxmlformats.org/drawingml/2006/main" xmlns:r="http://schemas.openxmlformats.org/officeDocument/2006/relationships" xmlns:p="http://schemas.openxmlformats.org/presentationml/2006/main">
+  <p:cSld>
+    <p:spTree>
+      <p:nvGrpSpPr>
+        <p:cNvPr id="1" name=""/>
+        <p:cNvGrpSpPr/>
+        <p:nvPr/>
+      </p:nvGrpSpPr>
+      <p:grpSpPr/>
+      <p:sp>
+        <p:nvSpPr>
+          <p:cNvPr id="2" name="Title 1"/>
+          <p:cNvSpPr>
+            <a:spLocks noGrp="true"/>
+          </p:cNvSpPr>
+          <p:nvPr>
+            <p:ph type="title"/>
+          </p:nvPr>
+        </p:nvSpPr>
+        <p:spPr/>
+        <p:txBody>
+          <a:bodyPr/>
+          <a:p>
+            <a:pPr algn="l"/>
+            <a:r>
+              <a:rPr lang="" altLang="en-US">
+                <a:latin typeface="Noto Sans" panose="020B0502040504020204" charset="0"/>
+                <a:cs typeface="Noto Sans" panose="020B0502040504020204" charset="0"/>
+              </a:rPr>
+              <a:t>BLAS/LAPACK</a:t>
+            </a:r>
+            <a:endParaRPr lang="" altLang="en-US">
+              <a:latin typeface="Noto Sans" panose="020B0502040504020204" charset="0"/>
+              <a:cs typeface="Noto Sans" panose="020B0502040504020204" charset="0"/>
+            </a:endParaRPr>
+          </a:p>
+        </p:txBody>
+      </p:sp>
+      <p:pic>
+        <p:nvPicPr>
+          <p:cNvPr id="5" name="Picture 4"/>
+          <p:cNvPicPr>
+            <a:picLocks noChangeAspect="true"/>
+          </p:cNvPicPr>
+          <p:nvPr/>
+        </p:nvPicPr>
+        <p:blipFill>
+          <a:blip r:embed="rId1"/>
+          <a:stretch>
+            <a:fillRect/>
+          </a:stretch>
+        </p:blipFill>
+        <p:spPr>
+          <a:xfrm>
+            <a:off x="8651875" y="317500"/>
+            <a:ext cx="3158490" cy="389255"/>
+          </a:xfrm>
+          <a:prstGeom prst="rect">
+            <a:avLst/>
+          </a:prstGeom>
+        </p:spPr>
+      </p:pic>
+      <p:sp>
+        <p:nvSpPr>
+          <p:cNvPr id="6" name="Content Placeholder 5"/>
+          <p:cNvSpPr/>
+          <p:nvPr>
+            <p:ph idx="1"/>
+          </p:nvPr>
+        </p:nvSpPr>
+        <p:spPr/>
+        <p:txBody>
+          <a:bodyPr/>
+          <a:p>
+            <a:r>
+              <a:rPr lang="" altLang="en-US">
+                <a:latin typeface="Noto Sans" panose="020B0502040504020204" charset="0"/>
+                <a:cs typeface="Noto Sans" panose="020B0502040504020204" charset="0"/>
+              </a:rPr>
+              <a:t>Numerical Linear Algebra / Fundamental Math libs</a:t>
+            </a:r>
+            <a:endParaRPr lang="" altLang="en-US">
+              <a:latin typeface="Noto Sans" panose="020B0502040504020204" charset="0"/>
+              <a:cs typeface="Noto Sans" panose="020B0502040504020204" charset="0"/>
+            </a:endParaRPr>
+          </a:p>
+          <a:p>
+            <a:r>
+              <a:rPr lang="" altLang="en-US" u="sng">
+                <a:latin typeface="Noto Sans" panose="020B0502040504020204" charset="0"/>
+                <a:cs typeface="Noto Sans" panose="020B0502040504020204" charset="0"/>
+              </a:rPr>
+              <a:t>libblas.so.3</a:t>
+            </a:r>
+            <a:r>
+              <a:rPr lang="" altLang="en-US">
+                <a:latin typeface="Noto Sans" panose="020B0502040504020204" charset="0"/>
+                <a:cs typeface="Noto Sans" panose="020B0502040504020204" charset="0"/>
+              </a:rPr>
+              <a:t> + liblapack.so.3</a:t>
+            </a:r>
+            <a:endParaRPr lang="" altLang="en-US">
+              <a:latin typeface="Noto Sans" panose="020B0502040504020204" charset="0"/>
+              <a:cs typeface="Noto Sans" panose="020B0502040504020204" charset="0"/>
+            </a:endParaRPr>
+          </a:p>
+          <a:p>
+            <a:endParaRPr lang="" altLang="en-US">
+              <a:latin typeface="Noto Sans" panose="020B0502040504020204" charset="0"/>
+              <a:cs typeface="Noto Sans" panose="020B0502040504020204" charset="0"/>
+            </a:endParaRPr>
+          </a:p>
+        </p:txBody>
+      </p:sp>
+      <p:sp>
+        <p:nvSpPr>
+          <p:cNvPr id="7" name="Right Brace 6"/>
+          <p:cNvSpPr/>
+          <p:nvPr/>
+        </p:nvSpPr>
+        <p:spPr>
+          <a:xfrm rot="16200000">
+            <a:off x="5778500" y="-2066290"/>
+            <a:ext cx="693420" cy="10619740"/>
+          </a:xfrm>
+          <a:prstGeom prst="rightBrace">
+            <a:avLst>
+              <a:gd name="adj1" fmla="val 8333"/>
+              <a:gd name="adj2" fmla="val 9005"/>
+            </a:avLst>
+          </a:prstGeom>
+        </p:spPr>
+        <p:style>
+          <a:lnRef idx="1">
+            <a:schemeClr val="accent1"/>
+          </a:lnRef>
+          <a:fillRef idx="0">
+            <a:schemeClr val="accent1"/>
+          </a:fillRef>
+          <a:effectRef idx="0">
+            <a:schemeClr val="accent1"/>
+          </a:effectRef>
+          <a:fontRef idx="minor">
+            <a:schemeClr val="tx1"/>
+          </a:fontRef>
+        </p:style>
+        <p:txBody>
+          <a:bodyPr rtlCol="0" anchor="ctr"/>
+          <a:p>
+            <a:pPr algn="ctr"/>
+            <a:endParaRPr lang="en-US">
+              <a:latin typeface="Noto Sans" panose="020B0502040504020204" charset="0"/>
+              <a:cs typeface="Noto Sans" panose="020B0502040504020204" charset="0"/>
+            </a:endParaRPr>
+          </a:p>
+        </p:txBody>
+      </p:sp>
+      <p:sp>
+        <p:nvSpPr>
+          <p:cNvPr id="8" name="Text Box 7"/>
+          <p:cNvSpPr txBox="true"/>
+          <p:nvPr/>
+        </p:nvSpPr>
+        <p:spPr>
+          <a:xfrm>
+            <a:off x="1819910" y="3474720"/>
+            <a:ext cx="1938655" cy="521970"/>
+          </a:xfrm>
+          <a:prstGeom prst="rect">
+            <a:avLst/>
+          </a:prstGeom>
+          <a:noFill/>
+        </p:spPr>
+        <p:txBody>
+          <a:bodyPr wrap="none" rtlCol="0">
+            <a:spAutoFit/>
+          </a:bodyPr>
+          <a:p>
+            <a:r>
+              <a:rPr lang="" altLang="en-US" sz="2800">
+                <a:latin typeface="Noto Sans" panose="020B0502040504020204" charset="0"/>
+                <a:cs typeface="Noto Sans" panose="020B0502040504020204" charset="0"/>
+              </a:rPr>
+              <a:t>OpenBLAS</a:t>
+            </a:r>
+            <a:endParaRPr lang="" altLang="en-US" sz="2800">
+              <a:latin typeface="Noto Sans" panose="020B0502040504020204" charset="0"/>
+              <a:cs typeface="Noto Sans" panose="020B0502040504020204" charset="0"/>
+            </a:endParaRPr>
+          </a:p>
+        </p:txBody>
+      </p:sp>
+      <p:sp>
+        <p:nvSpPr>
+          <p:cNvPr id="9" name="Text Box 8"/>
+          <p:cNvSpPr txBox="true"/>
+          <p:nvPr/>
+        </p:nvSpPr>
+        <p:spPr>
+          <a:xfrm>
+            <a:off x="4221480" y="3474720"/>
+            <a:ext cx="915670" cy="521970"/>
+          </a:xfrm>
+          <a:prstGeom prst="rect">
+            <a:avLst/>
+          </a:prstGeom>
+          <a:noFill/>
+        </p:spPr>
+        <p:txBody>
+          <a:bodyPr wrap="none" rtlCol="0">
+            <a:spAutoFit/>
+          </a:bodyPr>
+          <a:p>
+            <a:r>
+              <a:rPr lang="" altLang="en-US" sz="2800">
+                <a:latin typeface="Noto Sans" panose="020B0502040504020204" charset="0"/>
+                <a:cs typeface="Noto Sans" panose="020B0502040504020204" charset="0"/>
+              </a:rPr>
+              <a:t>BLIS</a:t>
+            </a:r>
+            <a:endParaRPr lang="" altLang="en-US" sz="2800">
+              <a:latin typeface="Noto Sans" panose="020B0502040504020204" charset="0"/>
+              <a:cs typeface="Noto Sans" panose="020B0502040504020204" charset="0"/>
+            </a:endParaRPr>
+          </a:p>
+        </p:txBody>
+      </p:sp>
+      <p:sp>
+        <p:nvSpPr>
+          <p:cNvPr id="10" name="Text Box 9"/>
+          <p:cNvSpPr txBox="true"/>
+          <p:nvPr/>
+        </p:nvSpPr>
+        <p:spPr>
+          <a:xfrm>
+            <a:off x="5975350" y="3474720"/>
+            <a:ext cx="999490" cy="521970"/>
+          </a:xfrm>
+          <a:prstGeom prst="rect">
+            <a:avLst/>
+          </a:prstGeom>
+          <a:noFill/>
+        </p:spPr>
+        <p:txBody>
+          <a:bodyPr wrap="none" rtlCol="0">
+            <a:spAutoFit/>
+          </a:bodyPr>
+          <a:p>
+            <a:r>
+              <a:rPr lang="" altLang="en-US" sz="2800">
+                <a:latin typeface="Noto Sans" panose="020B0502040504020204" charset="0"/>
+                <a:cs typeface="Noto Sans" panose="020B0502040504020204" charset="0"/>
+              </a:rPr>
+              <a:t>Atlas</a:t>
+            </a:r>
+            <a:endParaRPr lang="" altLang="en-US" sz="2800">
+              <a:latin typeface="Noto Sans" panose="020B0502040504020204" charset="0"/>
+              <a:cs typeface="Noto Sans" panose="020B0502040504020204" charset="0"/>
+            </a:endParaRPr>
+          </a:p>
+        </p:txBody>
+      </p:sp>
+      <p:sp>
+        <p:nvSpPr>
+          <p:cNvPr id="11" name="Text Box 10"/>
+          <p:cNvSpPr txBox="true"/>
+          <p:nvPr/>
+        </p:nvSpPr>
+        <p:spPr>
+          <a:xfrm>
+            <a:off x="7741920" y="3474720"/>
+            <a:ext cx="1183640" cy="521970"/>
+          </a:xfrm>
+          <a:prstGeom prst="rect">
+            <a:avLst/>
+          </a:prstGeom>
+          <a:noFill/>
+        </p:spPr>
+        <p:txBody>
+          <a:bodyPr wrap="none" rtlCol="0">
+            <a:spAutoFit/>
+          </a:bodyPr>
+          <a:p>
+            <a:r>
+              <a:rPr lang="" altLang="en-US" sz="2800">
+                <a:latin typeface="Noto Sans" panose="020B0502040504020204" charset="0"/>
+                <a:cs typeface="Noto Sans" panose="020B0502040504020204" charset="0"/>
+              </a:rPr>
+              <a:t>Netlib</a:t>
+            </a:r>
+            <a:endParaRPr lang="" altLang="en-US" sz="2800">
+              <a:latin typeface="Noto Sans" panose="020B0502040504020204" charset="0"/>
+              <a:cs typeface="Noto Sans" panose="020B0502040504020204" charset="0"/>
+            </a:endParaRPr>
+          </a:p>
+        </p:txBody>
+      </p:sp>
+      <p:sp>
+        <p:nvSpPr>
+          <p:cNvPr id="12" name="Text Box 11"/>
+          <p:cNvSpPr txBox="true"/>
+          <p:nvPr/>
+        </p:nvSpPr>
+        <p:spPr>
+          <a:xfrm>
+            <a:off x="9469755" y="3474720"/>
+            <a:ext cx="1835785" cy="953135"/>
+          </a:xfrm>
+          <a:prstGeom prst="rect">
+            <a:avLst/>
+          </a:prstGeom>
+          <a:noFill/>
+        </p:spPr>
+        <p:txBody>
+          <a:bodyPr wrap="none" rtlCol="0">
+            <a:spAutoFit/>
+          </a:bodyPr>
+          <a:p>
+            <a:r>
+              <a:rPr lang="" altLang="en-US" sz="2800">
+                <a:latin typeface="Noto Sans" panose="020B0502040504020204" charset="0"/>
+                <a:cs typeface="Noto Sans" panose="020B0502040504020204" charset="0"/>
+              </a:rPr>
+              <a:t>Intel-MKL</a:t>
+            </a:r>
+            <a:endParaRPr lang="" altLang="en-US" sz="2800">
+              <a:latin typeface="Noto Sans" panose="020B0502040504020204" charset="0"/>
+              <a:cs typeface="Noto Sans" panose="020B0502040504020204" charset="0"/>
+            </a:endParaRPr>
+          </a:p>
+          <a:p>
+            <a:r>
+              <a:rPr lang="" altLang="en-US" sz="2800">
+                <a:latin typeface="Noto Sans" panose="020B0502040504020204" charset="0"/>
+                <a:cs typeface="Noto Sans" panose="020B0502040504020204" charset="0"/>
+              </a:rPr>
+              <a:t>(non-free)</a:t>
+            </a:r>
+            <a:endParaRPr lang="" altLang="en-US" sz="2800">
+              <a:latin typeface="Noto Sans" panose="020B0502040504020204" charset="0"/>
+              <a:cs typeface="Noto Sans" panose="020B0502040504020204" charset="0"/>
+            </a:endParaRPr>
+          </a:p>
+        </p:txBody>
+      </p:sp>
+      <p:cxnSp>
+        <p:nvCxnSpPr>
+          <p:cNvPr id="13" name="Straight Arrow Connector 12"/>
+          <p:cNvCxnSpPr/>
+          <p:nvPr/>
+        </p:nvCxnSpPr>
+        <p:spPr>
+          <a:xfrm flipH="true">
+            <a:off x="1459230" y="4029710"/>
+            <a:ext cx="7562215" cy="0"/>
+          </a:xfrm>
+          <a:prstGeom prst="straightConnector1">
+            <a:avLst/>
+          </a:prstGeom>
+          <a:ln w="50800">
+            <a:tailEnd type="stealth"/>
+          </a:ln>
+        </p:spPr>
+        <p:style>
+          <a:lnRef idx="1">
+            <a:schemeClr val="accent1"/>
+          </a:lnRef>
+          <a:fillRef idx="0">
+            <a:schemeClr val="accent1"/>
+          </a:fillRef>
+          <a:effectRef idx="0">
+            <a:schemeClr val="accent1"/>
+          </a:effectRef>
+          <a:fontRef idx="minor">
+            <a:schemeClr val="tx1"/>
+          </a:fontRef>
+        </p:style>
+      </p:cxnSp>
+      <p:sp>
+        <p:nvSpPr>
+          <p:cNvPr id="14" name="Text Box 13"/>
+          <p:cNvSpPr txBox="true"/>
+          <p:nvPr/>
+        </p:nvSpPr>
+        <p:spPr>
+          <a:xfrm>
+            <a:off x="427990" y="3768725"/>
+            <a:ext cx="874395" cy="521970"/>
+          </a:xfrm>
+          <a:prstGeom prst="rect">
+            <a:avLst/>
+          </a:prstGeom>
+          <a:noFill/>
+        </p:spPr>
+        <p:txBody>
+          <a:bodyPr wrap="none" rtlCol="0">
+            <a:spAutoFit/>
+          </a:bodyPr>
+          <a:p>
+            <a:r>
+              <a:rPr lang="" altLang="en-US" sz="2800">
+                <a:solidFill>
+                  <a:srgbClr val="00B0F0"/>
+                </a:solidFill>
+              </a:rPr>
+              <a:t>Fast</a:t>
+            </a:r>
+            <a:endParaRPr lang="" altLang="en-US" sz="2800">
+              <a:solidFill>
+                <a:srgbClr val="00B0F0"/>
+              </a:solidFill>
+            </a:endParaRPr>
+          </a:p>
+        </p:txBody>
+      </p:sp>
+      <p:cxnSp>
+        <p:nvCxnSpPr>
+          <p:cNvPr id="15" name="Straight Connector 14"/>
+          <p:cNvCxnSpPr/>
+          <p:nvPr/>
+        </p:nvCxnSpPr>
+        <p:spPr>
+          <a:xfrm>
+            <a:off x="9303385" y="3397885"/>
+            <a:ext cx="0" cy="1263650"/>
+          </a:xfrm>
+          <a:prstGeom prst="line">
+            <a:avLst/>
+          </a:prstGeom>
+          <a:ln>
+            <a:prstDash val="dashDot"/>
+          </a:ln>
+        </p:spPr>
+        <p:style>
+          <a:lnRef idx="1">
+            <a:schemeClr val="accent1"/>
+          </a:lnRef>
+          <a:fillRef idx="0">
+            <a:schemeClr val="accent1"/>
+          </a:fillRef>
+          <a:effectRef idx="0">
+            <a:schemeClr val="accent1"/>
+          </a:effectRef>
+          <a:fontRef idx="minor">
+            <a:schemeClr val="tx1"/>
+          </a:fontRef>
+        </p:style>
+      </p:cxnSp>
+    </p:spTree>
+  </p:cSld>
+  <p:clrMapOvr>
+    <a:masterClrMapping/>
+  </p:clrMapOvr>
+</p:sld>
+</file>
+
+<file path=ppt/slides/slide9.xml><?xml version="1.0" encoding="utf-8"?>
 <p:sld xmlns:a="http://schemas.openxmlformats.org/drawingml/2006/main" xmlns:r="http://schemas.openxmlformats.org/officeDocument/2006/relationships" xmlns:p="http://schemas.openxmlformats.org/presentationml/2006/main">
   <p:cSld>
     <p:spTree>

--- a/Dc20DeepLearning.pptx
+++ b/Dc20DeepLearning.pptx
@@ -7105,9 +7105,12 @@
           </a:p>
           <a:p>
             <a:r>
-              <a:rPr lang="" altLang="en-US" u="sng">
-                <a:latin typeface="Noto Sans" panose="020B0502040504020204" charset="0"/>
-                <a:cs typeface="Noto Sans" panose="020B0502040504020204" charset="0"/>
+              <a:rPr lang="" altLang="en-US" sz="2800" b="1" u="sng">
+                <a:solidFill>
+                  <a:srgbClr val="92D050"/>
+                </a:solidFill>
+                <a:latin typeface="Fira Code" charset="0"/>
+                <a:cs typeface="Fira Code" charset="0"/>
               </a:rPr>
               <a:t>libblas.so.3</a:t>
             </a:r>
@@ -7116,7 +7119,17 @@
                 <a:latin typeface="Noto Sans" panose="020B0502040504020204" charset="0"/>
                 <a:cs typeface="Noto Sans" panose="020B0502040504020204" charset="0"/>
               </a:rPr>
-              <a:t> + liblapack.so.3</a:t>
+              <a:t> + </a:t>
+            </a:r>
+            <a:r>
+              <a:rPr lang="" altLang="en-US" sz="2800" b="1" u="sng">
+                <a:solidFill>
+                  <a:srgbClr val="92D050"/>
+                </a:solidFill>
+                <a:latin typeface="Fira Code" charset="0"/>
+                <a:cs typeface="Fira Code" charset="0"/>
+              </a:rPr>
+              <a:t>liblapack.so.3</a:t>
             </a:r>
             <a:endParaRPr lang="" altLang="en-US">
               <a:latin typeface="Noto Sans" panose="020B0502040504020204" charset="0"/>
@@ -7421,6 +7434,8 @@
                 <a:solidFill>
                   <a:srgbClr val="00B0F0"/>
                 </a:solidFill>
+                <a:latin typeface="Noto Sans" panose="020B0502040504020204" charset="0"/>
+                <a:cs typeface="Noto Sans" panose="020B0502040504020204" charset="0"/>
               </a:rPr>
               <a:t>Fast</a:t>
             </a:r>
@@ -7428,6 +7443,8 @@
               <a:solidFill>
                 <a:srgbClr val="00B0F0"/>
               </a:solidFill>
+              <a:latin typeface="Noto Sans" panose="020B0502040504020204" charset="0"/>
+              <a:cs typeface="Noto Sans" panose="020B0502040504020204" charset="0"/>
             </a:endParaRPr>
           </a:p>
         </p:txBody>
@@ -7465,6 +7482,404 @@
           </a:fontRef>
         </p:style>
       </p:cxnSp>
+      <p:sp>
+        <p:nvSpPr>
+          <p:cNvPr id="17" name="Right Brace 16"/>
+          <p:cNvSpPr/>
+          <p:nvPr/>
+        </p:nvSpPr>
+        <p:spPr>
+          <a:xfrm rot="16200000">
+            <a:off x="2485390" y="1227455"/>
+            <a:ext cx="2937510" cy="6276975"/>
+          </a:xfrm>
+          <a:prstGeom prst="rightBrace">
+            <a:avLst>
+              <a:gd name="adj1" fmla="val 10816"/>
+              <a:gd name="adj2" fmla="val 77243"/>
+            </a:avLst>
+          </a:prstGeom>
+        </p:spPr>
+        <p:style>
+          <a:lnRef idx="1">
+            <a:schemeClr val="accent1"/>
+          </a:lnRef>
+          <a:fillRef idx="0">
+            <a:schemeClr val="accent1"/>
+          </a:fillRef>
+          <a:effectRef idx="0">
+            <a:schemeClr val="accent1"/>
+          </a:effectRef>
+          <a:fontRef idx="minor">
+            <a:schemeClr val="tx1"/>
+          </a:fontRef>
+        </p:style>
+        <p:txBody>
+          <a:bodyPr rtlCol="0" anchor="ctr"/>
+          <a:p>
+            <a:pPr algn="ctr"/>
+            <a:endParaRPr lang="en-US">
+              <a:latin typeface="Noto Sans" panose="020B0502040504020204" charset="0"/>
+              <a:cs typeface="Noto Sans" panose="020B0502040504020204" charset="0"/>
+            </a:endParaRPr>
+          </a:p>
+        </p:txBody>
+      </p:sp>
+      <p:sp>
+        <p:nvSpPr>
+          <p:cNvPr id="18" name="Text Box 17"/>
+          <p:cNvSpPr txBox="true"/>
+          <p:nvPr/>
+        </p:nvSpPr>
+        <p:spPr>
+          <a:xfrm>
+            <a:off x="1639570" y="4705350"/>
+            <a:ext cx="1884045" cy="521970"/>
+          </a:xfrm>
+          <a:prstGeom prst="rect">
+            <a:avLst/>
+          </a:prstGeom>
+          <a:noFill/>
+        </p:spPr>
+        <p:txBody>
+          <a:bodyPr wrap="none" rtlCol="0">
+            <a:spAutoFit/>
+          </a:bodyPr>
+          <a:p>
+            <a:r>
+              <a:rPr lang="" altLang="en-US" sz="2800">
+                <a:solidFill>
+                  <a:srgbClr val="7030A0"/>
+                </a:solidFill>
+                <a:latin typeface="Noto Sans" panose="020B0502040504020204" charset="0"/>
+                <a:cs typeface="Noto Sans" panose="020B0502040504020204" charset="0"/>
+              </a:rPr>
+              <a:t>LibFlame*</a:t>
+            </a:r>
+            <a:endParaRPr lang="" altLang="en-US" sz="2800">
+              <a:solidFill>
+                <a:srgbClr val="7030A0"/>
+              </a:solidFill>
+              <a:latin typeface="Noto Sans" panose="020B0502040504020204" charset="0"/>
+              <a:cs typeface="Noto Sans" panose="020B0502040504020204" charset="0"/>
+            </a:endParaRPr>
+          </a:p>
+        </p:txBody>
+      </p:sp>
+      <p:sp>
+        <p:nvSpPr>
+          <p:cNvPr id="19" name="Text Box 18"/>
+          <p:cNvSpPr txBox="true"/>
+          <p:nvPr/>
+        </p:nvSpPr>
+        <p:spPr>
+          <a:xfrm>
+            <a:off x="3710305" y="4705350"/>
+            <a:ext cx="1938655" cy="521970"/>
+          </a:xfrm>
+          <a:prstGeom prst="rect">
+            <a:avLst/>
+          </a:prstGeom>
+          <a:noFill/>
+        </p:spPr>
+        <p:txBody>
+          <a:bodyPr wrap="none" rtlCol="0">
+            <a:spAutoFit/>
+          </a:bodyPr>
+          <a:p>
+            <a:r>
+              <a:rPr lang="" altLang="en-US" sz="2800">
+                <a:latin typeface="Noto Sans" panose="020B0502040504020204" charset="0"/>
+                <a:cs typeface="Noto Sans" panose="020B0502040504020204" charset="0"/>
+              </a:rPr>
+              <a:t>OpenBLAS</a:t>
+            </a:r>
+            <a:endParaRPr lang="" altLang="en-US" sz="2800">
+              <a:latin typeface="Noto Sans" panose="020B0502040504020204" charset="0"/>
+              <a:cs typeface="Noto Sans" panose="020B0502040504020204" charset="0"/>
+            </a:endParaRPr>
+          </a:p>
+        </p:txBody>
+      </p:sp>
+      <p:sp>
+        <p:nvSpPr>
+          <p:cNvPr id="21" name="Text Box 20"/>
+          <p:cNvSpPr txBox="true"/>
+          <p:nvPr/>
+        </p:nvSpPr>
+        <p:spPr>
+          <a:xfrm>
+            <a:off x="5745480" y="4705350"/>
+            <a:ext cx="1183640" cy="521970"/>
+          </a:xfrm>
+          <a:prstGeom prst="rect">
+            <a:avLst/>
+          </a:prstGeom>
+          <a:noFill/>
+        </p:spPr>
+        <p:txBody>
+          <a:bodyPr wrap="none" rtlCol="0">
+            <a:spAutoFit/>
+          </a:bodyPr>
+          <a:p>
+            <a:r>
+              <a:rPr lang="en-US" altLang="en-US" sz="2800">
+                <a:latin typeface="Noto Sans" panose="020B0502040504020204" charset="0"/>
+                <a:cs typeface="Noto Sans" panose="020B0502040504020204" charset="0"/>
+              </a:rPr>
+              <a:t>Netlib</a:t>
+            </a:r>
+            <a:endParaRPr lang="en-US" altLang="en-US" sz="2800">
+              <a:latin typeface="Noto Sans" panose="020B0502040504020204" charset="0"/>
+              <a:cs typeface="Noto Sans" panose="020B0502040504020204" charset="0"/>
+            </a:endParaRPr>
+          </a:p>
+        </p:txBody>
+      </p:sp>
+      <p:cxnSp>
+        <p:nvCxnSpPr>
+          <p:cNvPr id="22" name="Straight Arrow Connector 21"/>
+          <p:cNvCxnSpPr/>
+          <p:nvPr/>
+        </p:nvCxnSpPr>
+        <p:spPr>
+          <a:xfrm flipH="true">
+            <a:off x="1446530" y="5260340"/>
+            <a:ext cx="5450205" cy="0"/>
+          </a:xfrm>
+          <a:prstGeom prst="straightConnector1">
+            <a:avLst/>
+          </a:prstGeom>
+          <a:ln w="50800">
+            <a:tailEnd type="stealth"/>
+          </a:ln>
+        </p:spPr>
+        <p:style>
+          <a:lnRef idx="1">
+            <a:schemeClr val="accent1"/>
+          </a:lnRef>
+          <a:fillRef idx="0">
+            <a:schemeClr val="accent1"/>
+          </a:fillRef>
+          <a:effectRef idx="0">
+            <a:schemeClr val="accent1"/>
+          </a:effectRef>
+          <a:fontRef idx="minor">
+            <a:schemeClr val="tx1"/>
+          </a:fontRef>
+        </p:style>
+      </p:cxnSp>
+      <p:sp>
+        <p:nvSpPr>
+          <p:cNvPr id="23" name="Text Box 22"/>
+          <p:cNvSpPr txBox="true"/>
+          <p:nvPr/>
+        </p:nvSpPr>
+        <p:spPr>
+          <a:xfrm>
+            <a:off x="415290" y="4999355"/>
+            <a:ext cx="874395" cy="521970"/>
+          </a:xfrm>
+          <a:prstGeom prst="rect">
+            <a:avLst/>
+          </a:prstGeom>
+          <a:noFill/>
+        </p:spPr>
+        <p:txBody>
+          <a:bodyPr wrap="none" rtlCol="0">
+            <a:spAutoFit/>
+          </a:bodyPr>
+          <a:p>
+            <a:r>
+              <a:rPr lang="en-US" altLang="en-US" sz="2800">
+                <a:solidFill>
+                  <a:srgbClr val="00B0F0"/>
+                </a:solidFill>
+                <a:latin typeface="Noto Sans" panose="020B0502040504020204" charset="0"/>
+                <a:cs typeface="Noto Sans" panose="020B0502040504020204" charset="0"/>
+              </a:rPr>
+              <a:t>Fast</a:t>
+            </a:r>
+            <a:endParaRPr lang="en-US" altLang="en-US" sz="2800">
+              <a:solidFill>
+                <a:srgbClr val="00B0F0"/>
+              </a:solidFill>
+              <a:latin typeface="Noto Sans" panose="020B0502040504020204" charset="0"/>
+              <a:cs typeface="Noto Sans" panose="020B0502040504020204" charset="0"/>
+            </a:endParaRPr>
+          </a:p>
+        </p:txBody>
+      </p:sp>
+      <p:sp>
+        <p:nvSpPr>
+          <p:cNvPr id="25" name="Text Box 24"/>
+          <p:cNvSpPr txBox="true"/>
+          <p:nvPr/>
+        </p:nvSpPr>
+        <p:spPr>
+          <a:xfrm>
+            <a:off x="2035175" y="5313045"/>
+            <a:ext cx="1092835" cy="521970"/>
+          </a:xfrm>
+          <a:prstGeom prst="rect">
+            <a:avLst/>
+          </a:prstGeom>
+          <a:noFill/>
+        </p:spPr>
+        <p:txBody>
+          <a:bodyPr wrap="none" rtlCol="0">
+            <a:spAutoFit/>
+          </a:bodyPr>
+          <a:p>
+            <a:r>
+              <a:rPr lang="" altLang="en-US" sz="2800">
+                <a:solidFill>
+                  <a:srgbClr val="7030A0"/>
+                </a:solidFill>
+                <a:latin typeface="Noto Sans" panose="020B0502040504020204" charset="0"/>
+                <a:cs typeface="Noto Sans" panose="020B0502040504020204" charset="0"/>
+              </a:rPr>
+              <a:t>* WIP</a:t>
+            </a:r>
+            <a:endParaRPr lang="" altLang="en-US" sz="2800">
+              <a:solidFill>
+                <a:srgbClr val="7030A0"/>
+              </a:solidFill>
+              <a:latin typeface="Noto Sans" panose="020B0502040504020204" charset="0"/>
+              <a:cs typeface="Noto Sans" panose="020B0502040504020204" charset="0"/>
+            </a:endParaRPr>
+          </a:p>
+        </p:txBody>
+      </p:sp>
+      <p:sp>
+        <p:nvSpPr>
+          <p:cNvPr id="27" name="Text Box 26"/>
+          <p:cNvSpPr txBox="true"/>
+          <p:nvPr/>
+        </p:nvSpPr>
+        <p:spPr>
+          <a:xfrm>
+            <a:off x="7034530" y="2896870"/>
+            <a:ext cx="4271010" cy="368300"/>
+          </a:xfrm>
+          <a:prstGeom prst="rect">
+            <a:avLst/>
+          </a:prstGeom>
+          <a:noFill/>
+        </p:spPr>
+        <p:txBody>
+          <a:bodyPr wrap="none" rtlCol="0">
+            <a:spAutoFit/>
+          </a:bodyPr>
+          <a:p>
+            <a:r>
+              <a:rPr lang="" altLang="en-US">
+                <a:solidFill>
+                  <a:srgbClr val="7030A0"/>
+                </a:solidFill>
+                <a:latin typeface="Noto Sans" panose="020B0502040504020204" charset="0"/>
+                <a:cs typeface="Noto Sans" panose="020B0502040504020204" charset="0"/>
+              </a:rPr>
+              <a:t>update-alternatives Mechanism</a:t>
+            </a:r>
+            <a:endParaRPr lang="" altLang="en-US">
+              <a:solidFill>
+                <a:srgbClr val="7030A0"/>
+              </a:solidFill>
+              <a:latin typeface="Noto Sans" panose="020B0502040504020204" charset="0"/>
+              <a:cs typeface="Noto Sans" panose="020B0502040504020204" charset="0"/>
+            </a:endParaRPr>
+          </a:p>
+        </p:txBody>
+      </p:sp>
+      <p:sp>
+        <p:nvSpPr>
+          <p:cNvPr id="28" name="Text Box 27"/>
+          <p:cNvSpPr txBox="true"/>
+          <p:nvPr/>
+        </p:nvSpPr>
+        <p:spPr>
+          <a:xfrm>
+            <a:off x="8107045" y="4898390"/>
+            <a:ext cx="2752725" cy="1568450"/>
+          </a:xfrm>
+          <a:prstGeom prst="rect">
+            <a:avLst/>
+          </a:prstGeom>
+          <a:noFill/>
+        </p:spPr>
+        <p:txBody>
+          <a:bodyPr wrap="none" rtlCol="0">
+            <a:spAutoFit/>
+          </a:bodyPr>
+          <a:p>
+            <a:r>
+              <a:rPr lang="" altLang="en-US" sz="2400">
+                <a:latin typeface="Noto Sans" panose="020B0502040504020204" charset="0"/>
+                <a:cs typeface="Noto Sans" panose="020B0502040504020204" charset="0"/>
+              </a:rPr>
+              <a:t>Reverse Depends:</a:t>
+            </a:r>
+            <a:endParaRPr lang="" altLang="en-US" sz="2400">
+              <a:latin typeface="Noto Sans" panose="020B0502040504020204" charset="0"/>
+              <a:cs typeface="Noto Sans" panose="020B0502040504020204" charset="0"/>
+            </a:endParaRPr>
+          </a:p>
+          <a:p>
+            <a:r>
+              <a:rPr lang="" altLang="en-US" sz="2400">
+                <a:latin typeface="Noto Sans" panose="020B0502040504020204" charset="0"/>
+                <a:cs typeface="Noto Sans" panose="020B0502040504020204" charset="0"/>
+              </a:rPr>
+              <a:t>(1) GNU Octave</a:t>
+            </a:r>
+            <a:endParaRPr lang="" altLang="en-US" sz="2400">
+              <a:latin typeface="Noto Sans" panose="020B0502040504020204" charset="0"/>
+              <a:cs typeface="Noto Sans" panose="020B0502040504020204" charset="0"/>
+            </a:endParaRPr>
+          </a:p>
+          <a:p>
+            <a:r>
+              <a:rPr lang="" altLang="en-US" sz="2400">
+                <a:latin typeface="Noto Sans" panose="020B0502040504020204" charset="0"/>
+                <a:cs typeface="Noto Sans" panose="020B0502040504020204" charset="0"/>
+              </a:rPr>
+              <a:t>(2) </a:t>
+            </a:r>
+            <a:r>
+              <a:rPr lang="" altLang="en-US" sz="2400" u="sng">
+                <a:latin typeface="Noto Sans" panose="020B0502040504020204" charset="0"/>
+                <a:cs typeface="Noto Sans" panose="020B0502040504020204" charset="0"/>
+              </a:rPr>
+              <a:t>Numpy</a:t>
+            </a:r>
+            <a:r>
+              <a:rPr lang="" altLang="en-US" sz="2400">
+                <a:latin typeface="Noto Sans" panose="020B0502040504020204" charset="0"/>
+                <a:cs typeface="Noto Sans" panose="020B0502040504020204" charset="0"/>
+              </a:rPr>
+              <a:t>, Scipy</a:t>
+            </a:r>
+            <a:endParaRPr lang="" altLang="en-US" sz="2400">
+              <a:latin typeface="Noto Sans" panose="020B0502040504020204" charset="0"/>
+              <a:cs typeface="Noto Sans" panose="020B0502040504020204" charset="0"/>
+            </a:endParaRPr>
+          </a:p>
+          <a:p>
+            <a:r>
+              <a:rPr lang="" altLang="en-US" sz="2400">
+                <a:latin typeface="Noto Sans" panose="020B0502040504020204" charset="0"/>
+                <a:cs typeface="Noto Sans" panose="020B0502040504020204" charset="0"/>
+              </a:rPr>
+              <a:t>(3) ...</a:t>
+            </a:r>
+            <a:endParaRPr lang="" altLang="en-US" sz="2400">
+              <a:latin typeface="Noto Sans" panose="020B0502040504020204" charset="0"/>
+              <a:cs typeface="Noto Sans" panose="020B0502040504020204" charset="0"/>
+            </a:endParaRPr>
+          </a:p>
+        </p:txBody>
+      </p:sp>
     </p:spTree>
   </p:cSld>
   <p:clrMapOvr>

--- a/Dc20DeepLearning.pptx
+++ b/Dc20DeepLearning.pptx
@@ -5,10 +5,10 @@
     <p:sldMasterId id="2147483648" r:id="rId1"/>
   </p:sldMasterIdLst>
   <p:notesMasterIdLst>
-    <p:notesMasterId r:id="rId12"/>
+    <p:notesMasterId r:id="rId13"/>
   </p:notesMasterIdLst>
   <p:handoutMasterIdLst>
-    <p:handoutMasterId r:id="rId13"/>
+    <p:handoutMasterId r:id="rId14"/>
   </p:handoutMasterIdLst>
   <p:sldIdLst>
     <p:sldId id="256" r:id="rId3"/>
@@ -20,6 +20,7 @@
     <p:sldId id="264" r:id="rId9"/>
     <p:sldId id="265" r:id="rId10"/>
     <p:sldId id="259" r:id="rId11"/>
+    <p:sldId id="266" r:id="rId12"/>
   </p:sldIdLst>
   <p:sldSz cx="12192000" cy="6858000"/>
   <p:notesSz cx="7103745" cy="10234295"/>
@@ -3901,6 +3902,102 @@
 </p:sld>
 </file>
 
+<file path=ppt/slides/slide10.xml><?xml version="1.0" encoding="utf-8"?>
+<p:sld xmlns:a="http://schemas.openxmlformats.org/drawingml/2006/main" xmlns:r="http://schemas.openxmlformats.org/officeDocument/2006/relationships" xmlns:p="http://schemas.openxmlformats.org/presentationml/2006/main">
+  <p:cSld>
+    <p:spTree>
+      <p:nvGrpSpPr>
+        <p:cNvPr id="1" name=""/>
+        <p:cNvGrpSpPr/>
+        <p:nvPr/>
+      </p:nvGrpSpPr>
+      <p:grpSpPr/>
+      <p:sp>
+        <p:nvSpPr>
+          <p:cNvPr id="2" name="Title 1"/>
+          <p:cNvSpPr>
+            <a:spLocks noGrp="true"/>
+          </p:cNvSpPr>
+          <p:nvPr>
+            <p:ph type="title"/>
+          </p:nvPr>
+        </p:nvSpPr>
+        <p:spPr/>
+        <p:txBody>
+          <a:bodyPr/>
+          <a:p>
+            <a:r>
+              <a:rPr lang="en-US" altLang="en-US">
+                <a:latin typeface="Noto Sans" panose="020B0502040504020204" charset="0"/>
+                <a:cs typeface="Noto Sans" panose="020B0502040504020204" charset="0"/>
+              </a:rPr>
+              <a:t>Thanks!</a:t>
+            </a:r>
+            <a:endParaRPr lang="en-US" altLang="en-US">
+              <a:latin typeface="Noto Sans" panose="020B0502040504020204" charset="0"/>
+              <a:cs typeface="Noto Sans" panose="020B0502040504020204" charset="0"/>
+            </a:endParaRPr>
+          </a:p>
+        </p:txBody>
+      </p:sp>
+      <p:pic>
+        <p:nvPicPr>
+          <p:cNvPr id="5" name="Picture 4"/>
+          <p:cNvPicPr>
+            <a:picLocks noChangeAspect="true"/>
+          </p:cNvPicPr>
+          <p:nvPr/>
+        </p:nvPicPr>
+        <p:blipFill>
+          <a:blip r:embed="rId1"/>
+          <a:stretch>
+            <a:fillRect/>
+          </a:stretch>
+        </p:blipFill>
+        <p:spPr>
+          <a:xfrm>
+            <a:off x="8651875" y="317500"/>
+            <a:ext cx="3158490" cy="389255"/>
+          </a:xfrm>
+          <a:prstGeom prst="rect">
+            <a:avLst/>
+          </a:prstGeom>
+        </p:spPr>
+      </p:pic>
+      <p:sp>
+        <p:nvSpPr>
+          <p:cNvPr id="6" name="Content Placeholder 5"/>
+          <p:cNvSpPr/>
+          <p:nvPr>
+            <p:ph idx="1"/>
+          </p:nvPr>
+        </p:nvSpPr>
+        <p:spPr/>
+        <p:txBody>
+          <a:bodyPr/>
+          <a:p>
+            <a:r>
+              <a:rPr lang="en-US" sz="2400">
+                <a:latin typeface="Fira Code" charset="0"/>
+                <a:cs typeface="Fira Code" charset="0"/>
+              </a:rPr>
+              <a:t>https://people.debian.org/~lumin/debian-dl.html</a:t>
+            </a:r>
+            <a:endParaRPr lang="en-US" sz="2400">
+              <a:latin typeface="Fira Code" charset="0"/>
+              <a:cs typeface="Fira Code" charset="0"/>
+            </a:endParaRPr>
+          </a:p>
+        </p:txBody>
+      </p:sp>
+    </p:spTree>
+  </p:cSld>
+  <p:clrMapOvr>
+    <a:masterClrMapping/>
+  </p:clrMapOvr>
+</p:sld>
+</file>
+
 <file path=ppt/slides/slide2.xml><?xml version="1.0" encoding="utf-8"?>
 <p:sld xmlns:a="http://schemas.openxmlformats.org/drawingml/2006/main" xmlns:r="http://schemas.openxmlformats.org/officeDocument/2006/relationships" xmlns:p="http://schemas.openxmlformats.org/presentationml/2006/main">
   <p:cSld>
@@ -6879,7 +6976,7 @@
                 <a:latin typeface="Noto Sans" panose="020B0502040504020204" charset="0"/>
                 <a:cs typeface="Noto Sans" panose="020B0502040504020204" charset="0"/>
               </a:rPr>
-              <a:t>TensorFlow, PyTorch, Caffe</a:t>
+              <a:t>TensorFlow, PyTorch, Caffe, etc</a:t>
             </a:r>
             <a:endParaRPr lang="" altLang="en-US" u="sng">
               <a:latin typeface="Noto Sans" panose="020B0502040504020204" charset="0"/>
@@ -6962,18 +7059,40 @@
         </p:nvSpPr>
         <p:spPr>
           <a:xfrm>
-            <a:off x="8378190" y="4330700"/>
-            <a:ext cx="1921510" cy="1076325"/>
+            <a:off x="8435975" y="4431665"/>
+            <a:ext cx="2787015" cy="1568450"/>
           </a:xfrm>
           <a:prstGeom prst="rect">
             <a:avLst/>
           </a:prstGeom>
           <a:noFill/>
-        </p:spPr>
-        <p:txBody>
-          <a:bodyPr wrap="none" rtlCol="0">
+          <a:ln w="12700" cmpd="sng">
+            <a:solidFill>
+              <a:srgbClr val="00B0F0"/>
+            </a:solidFill>
+            <a:prstDash val="solid"/>
+          </a:ln>
+        </p:spPr>
+        <p:txBody>
+          <a:bodyPr wrap="square" rtlCol="0">
             <a:spAutoFit/>
           </a:bodyPr>
+          <a:p>
+            <a:pPr algn="ctr"/>
+            <a:r>
+              <a:rPr lang="" altLang="en-US" sz="3200">
+                <a:solidFill>
+                  <a:srgbClr val="00B0F0"/>
+                </a:solidFill>
+              </a:rPr>
+              <a:t>Following:</a:t>
+            </a:r>
+            <a:endParaRPr lang="" altLang="en-US" sz="3200">
+              <a:solidFill>
+                <a:srgbClr val="00B0F0"/>
+              </a:solidFill>
+            </a:endParaRPr>
+          </a:p>
           <a:p>
             <a:pPr algn="ctr"/>
             <a:r>
@@ -7880,6 +7999,51 @@
           </a:p>
         </p:txBody>
       </p:sp>
+      <p:sp>
+        <p:nvSpPr>
+          <p:cNvPr id="29" name="Text Box 28"/>
+          <p:cNvSpPr txBox="true"/>
+          <p:nvPr/>
+        </p:nvSpPr>
+        <p:spPr>
+          <a:xfrm>
+            <a:off x="142875" y="6466840"/>
+            <a:ext cx="2468245" cy="368300"/>
+          </a:xfrm>
+          <a:prstGeom prst="rect">
+            <a:avLst/>
+          </a:prstGeom>
+          <a:noFill/>
+        </p:spPr>
+        <p:txBody>
+          <a:bodyPr wrap="none" rtlCol="0">
+            <a:spAutoFit/>
+          </a:bodyPr>
+          <a:p>
+            <a:r>
+              <a:rPr lang="" altLang="en-US">
+                <a:solidFill>
+                  <a:schemeClr val="bg1">
+                    <a:lumMod val="75000"/>
+                  </a:schemeClr>
+                </a:solidFill>
+                <a:latin typeface="Noto Sans" panose="020B0502040504020204" charset="0"/>
+                <a:cs typeface="Noto Sans" panose="020B0502040504020204" charset="0"/>
+              </a:rPr>
+              <a:t>Debian Science Team</a:t>
+            </a:r>
+            <a:endParaRPr lang="" altLang="en-US">
+              <a:solidFill>
+                <a:schemeClr val="bg1">
+                  <a:lumMod val="75000"/>
+                </a:schemeClr>
+              </a:solidFill>
+              <a:latin typeface="Noto Sans" panose="020B0502040504020204" charset="0"/>
+              <a:cs typeface="Noto Sans" panose="020B0502040504020204" charset="0"/>
+            </a:endParaRPr>
+          </a:p>
+        </p:txBody>
+      </p:sp>
     </p:spTree>
   </p:cSld>
   <p:clrMapOvr>
@@ -7912,11 +8076,18 @@
         <p:txBody>
           <a:bodyPr/>
           <a:p>
-            <a:r>
-              <a:rPr lang="en-US" altLang="en-US"/>
-              <a:t>Thanks!</a:t>
-            </a:r>
-            <a:endParaRPr lang="en-US" altLang="en-US"/>
+            <a:pPr algn="l"/>
+            <a:r>
+              <a:rPr lang="" altLang="en-US">
+                <a:latin typeface="Noto Sans" panose="020B0502040504020204" charset="0"/>
+                <a:cs typeface="Noto Sans" panose="020B0502040504020204" charset="0"/>
+              </a:rPr>
+              <a:t>Deep Learning Frameworks</a:t>
+            </a:r>
+            <a:endParaRPr lang="" altLang="en-US">
+              <a:latin typeface="Noto Sans" panose="020B0502040504020204" charset="0"/>
+              <a:cs typeface="Noto Sans" panose="020B0502040504020204" charset="0"/>
+            </a:endParaRPr>
           </a:p>
         </p:txBody>
       </p:sp>
@@ -7946,26 +8117,233 @@
       </p:pic>
       <p:sp>
         <p:nvSpPr>
-          <p:cNvPr id="6" name="Content Placeholder 5"/>
+          <p:cNvPr id="3" name="Content Placeholder 2"/>
           <p:cNvSpPr/>
           <p:nvPr>
             <p:ph idx="1"/>
           </p:nvPr>
         </p:nvSpPr>
-        <p:spPr/>
+        <p:spPr>
+          <a:xfrm>
+            <a:off x="609600" y="1181100"/>
+            <a:ext cx="10972800" cy="4525963"/>
+          </a:xfrm>
+        </p:spPr>
         <p:txBody>
           <a:bodyPr/>
           <a:p>
             <a:r>
-              <a:rPr lang="en-US" sz="2400">
-                <a:latin typeface="Fira Code" charset="0"/>
-                <a:cs typeface="Fira Code" charset="0"/>
-              </a:rPr>
-              <a:t>https://people.debian.org/~lumin/debian-dl.html</a:t>
-            </a:r>
-            <a:endParaRPr lang="en-US" sz="2400">
-              <a:latin typeface="Fira Code" charset="0"/>
-              <a:cs typeface="Fira Code" charset="0"/>
+              <a:rPr lang="" altLang="en-US" b="1">
+                <a:solidFill>
+                  <a:srgbClr val="00B0F0"/>
+                </a:solidFill>
+                <a:latin typeface="Noto Sans" panose="020B0502040504020204" charset="0"/>
+                <a:cs typeface="Noto Sans" panose="020B0502040504020204" charset="0"/>
+              </a:rPr>
+              <a:t>TensorFlow</a:t>
+            </a:r>
+            <a:endParaRPr lang="" altLang="en-US">
+              <a:latin typeface="Noto Sans" panose="020B0502040504020204" charset="0"/>
+              <a:cs typeface="Noto Sans" panose="020B0502040504020204" charset="0"/>
+            </a:endParaRPr>
+          </a:p>
+          <a:p>
+            <a:pPr lvl="1"/>
+            <a:r>
+              <a:rPr lang="" altLang="en-US" sz="2800">
+                <a:latin typeface="Noto Sans" panose="020B0502040504020204" charset="0"/>
+                <a:cs typeface="Noto Sans" panose="020B0502040504020204" charset="0"/>
+              </a:rPr>
+              <a:t>Bazel (Build System, Java): Heavy Development</a:t>
+            </a:r>
+            <a:endParaRPr lang="" altLang="en-US" sz="2800">
+              <a:latin typeface="Noto Sans" panose="020B0502040504020204" charset="0"/>
+              <a:cs typeface="Noto Sans" panose="020B0502040504020204" charset="0"/>
+            </a:endParaRPr>
+          </a:p>
+          <a:p>
+            <a:pPr lvl="2"/>
+            <a:r>
+              <a:rPr lang="" altLang="en-US" sz="2400">
+                <a:latin typeface="Noto Sans" panose="020B0502040504020204" charset="0"/>
+                <a:cs typeface="Noto Sans" panose="020B0502040504020204" charset="0"/>
+              </a:rPr>
+              <a:t>https://salsa.debian.org/bazel-team</a:t>
+            </a:r>
+            <a:endParaRPr lang="" altLang="en-US" sz="2400">
+              <a:latin typeface="Noto Sans" panose="020B0502040504020204" charset="0"/>
+              <a:cs typeface="Noto Sans" panose="020B0502040504020204" charset="0"/>
+            </a:endParaRPr>
+          </a:p>
+          <a:p>
+            <a:pPr lvl="1"/>
+            <a:r>
+              <a:rPr lang="" altLang="en-US" sz="2800">
+                <a:latin typeface="Noto Sans" panose="020B0502040504020204" charset="0"/>
+                <a:cs typeface="Noto Sans" panose="020B0502040504020204" charset="0"/>
+              </a:rPr>
+              <a:t>Preliminary Packaging</a:t>
+            </a:r>
+            <a:endParaRPr lang="" altLang="en-US" sz="2800">
+              <a:latin typeface="Noto Sans" panose="020B0502040504020204" charset="0"/>
+              <a:cs typeface="Noto Sans" panose="020B0502040504020204" charset="0"/>
+            </a:endParaRPr>
+          </a:p>
+          <a:p>
+            <a:pPr lvl="2"/>
+            <a:r>
+              <a:rPr lang="" altLang="en-US" sz="2400">
+                <a:latin typeface="Noto Sans" panose="020B0502040504020204" charset="0"/>
+                <a:cs typeface="Noto Sans" panose="020B0502040504020204" charset="0"/>
+              </a:rPr>
+              <a:t>https://salsa.debian.org/science-team/tensorflow</a:t>
+            </a:r>
+            <a:endParaRPr lang="" altLang="en-US" sz="2400">
+              <a:latin typeface="Noto Sans" panose="020B0502040504020204" charset="0"/>
+              <a:cs typeface="Noto Sans" panose="020B0502040504020204" charset="0"/>
+            </a:endParaRPr>
+          </a:p>
+          <a:p>
+            <a:r>
+              <a:rPr lang="" altLang="en-US" b="1">
+                <a:solidFill>
+                  <a:srgbClr val="00B0F0"/>
+                </a:solidFill>
+                <a:latin typeface="Noto Sans" panose="020B0502040504020204" charset="0"/>
+                <a:cs typeface="Noto Sans" panose="020B0502040504020204" charset="0"/>
+              </a:rPr>
+              <a:t>PyTorch</a:t>
+            </a:r>
+            <a:endParaRPr lang="" altLang="en-US">
+              <a:latin typeface="Noto Sans" panose="020B0502040504020204" charset="0"/>
+              <a:cs typeface="Noto Sans" panose="020B0502040504020204" charset="0"/>
+            </a:endParaRPr>
+          </a:p>
+          <a:p>
+            <a:pPr lvl="1"/>
+            <a:r>
+              <a:rPr lang="" altLang="en-US">
+                <a:latin typeface="Noto Sans" panose="020B0502040504020204" charset="0"/>
+                <a:cs typeface="Noto Sans" panose="020B0502040504020204" charset="0"/>
+              </a:rPr>
+              <a:t>Deps libs queued in NEW. PyTorch also in NEW.</a:t>
+            </a:r>
+            <a:endParaRPr lang="" altLang="en-US">
+              <a:latin typeface="Noto Sans" panose="020B0502040504020204" charset="0"/>
+              <a:cs typeface="Noto Sans" panose="020B0502040504020204" charset="0"/>
+            </a:endParaRPr>
+          </a:p>
+          <a:p>
+            <a:pPr lvl="1"/>
+            <a:r>
+              <a:rPr lang="" altLang="en-US">
+                <a:latin typeface="Noto Sans" panose="020B0502040504020204" charset="0"/>
+                <a:cs typeface="Noto Sans" panose="020B0502040504020204" charset="0"/>
+              </a:rPr>
+              <a:t>No CUDA version planned. ROCm version is planned.</a:t>
+            </a:r>
+            <a:endParaRPr lang="" altLang="en-US">
+              <a:latin typeface="Noto Sans" panose="020B0502040504020204" charset="0"/>
+              <a:cs typeface="Noto Sans" panose="020B0502040504020204" charset="0"/>
+            </a:endParaRPr>
+          </a:p>
+          <a:p>
+            <a:r>
+              <a:rPr lang="" altLang="en-US" b="1">
+                <a:solidFill>
+                  <a:srgbClr val="00B0F0"/>
+                </a:solidFill>
+                <a:latin typeface="Noto Sans" panose="020B0502040504020204" charset="0"/>
+                <a:cs typeface="Noto Sans" panose="020B0502040504020204" charset="0"/>
+              </a:rPr>
+              <a:t>Caffe</a:t>
+            </a:r>
+            <a:endParaRPr lang="" altLang="en-US">
+              <a:latin typeface="Noto Sans" panose="020B0502040504020204" charset="0"/>
+              <a:cs typeface="Noto Sans" panose="020B0502040504020204" charset="0"/>
+            </a:endParaRPr>
+          </a:p>
+          <a:p>
+            <a:pPr lvl="1"/>
+            <a:r>
+              <a:rPr lang="" altLang="en-US">
+                <a:latin typeface="Noto Sans" panose="020B0502040504020204" charset="0"/>
+                <a:cs typeface="Noto Sans" panose="020B0502040504020204" charset="0"/>
+              </a:rPr>
+              <a:t>Already Available. Educational Code Base.</a:t>
+            </a:r>
+            <a:endParaRPr lang="" altLang="en-US">
+              <a:latin typeface="Noto Sans" panose="020B0502040504020204" charset="0"/>
+              <a:cs typeface="Noto Sans" panose="020B0502040504020204" charset="0"/>
+            </a:endParaRPr>
+          </a:p>
+        </p:txBody>
+      </p:sp>
+      <p:sp>
+        <p:nvSpPr>
+          <p:cNvPr id="29" name="Text Box 28"/>
+          <p:cNvSpPr txBox="true"/>
+          <p:nvPr/>
+        </p:nvSpPr>
+        <p:spPr>
+          <a:xfrm>
+            <a:off x="142875" y="6466840"/>
+            <a:ext cx="3242945" cy="368300"/>
+          </a:xfrm>
+          <a:prstGeom prst="rect">
+            <a:avLst/>
+          </a:prstGeom>
+          <a:noFill/>
+        </p:spPr>
+        <p:txBody>
+          <a:bodyPr wrap="none" rtlCol="0">
+            <a:spAutoFit/>
+          </a:bodyPr>
+          <a:p>
+            <a:r>
+              <a:rPr lang="en-US" altLang="en-US">
+                <a:solidFill>
+                  <a:schemeClr val="bg1">
+                    <a:lumMod val="75000"/>
+                  </a:schemeClr>
+                </a:solidFill>
+                <a:latin typeface="Noto Sans" panose="020B0502040504020204" charset="0"/>
+                <a:cs typeface="Noto Sans" panose="020B0502040504020204" charset="0"/>
+              </a:rPr>
+              <a:t>Debian </a:t>
+            </a:r>
+            <a:r>
+              <a:rPr lang="" altLang="en-US">
+                <a:solidFill>
+                  <a:schemeClr val="bg1">
+                    <a:lumMod val="75000"/>
+                  </a:schemeClr>
+                </a:solidFill>
+                <a:latin typeface="Noto Sans" panose="020B0502040504020204" charset="0"/>
+                <a:cs typeface="Noto Sans" panose="020B0502040504020204" charset="0"/>
+              </a:rPr>
+              <a:t>Deep Learning</a:t>
+            </a:r>
+            <a:r>
+              <a:rPr lang="en-US" altLang="en-US">
+                <a:solidFill>
+                  <a:schemeClr val="bg1">
+                    <a:lumMod val="75000"/>
+                  </a:schemeClr>
+                </a:solidFill>
+                <a:latin typeface="Noto Sans" panose="020B0502040504020204" charset="0"/>
+                <a:cs typeface="Noto Sans" panose="020B0502040504020204" charset="0"/>
+              </a:rPr>
+              <a:t> Team</a:t>
+            </a:r>
+            <a:endParaRPr lang="en-US" altLang="en-US">
+              <a:solidFill>
+                <a:schemeClr val="bg1">
+                  <a:lumMod val="75000"/>
+                </a:schemeClr>
+              </a:solidFill>
+              <a:latin typeface="Noto Sans" panose="020B0502040504020204" charset="0"/>
+              <a:cs typeface="Noto Sans" panose="020B0502040504020204" charset="0"/>
             </a:endParaRPr>
           </a:p>
         </p:txBody>

--- a/Dc20DeepLearning.pptx
+++ b/Dc20DeepLearning.pptx
@@ -5,10 +5,10 @@
     <p:sldMasterId id="2147483648" r:id="rId1"/>
   </p:sldMasterIdLst>
   <p:notesMasterIdLst>
-    <p:notesMasterId r:id="rId13"/>
+    <p:notesMasterId r:id="rId14"/>
   </p:notesMasterIdLst>
   <p:handoutMasterIdLst>
-    <p:handoutMasterId r:id="rId14"/>
+    <p:handoutMasterId r:id="rId15"/>
   </p:handoutMasterIdLst>
   <p:sldIdLst>
     <p:sldId id="256" r:id="rId3"/>
@@ -20,7 +20,8 @@
     <p:sldId id="264" r:id="rId9"/>
     <p:sldId id="265" r:id="rId10"/>
     <p:sldId id="259" r:id="rId11"/>
-    <p:sldId id="266" r:id="rId12"/>
+    <p:sldId id="267" r:id="rId12"/>
+    <p:sldId id="266" r:id="rId13"/>
   </p:sldIdLst>
   <p:sldSz cx="12192000" cy="6858000"/>
   <p:notesSz cx="7103745" cy="10234295"/>
@@ -3926,6 +3927,348 @@
         <p:txBody>
           <a:bodyPr/>
           <a:p>
+            <a:pPr algn="l"/>
+            <a:r>
+              <a:rPr lang="" altLang="en-US">
+                <a:latin typeface="Noto Sans" panose="020B0502040504020204" charset="0"/>
+                <a:cs typeface="Noto Sans" panose="020B0502040504020204" charset="0"/>
+              </a:rPr>
+              <a:t>AMD/ROCm</a:t>
+            </a:r>
+            <a:endParaRPr lang="" altLang="en-US">
+              <a:latin typeface="Noto Sans" panose="020B0502040504020204" charset="0"/>
+              <a:cs typeface="Noto Sans" panose="020B0502040504020204" charset="0"/>
+            </a:endParaRPr>
+          </a:p>
+        </p:txBody>
+      </p:sp>
+      <p:sp>
+        <p:nvSpPr>
+          <p:cNvPr id="3" name="Content Placeholder 2"/>
+          <p:cNvSpPr>
+            <a:spLocks noGrp="true"/>
+          </p:cNvSpPr>
+          <p:nvPr>
+            <p:ph idx="1"/>
+          </p:nvPr>
+        </p:nvSpPr>
+        <p:spPr/>
+        <p:txBody>
+          <a:bodyPr/>
+          <a:p>
+            <a:r>
+              <a:rPr lang="" altLang="en-US">
+                <a:latin typeface="Noto Sans" panose="020B0502040504020204" charset="0"/>
+                <a:cs typeface="Noto Sans" panose="020B0502040504020204" charset="0"/>
+              </a:rPr>
+              <a:t>Kernel Module: amdkfd (already present)</a:t>
+            </a:r>
+            <a:endParaRPr lang="" altLang="en-US">
+              <a:latin typeface="Noto Sans" panose="020B0502040504020204" charset="0"/>
+              <a:cs typeface="Noto Sans" panose="020B0502040504020204" charset="0"/>
+            </a:endParaRPr>
+          </a:p>
+          <a:p>
+            <a:endParaRPr lang="" altLang="en-US">
+              <a:latin typeface="Noto Sans" panose="020B0502040504020204" charset="0"/>
+              <a:cs typeface="Noto Sans" panose="020B0502040504020204" charset="0"/>
+            </a:endParaRPr>
+          </a:p>
+          <a:p>
+            <a:r>
+              <a:rPr lang="" altLang="en-US">
+                <a:latin typeface="Noto Sans" panose="020B0502040504020204" charset="0"/>
+                <a:cs typeface="Noto Sans" panose="020B0502040504020204" charset="0"/>
+              </a:rPr>
+              <a:t>HIP Compiler</a:t>
+            </a:r>
+            <a:endParaRPr lang="" altLang="en-US">
+              <a:latin typeface="Noto Sans" panose="020B0502040504020204" charset="0"/>
+              <a:cs typeface="Noto Sans" panose="020B0502040504020204" charset="0"/>
+            </a:endParaRPr>
+          </a:p>
+          <a:p>
+            <a:r>
+              <a:rPr lang="" altLang="en-US">
+                <a:latin typeface="Noto Sans" panose="020B0502040504020204" charset="0"/>
+                <a:cs typeface="Noto Sans" panose="020B0502040504020204" charset="0"/>
+              </a:rPr>
+              <a:t>ROCm libraries</a:t>
+            </a:r>
+            <a:endParaRPr lang="" altLang="en-US">
+              <a:latin typeface="Noto Sans" panose="020B0502040504020204" charset="0"/>
+              <a:cs typeface="Noto Sans" panose="020B0502040504020204" charset="0"/>
+            </a:endParaRPr>
+          </a:p>
+          <a:p>
+            <a:pPr marL="0" indent="0">
+              <a:buNone/>
+            </a:pPr>
+            <a:r>
+              <a:rPr lang="" altLang="en-US">
+                <a:latin typeface="Noto Sans" panose="020B0502040504020204" charset="0"/>
+                <a:cs typeface="Noto Sans" panose="020B0502040504020204" charset="0"/>
+              </a:rPr>
+              <a:t>   (e.g. MIOpen)</a:t>
+            </a:r>
+            <a:endParaRPr lang="" altLang="en-US">
+              <a:latin typeface="Noto Sans" panose="020B0502040504020204" charset="0"/>
+              <a:cs typeface="Noto Sans" panose="020B0502040504020204" charset="0"/>
+            </a:endParaRPr>
+          </a:p>
+          <a:p>
+            <a:endParaRPr lang="" altLang="en-US">
+              <a:latin typeface="Noto Sans" panose="020B0502040504020204" charset="0"/>
+              <a:cs typeface="Noto Sans" panose="020B0502040504020204" charset="0"/>
+            </a:endParaRPr>
+          </a:p>
+        </p:txBody>
+      </p:sp>
+      <p:pic>
+        <p:nvPicPr>
+          <p:cNvPr id="5" name="Picture 4"/>
+          <p:cNvPicPr>
+            <a:picLocks noChangeAspect="true"/>
+          </p:cNvPicPr>
+          <p:nvPr/>
+        </p:nvPicPr>
+        <p:blipFill>
+          <a:blip r:embed="rId1"/>
+          <a:stretch>
+            <a:fillRect/>
+          </a:stretch>
+        </p:blipFill>
+        <p:spPr>
+          <a:xfrm>
+            <a:off x="8651875" y="317500"/>
+            <a:ext cx="3158490" cy="389255"/>
+          </a:xfrm>
+          <a:prstGeom prst="rect">
+            <a:avLst/>
+          </a:prstGeom>
+        </p:spPr>
+      </p:pic>
+      <p:sp>
+        <p:nvSpPr>
+          <p:cNvPr id="4" name="Right Brace 3"/>
+          <p:cNvSpPr/>
+          <p:nvPr/>
+        </p:nvSpPr>
+        <p:spPr>
+          <a:xfrm>
+            <a:off x="4140200" y="2540635"/>
+            <a:ext cx="534035" cy="2294890"/>
+          </a:xfrm>
+          <a:prstGeom prst="rightBrace">
+            <a:avLst/>
+          </a:prstGeom>
+        </p:spPr>
+        <p:style>
+          <a:lnRef idx="1">
+            <a:schemeClr val="accent1"/>
+          </a:lnRef>
+          <a:fillRef idx="0">
+            <a:schemeClr val="accent1"/>
+          </a:fillRef>
+          <a:effectRef idx="0">
+            <a:schemeClr val="accent1"/>
+          </a:effectRef>
+          <a:fontRef idx="minor">
+            <a:schemeClr val="tx1"/>
+          </a:fontRef>
+        </p:style>
+        <p:txBody>
+          <a:bodyPr rtlCol="0" anchor="ctr"/>
+          <a:p>
+            <a:pPr algn="ctr"/>
+            <a:endParaRPr lang="en-US">
+              <a:latin typeface="Noto Sans" panose="020B0502040504020204" charset="0"/>
+              <a:cs typeface="Noto Sans" panose="020B0502040504020204" charset="0"/>
+            </a:endParaRPr>
+          </a:p>
+        </p:txBody>
+      </p:sp>
+      <p:sp>
+        <p:nvSpPr>
+          <p:cNvPr id="6" name="Text Box 5"/>
+          <p:cNvSpPr txBox="true"/>
+          <p:nvPr/>
+        </p:nvSpPr>
+        <p:spPr>
+          <a:xfrm>
+            <a:off x="5352415" y="3395980"/>
+            <a:ext cx="5096510" cy="583565"/>
+          </a:xfrm>
+          <a:prstGeom prst="rect">
+            <a:avLst/>
+          </a:prstGeom>
+          <a:noFill/>
+        </p:spPr>
+        <p:txBody>
+          <a:bodyPr wrap="none" rtlCol="0">
+            <a:spAutoFit/>
+          </a:bodyPr>
+          <a:p>
+            <a:r>
+              <a:rPr lang="" altLang="en-US" sz="3200">
+                <a:latin typeface="Noto Sans" panose="020B0502040504020204" charset="0"/>
+                <a:cs typeface="Noto Sans" panose="020B0502040504020204" charset="0"/>
+              </a:rPr>
+              <a:t>WIP; Still being packaged.</a:t>
+            </a:r>
+            <a:endParaRPr lang="" altLang="en-US" sz="3200">
+              <a:latin typeface="Noto Sans" panose="020B0502040504020204" charset="0"/>
+              <a:cs typeface="Noto Sans" panose="020B0502040504020204" charset="0"/>
+            </a:endParaRPr>
+          </a:p>
+        </p:txBody>
+      </p:sp>
+      <p:sp>
+        <p:nvSpPr>
+          <p:cNvPr id="29" name="Text Box 28"/>
+          <p:cNvSpPr txBox="true"/>
+          <p:nvPr/>
+        </p:nvSpPr>
+        <p:spPr>
+          <a:xfrm>
+            <a:off x="142875" y="6466840"/>
+            <a:ext cx="2344420" cy="368300"/>
+          </a:xfrm>
+          <a:prstGeom prst="rect">
+            <a:avLst/>
+          </a:prstGeom>
+          <a:noFill/>
+        </p:spPr>
+        <p:txBody>
+          <a:bodyPr wrap="none" rtlCol="0">
+            <a:spAutoFit/>
+          </a:bodyPr>
+          <a:p>
+            <a:r>
+              <a:rPr lang="en-US" altLang="en-US">
+                <a:solidFill>
+                  <a:schemeClr val="bg1">
+                    <a:lumMod val="75000"/>
+                  </a:schemeClr>
+                </a:solidFill>
+                <a:latin typeface="Noto Sans" panose="020B0502040504020204" charset="0"/>
+                <a:cs typeface="Noto Sans" panose="020B0502040504020204" charset="0"/>
+              </a:rPr>
+              <a:t>Debian </a:t>
+            </a:r>
+            <a:r>
+              <a:rPr lang="" altLang="en-US">
+                <a:solidFill>
+                  <a:schemeClr val="bg1">
+                    <a:lumMod val="75000"/>
+                  </a:schemeClr>
+                </a:solidFill>
+                <a:latin typeface="Noto Sans" panose="020B0502040504020204" charset="0"/>
+                <a:cs typeface="Noto Sans" panose="020B0502040504020204" charset="0"/>
+              </a:rPr>
+              <a:t>ROCm</a:t>
+            </a:r>
+            <a:r>
+              <a:rPr lang="en-US" altLang="en-US">
+                <a:solidFill>
+                  <a:schemeClr val="bg1">
+                    <a:lumMod val="75000"/>
+                  </a:schemeClr>
+                </a:solidFill>
+                <a:latin typeface="Noto Sans" panose="020B0502040504020204" charset="0"/>
+                <a:cs typeface="Noto Sans" panose="020B0502040504020204" charset="0"/>
+              </a:rPr>
+              <a:t> Team</a:t>
+            </a:r>
+            <a:endParaRPr lang="en-US" altLang="en-US">
+              <a:solidFill>
+                <a:schemeClr val="bg1">
+                  <a:lumMod val="75000"/>
+                </a:schemeClr>
+              </a:solidFill>
+              <a:latin typeface="Noto Sans" panose="020B0502040504020204" charset="0"/>
+              <a:cs typeface="Noto Sans" panose="020B0502040504020204" charset="0"/>
+            </a:endParaRPr>
+          </a:p>
+        </p:txBody>
+      </p:sp>
+      <p:sp>
+        <p:nvSpPr>
+          <p:cNvPr id="7" name="Text Box 6"/>
+          <p:cNvSpPr txBox="true"/>
+          <p:nvPr/>
+        </p:nvSpPr>
+        <p:spPr>
+          <a:xfrm>
+            <a:off x="5043805" y="4049395"/>
+            <a:ext cx="6622415" cy="398780"/>
+          </a:xfrm>
+          <a:prstGeom prst="rect">
+            <a:avLst/>
+          </a:prstGeom>
+          <a:noFill/>
+        </p:spPr>
+        <p:txBody>
+          <a:bodyPr wrap="square" rtlCol="0" anchor="t">
+            <a:spAutoFit/>
+          </a:bodyPr>
+          <a:p>
+            <a:r>
+              <a:rPr lang="en-US" sz="2000">
+                <a:solidFill>
+                  <a:schemeClr val="bg1">
+                    <a:lumMod val="75000"/>
+                  </a:schemeClr>
+                </a:solidFill>
+                <a:latin typeface="Fira Code" charset="0"/>
+                <a:cs typeface="Fira Code" charset="0"/>
+              </a:rPr>
+              <a:t>https://salsa.debian.org/rocm-team</a:t>
+            </a:r>
+            <a:endParaRPr lang="en-US" sz="2000">
+              <a:solidFill>
+                <a:schemeClr val="bg1">
+                  <a:lumMod val="75000"/>
+                </a:schemeClr>
+              </a:solidFill>
+              <a:latin typeface="Fira Code" charset="0"/>
+              <a:cs typeface="Fira Code" charset="0"/>
+            </a:endParaRPr>
+          </a:p>
+        </p:txBody>
+      </p:sp>
+    </p:spTree>
+  </p:cSld>
+  <p:clrMapOvr>
+    <a:masterClrMapping/>
+  </p:clrMapOvr>
+</p:sld>
+</file>
+
+<file path=ppt/slides/slide11.xml><?xml version="1.0" encoding="utf-8"?>
+<p:sld xmlns:a="http://schemas.openxmlformats.org/drawingml/2006/main" xmlns:r="http://schemas.openxmlformats.org/officeDocument/2006/relationships" xmlns:p="http://schemas.openxmlformats.org/presentationml/2006/main">
+  <p:cSld>
+    <p:spTree>
+      <p:nvGrpSpPr>
+        <p:cNvPr id="1" name=""/>
+        <p:cNvGrpSpPr/>
+        <p:nvPr/>
+      </p:nvGrpSpPr>
+      <p:grpSpPr/>
+      <p:sp>
+        <p:nvSpPr>
+          <p:cNvPr id="2" name="Title 1"/>
+          <p:cNvSpPr>
+            <a:spLocks noGrp="true"/>
+          </p:cNvSpPr>
+          <p:nvPr>
+            <p:ph type="title"/>
+          </p:nvPr>
+        </p:nvSpPr>
+        <p:spPr/>
+        <p:txBody>
+          <a:bodyPr/>
+          <a:p>
             <a:r>
               <a:rPr lang="en-US" altLang="en-US">
                 <a:latin typeface="Noto Sans" panose="020B0502040504020204" charset="0"/>
@@ -8133,7 +8476,7 @@
           <a:bodyPr/>
           <a:p>
             <a:r>
-              <a:rPr lang="" altLang="en-US" b="1">
+              <a:rPr lang="" altLang="en-US" sz="2800" b="1">
                 <a:solidFill>
                   <a:srgbClr val="00B0F0"/>
                 </a:solidFill>
@@ -8142,7 +8485,7 @@
               </a:rPr>
               <a:t>TensorFlow</a:t>
             </a:r>
-            <a:endParaRPr lang="" altLang="en-US">
+            <a:endParaRPr lang="" altLang="en-US" sz="2800">
               <a:latin typeface="Noto Sans" panose="020B0502040504020204" charset="0"/>
               <a:cs typeface="Noto Sans" panose="020B0502040504020204" charset="0"/>
             </a:endParaRPr>
@@ -8150,13 +8493,13 @@
           <a:p>
             <a:pPr lvl="1"/>
             <a:r>
-              <a:rPr lang="" altLang="en-US" sz="2800">
+              <a:rPr lang="" altLang="en-US" sz="2400">
                 <a:latin typeface="Noto Sans" panose="020B0502040504020204" charset="0"/>
                 <a:cs typeface="Noto Sans" panose="020B0502040504020204" charset="0"/>
               </a:rPr>
               <a:t>Bazel (Build System, Java): Heavy Development</a:t>
             </a:r>
-            <a:endParaRPr lang="" altLang="en-US" sz="2800">
+            <a:endParaRPr lang="" altLang="en-US" sz="2400">
               <a:latin typeface="Noto Sans" panose="020B0502040504020204" charset="0"/>
               <a:cs typeface="Noto Sans" panose="020B0502040504020204" charset="0"/>
             </a:endParaRPr>
@@ -8164,11 +8507,30 @@
           <a:p>
             <a:pPr lvl="2"/>
             <a:r>
+              <a:rPr lang="" altLang="en-US" sz="2000">
+                <a:solidFill>
+                  <a:schemeClr val="bg1">
+                    <a:lumMod val="75000"/>
+                  </a:schemeClr>
+                </a:solidFill>
+                <a:latin typeface="Fira Code" charset="0"/>
+                <a:cs typeface="Fira Code" charset="0"/>
+              </a:rPr>
+              <a:t>https://salsa.debian.org/bazel-team</a:t>
+            </a:r>
+            <a:endParaRPr lang="" altLang="en-US" sz="2000">
+              <a:latin typeface="Noto Sans" panose="020B0502040504020204" charset="0"/>
+              <a:cs typeface="Noto Sans" panose="020B0502040504020204" charset="0"/>
+            </a:endParaRPr>
+          </a:p>
+          <a:p>
+            <a:pPr lvl="1"/>
+            <a:r>
               <a:rPr lang="" altLang="en-US" sz="2400">
                 <a:latin typeface="Noto Sans" panose="020B0502040504020204" charset="0"/>
                 <a:cs typeface="Noto Sans" panose="020B0502040504020204" charset="0"/>
               </a:rPr>
-              <a:t>https://salsa.debian.org/bazel-team</a:t>
+              <a:t>Preliminary Packaging</a:t>
             </a:r>
             <a:endParaRPr lang="" altLang="en-US" sz="2400">
               <a:latin typeface="Noto Sans" panose="020B0502040504020204" charset="0"/>
@@ -8176,36 +8538,27 @@
             </a:endParaRPr>
           </a:p>
           <a:p>
-            <a:pPr lvl="1"/>
-            <a:r>
-              <a:rPr lang="" altLang="en-US" sz="2800">
-                <a:latin typeface="Noto Sans" panose="020B0502040504020204" charset="0"/>
-                <a:cs typeface="Noto Sans" panose="020B0502040504020204" charset="0"/>
-              </a:rPr>
-              <a:t>Preliminary Packaging</a:t>
-            </a:r>
-            <a:endParaRPr lang="" altLang="en-US" sz="2800">
-              <a:latin typeface="Noto Sans" panose="020B0502040504020204" charset="0"/>
-              <a:cs typeface="Noto Sans" panose="020B0502040504020204" charset="0"/>
-            </a:endParaRPr>
-          </a:p>
-          <a:p>
             <a:pPr lvl="2"/>
             <a:r>
-              <a:rPr lang="" altLang="en-US" sz="2400">
-                <a:latin typeface="Noto Sans" panose="020B0502040504020204" charset="0"/>
-                <a:cs typeface="Noto Sans" panose="020B0502040504020204" charset="0"/>
+              <a:rPr lang="" altLang="en-US" sz="2000">
+                <a:solidFill>
+                  <a:schemeClr val="bg1">
+                    <a:lumMod val="75000"/>
+                  </a:schemeClr>
+                </a:solidFill>
+                <a:latin typeface="Fira Code" charset="0"/>
+                <a:cs typeface="Fira Code" charset="0"/>
               </a:rPr>
               <a:t>https://salsa.debian.org/science-team/tensorflow</a:t>
             </a:r>
-            <a:endParaRPr lang="" altLang="en-US" sz="2400">
-              <a:latin typeface="Noto Sans" panose="020B0502040504020204" charset="0"/>
-              <a:cs typeface="Noto Sans" panose="020B0502040504020204" charset="0"/>
-            </a:endParaRPr>
-          </a:p>
-          <a:p>
-            <a:r>
-              <a:rPr lang="" altLang="en-US" b="1">
+            <a:endParaRPr lang="" altLang="en-US" sz="2000">
+              <a:latin typeface="Noto Sans" panose="020B0502040504020204" charset="0"/>
+              <a:cs typeface="Noto Sans" panose="020B0502040504020204" charset="0"/>
+            </a:endParaRPr>
+          </a:p>
+          <a:p>
+            <a:r>
+              <a:rPr lang="" altLang="en-US" sz="2800" b="1">
                 <a:solidFill>
                   <a:srgbClr val="00B0F0"/>
                 </a:solidFill>
@@ -8214,7 +8567,10 @@
               </a:rPr>
               <a:t>PyTorch</a:t>
             </a:r>
-            <a:endParaRPr lang="" altLang="en-US">
+            <a:endParaRPr lang="" altLang="en-US" sz="2800" b="1">
+              <a:solidFill>
+                <a:srgbClr val="00B0F0"/>
+              </a:solidFill>
               <a:latin typeface="Noto Sans" panose="020B0502040504020204" charset="0"/>
               <a:cs typeface="Noto Sans" panose="020B0502040504020204" charset="0"/>
             </a:endParaRPr>
@@ -8222,13 +8578,32 @@
           <a:p>
             <a:pPr lvl="1"/>
             <a:r>
-              <a:rPr lang="" altLang="en-US">
+              <a:rPr lang="" altLang="en-US" sz="2000">
+                <a:solidFill>
+                  <a:schemeClr val="bg1">
+                    <a:lumMod val="75000"/>
+                  </a:schemeClr>
+                </a:solidFill>
+                <a:latin typeface="Fira Code" charset="0"/>
+                <a:cs typeface="Fira Code" charset="0"/>
+              </a:rPr>
+              <a:t>https://salsa.debian.org/deeplearning-team/pytorch</a:t>
+            </a:r>
+            <a:endParaRPr lang="" altLang="en-US" sz="2400">
+              <a:latin typeface="Noto Sans" panose="020B0502040504020204" charset="0"/>
+              <a:cs typeface="Noto Sans" panose="020B0502040504020204" charset="0"/>
+            </a:endParaRPr>
+          </a:p>
+          <a:p>
+            <a:pPr lvl="1"/>
+            <a:r>
+              <a:rPr lang="" altLang="en-US" sz="2400">
                 <a:latin typeface="Noto Sans" panose="020B0502040504020204" charset="0"/>
                 <a:cs typeface="Noto Sans" panose="020B0502040504020204" charset="0"/>
               </a:rPr>
               <a:t>Deps libs queued in NEW. PyTorch also in NEW.</a:t>
             </a:r>
-            <a:endParaRPr lang="" altLang="en-US">
+            <a:endParaRPr lang="" altLang="en-US" sz="2400">
               <a:latin typeface="Noto Sans" panose="020B0502040504020204" charset="0"/>
               <a:cs typeface="Noto Sans" panose="020B0502040504020204" charset="0"/>
             </a:endParaRPr>
@@ -8236,20 +8611,20 @@
           <a:p>
             <a:pPr lvl="1"/>
             <a:r>
-              <a:rPr lang="" altLang="en-US">
+              <a:rPr lang="" altLang="en-US" sz="2400">
                 <a:latin typeface="Noto Sans" panose="020B0502040504020204" charset="0"/>
                 <a:cs typeface="Noto Sans" panose="020B0502040504020204" charset="0"/>
               </a:rPr>
               <a:t>No CUDA version planned. ROCm version is planned.</a:t>
             </a:r>
-            <a:endParaRPr lang="" altLang="en-US">
-              <a:latin typeface="Noto Sans" panose="020B0502040504020204" charset="0"/>
-              <a:cs typeface="Noto Sans" panose="020B0502040504020204" charset="0"/>
-            </a:endParaRPr>
-          </a:p>
-          <a:p>
-            <a:r>
-              <a:rPr lang="" altLang="en-US" b="1">
+            <a:endParaRPr lang="" altLang="en-US" sz="2400">
+              <a:latin typeface="Noto Sans" panose="020B0502040504020204" charset="0"/>
+              <a:cs typeface="Noto Sans" panose="020B0502040504020204" charset="0"/>
+            </a:endParaRPr>
+          </a:p>
+          <a:p>
+            <a:r>
+              <a:rPr lang="" altLang="en-US" sz="2800" b="1">
                 <a:solidFill>
                   <a:srgbClr val="00B0F0"/>
                 </a:solidFill>
@@ -8258,7 +8633,7 @@
               </a:rPr>
               <a:t>Caffe</a:t>
             </a:r>
-            <a:endParaRPr lang="" altLang="en-US">
+            <a:endParaRPr lang="" altLang="en-US" sz="2800">
               <a:latin typeface="Noto Sans" panose="020B0502040504020204" charset="0"/>
               <a:cs typeface="Noto Sans" panose="020B0502040504020204" charset="0"/>
             </a:endParaRPr>
@@ -8266,13 +8641,13 @@
           <a:p>
             <a:pPr lvl="1"/>
             <a:r>
-              <a:rPr lang="" altLang="en-US">
+              <a:rPr lang="" altLang="en-US" sz="2400">
                 <a:latin typeface="Noto Sans" panose="020B0502040504020204" charset="0"/>
                 <a:cs typeface="Noto Sans" panose="020B0502040504020204" charset="0"/>
               </a:rPr>
               <a:t>Already Available. Educational Code Base.</a:t>
             </a:r>
-            <a:endParaRPr lang="" altLang="en-US">
+            <a:endParaRPr lang="" altLang="en-US" sz="2400">
               <a:latin typeface="Noto Sans" panose="020B0502040504020204" charset="0"/>
               <a:cs typeface="Noto Sans" panose="020B0502040504020204" charset="0"/>
             </a:endParaRPr>

--- a/Dc20DeepLearning.pptx
+++ b/Dc20DeepLearning.pptx
@@ -5,10 +5,10 @@
     <p:sldMasterId id="2147483648" r:id="rId1"/>
   </p:sldMasterIdLst>
   <p:notesMasterIdLst>
-    <p:notesMasterId r:id="rId14"/>
+    <p:notesMasterId r:id="rId15"/>
   </p:notesMasterIdLst>
   <p:handoutMasterIdLst>
-    <p:handoutMasterId r:id="rId15"/>
+    <p:handoutMasterId r:id="rId16"/>
   </p:handoutMasterIdLst>
   <p:sldIdLst>
     <p:sldId id="256" r:id="rId3"/>
@@ -21,7 +21,8 @@
     <p:sldId id="265" r:id="rId10"/>
     <p:sldId id="259" r:id="rId11"/>
     <p:sldId id="267" r:id="rId12"/>
-    <p:sldId id="266" r:id="rId13"/>
+    <p:sldId id="268" r:id="rId13"/>
+    <p:sldId id="266" r:id="rId14"/>
   </p:sldIdLst>
   <p:sldSz cx="12192000" cy="6858000"/>
   <p:notesSz cx="7103745" cy="10234295"/>
@@ -3961,7 +3962,20 @@
                 <a:latin typeface="Noto Sans" panose="020B0502040504020204" charset="0"/>
                 <a:cs typeface="Noto Sans" panose="020B0502040504020204" charset="0"/>
               </a:rPr>
-              <a:t>Kernel Module: amdkfd (already present)</a:t>
+              <a:t>Firmware (OK, non-free :-(</a:t>
+            </a:r>
+            <a:endParaRPr lang="" altLang="en-US">
+              <a:latin typeface="Noto Sans" panose="020B0502040504020204" charset="0"/>
+              <a:cs typeface="Noto Sans" panose="020B0502040504020204" charset="0"/>
+            </a:endParaRPr>
+          </a:p>
+          <a:p>
+            <a:r>
+              <a:rPr lang="" altLang="en-US">
+                <a:latin typeface="Noto Sans" panose="020B0502040504020204" charset="0"/>
+                <a:cs typeface="Noto Sans" panose="020B0502040504020204" charset="0"/>
+              </a:rPr>
+              <a:t>KMod: amdkfd (already present in kernel, usable)</a:t>
             </a:r>
             <a:endParaRPr lang="" altLang="en-US">
               <a:latin typeface="Noto Sans" panose="020B0502040504020204" charset="0"/>
@@ -4056,7 +4070,7 @@
         </p:nvSpPr>
         <p:spPr>
           <a:xfrm>
-            <a:off x="4140200" y="2540635"/>
+            <a:off x="4140200" y="3101340"/>
             <a:ext cx="534035" cy="2294890"/>
           </a:xfrm>
           <a:prstGeom prst="rightBrace">
@@ -4096,7 +4110,7 @@
         </p:nvSpPr>
         <p:spPr>
           <a:xfrm>
-            <a:off x="5352415" y="3395980"/>
+            <a:off x="5352415" y="3633470"/>
             <a:ext cx="5096510" cy="583565"/>
           </a:xfrm>
           <a:prstGeom prst="rect">
@@ -4200,7 +4214,7 @@
         </p:nvSpPr>
         <p:spPr>
           <a:xfrm>
-            <a:off x="5043805" y="4049395"/>
+            <a:off x="5043805" y="4286885"/>
             <a:ext cx="6622415" cy="398780"/>
           </a:xfrm>
           <a:prstGeom prst="rect">
@@ -4269,14 +4283,144 @@
         <p:txBody>
           <a:bodyPr/>
           <a:p>
-            <a:r>
-              <a:rPr lang="en-US" altLang="en-US">
-                <a:latin typeface="Noto Sans" panose="020B0502040504020204" charset="0"/>
-                <a:cs typeface="Noto Sans" panose="020B0502040504020204" charset="0"/>
-              </a:rPr>
-              <a:t>Thanks!</a:t>
-            </a:r>
-            <a:endParaRPr lang="en-US" altLang="en-US">
+            <a:pPr algn="l"/>
+            <a:r>
+              <a:rPr lang="" altLang="en-US">
+                <a:latin typeface="Noto Sans" panose="020B0502040504020204" charset="0"/>
+                <a:cs typeface="Noto Sans" panose="020B0502040504020204" charset="0"/>
+              </a:rPr>
+              <a:t>Other Related Issues</a:t>
+            </a:r>
+            <a:endParaRPr lang="" altLang="en-US">
+              <a:latin typeface="Noto Sans" panose="020B0502040504020204" charset="0"/>
+              <a:cs typeface="Noto Sans" panose="020B0502040504020204" charset="0"/>
+            </a:endParaRPr>
+          </a:p>
+        </p:txBody>
+      </p:sp>
+      <p:sp>
+        <p:nvSpPr>
+          <p:cNvPr id="3" name="Content Placeholder 2"/>
+          <p:cNvSpPr>
+            <a:spLocks noGrp="true"/>
+          </p:cNvSpPr>
+          <p:nvPr>
+            <p:ph idx="1"/>
+          </p:nvPr>
+        </p:nvSpPr>
+        <p:spPr/>
+        <p:txBody>
+          <a:bodyPr/>
+          <a:p>
+            <a:r>
+              <a:rPr lang="" altLang="en-US">
+                <a:latin typeface="Noto Sans" panose="020B0502040504020204" charset="0"/>
+                <a:cs typeface="Noto Sans" panose="020B0502040504020204" charset="0"/>
+              </a:rPr>
+              <a:t>Better leverage the SIMD instructions?</a:t>
+            </a:r>
+            <a:endParaRPr lang="" altLang="en-US">
+              <a:latin typeface="Noto Sans" panose="020B0502040504020204" charset="0"/>
+              <a:cs typeface="Noto Sans" panose="020B0502040504020204" charset="0"/>
+            </a:endParaRPr>
+          </a:p>
+          <a:p>
+            <a:pPr lvl="1"/>
+            <a:r>
+              <a:rPr lang="" altLang="en-US">
+                <a:latin typeface="Noto Sans" panose="020B0502040504020204" charset="0"/>
+                <a:cs typeface="Noto Sans" panose="020B0502040504020204" charset="0"/>
+              </a:rPr>
+              <a:t>SIMDebian (bumping ISA baseline in dpkg’s buildflags)</a:t>
+            </a:r>
+            <a:endParaRPr lang="" altLang="en-US">
+              <a:latin typeface="Noto Sans" panose="020B0502040504020204" charset="0"/>
+              <a:cs typeface="Noto Sans" panose="020B0502040504020204" charset="0"/>
+            </a:endParaRPr>
+          </a:p>
+          <a:p>
+            <a:pPr lvl="1"/>
+            <a:r>
+              <a:rPr lang="" altLang="en-US">
+                <a:latin typeface="Noto Sans" panose="020B0502040504020204" charset="0"/>
+                <a:cs typeface="Noto Sans" panose="020B0502040504020204" charset="0"/>
+              </a:rPr>
+              <a:t>Project status: Stalled.</a:t>
+            </a:r>
+            <a:endParaRPr lang="" altLang="en-US">
+              <a:latin typeface="Noto Sans" panose="020B0502040504020204" charset="0"/>
+              <a:cs typeface="Noto Sans" panose="020B0502040504020204" charset="0"/>
+            </a:endParaRPr>
+          </a:p>
+          <a:p>
+            <a:pPr lvl="1"/>
+            <a:endParaRPr lang="" altLang="en-US">
+              <a:latin typeface="Noto Sans" panose="020B0502040504020204" charset="0"/>
+              <a:cs typeface="Noto Sans" panose="020B0502040504020204" charset="0"/>
+            </a:endParaRPr>
+          </a:p>
+          <a:p>
+            <a:pPr lvl="0"/>
+            <a:r>
+              <a:rPr lang="" altLang="en-US">
+                <a:latin typeface="Noto Sans" panose="020B0502040504020204" charset="0"/>
+                <a:cs typeface="Noto Sans" panose="020B0502040504020204" charset="0"/>
+              </a:rPr>
+              <a:t>Deep Learning &amp; Software Freedom?</a:t>
+            </a:r>
+            <a:endParaRPr lang="" altLang="en-US">
+              <a:latin typeface="Noto Sans" panose="020B0502040504020204" charset="0"/>
+              <a:cs typeface="Noto Sans" panose="020B0502040504020204" charset="0"/>
+            </a:endParaRPr>
+          </a:p>
+          <a:p>
+            <a:pPr lvl="1"/>
+            <a:r>
+              <a:rPr lang="" altLang="en-US">
+                <a:latin typeface="Noto Sans" panose="020B0502040504020204" charset="0"/>
+                <a:cs typeface="Noto Sans" panose="020B0502040504020204" charset="0"/>
+              </a:rPr>
+              <a:t>ML-Policy (Machine Learning Policy)</a:t>
+            </a:r>
+            <a:endParaRPr lang="" altLang="en-US">
+              <a:latin typeface="Noto Sans" panose="020B0502040504020204" charset="0"/>
+              <a:cs typeface="Noto Sans" panose="020B0502040504020204" charset="0"/>
+            </a:endParaRPr>
+          </a:p>
+          <a:p>
+            <a:pPr lvl="1"/>
+            <a:r>
+              <a:rPr lang="" altLang="en-US">
+                <a:latin typeface="Noto Sans" panose="020B0502040504020204" charset="0"/>
+                <a:cs typeface="Noto Sans" panose="020B0502040504020204" charset="0"/>
+              </a:rPr>
+              <a:t>Sorts out the issues between ML &amp; software freedom</a:t>
+            </a:r>
+            <a:endParaRPr lang="" altLang="en-US">
+              <a:latin typeface="Noto Sans" panose="020B0502040504020204" charset="0"/>
+              <a:cs typeface="Noto Sans" panose="020B0502040504020204" charset="0"/>
+            </a:endParaRPr>
+          </a:p>
+          <a:p>
+            <a:pPr lvl="1"/>
+            <a:r>
+              <a:rPr lang="" altLang="en-US" sz="2000">
+                <a:solidFill>
+                  <a:schemeClr val="bg1">
+                    <a:lumMod val="75000"/>
+                  </a:schemeClr>
+                </a:solidFill>
+                <a:latin typeface="Noto Sans" panose="020B0502040504020204" charset="0"/>
+                <a:cs typeface="Noto Sans" panose="020B0502040504020204" charset="0"/>
+              </a:rPr>
+              <a:t>https://salsa.debian.org/deeplearning-team/ml-policy</a:t>
+            </a:r>
+            <a:endParaRPr lang="" altLang="en-US" sz="2000">
+              <a:solidFill>
+                <a:schemeClr val="bg1">
+                  <a:lumMod val="75000"/>
+                </a:schemeClr>
+              </a:solidFill>
               <a:latin typeface="Noto Sans" panose="020B0502040504020204" charset="0"/>
               <a:cs typeface="Noto Sans" panose="020B0502040504020204" charset="0"/>
             </a:endParaRPr>
@@ -4307,6 +4451,76 @@
           </a:prstGeom>
         </p:spPr>
       </p:pic>
+    </p:spTree>
+  </p:cSld>
+  <p:clrMapOvr>
+    <a:masterClrMapping/>
+  </p:clrMapOvr>
+</p:sld>
+</file>
+
+<file path=ppt/slides/slide12.xml><?xml version="1.0" encoding="utf-8"?>
+<p:sld xmlns:a="http://schemas.openxmlformats.org/drawingml/2006/main" xmlns:r="http://schemas.openxmlformats.org/officeDocument/2006/relationships" xmlns:p="http://schemas.openxmlformats.org/presentationml/2006/main">
+  <p:cSld>
+    <p:spTree>
+      <p:nvGrpSpPr>
+        <p:cNvPr id="1" name=""/>
+        <p:cNvGrpSpPr/>
+        <p:nvPr/>
+      </p:nvGrpSpPr>
+      <p:grpSpPr/>
+      <p:sp>
+        <p:nvSpPr>
+          <p:cNvPr id="2" name="Title 1"/>
+          <p:cNvSpPr>
+            <a:spLocks noGrp="true"/>
+          </p:cNvSpPr>
+          <p:nvPr>
+            <p:ph type="title"/>
+          </p:nvPr>
+        </p:nvSpPr>
+        <p:spPr/>
+        <p:txBody>
+          <a:bodyPr/>
+          <a:p>
+            <a:r>
+              <a:rPr lang="en-US" altLang="en-US">
+                <a:latin typeface="Noto Sans" panose="020B0502040504020204" charset="0"/>
+                <a:cs typeface="Noto Sans" panose="020B0502040504020204" charset="0"/>
+              </a:rPr>
+              <a:t>Thanks!</a:t>
+            </a:r>
+            <a:endParaRPr lang="en-US" altLang="en-US">
+              <a:latin typeface="Noto Sans" panose="020B0502040504020204" charset="0"/>
+              <a:cs typeface="Noto Sans" panose="020B0502040504020204" charset="0"/>
+            </a:endParaRPr>
+          </a:p>
+        </p:txBody>
+      </p:sp>
+      <p:pic>
+        <p:nvPicPr>
+          <p:cNvPr id="5" name="Picture 4"/>
+          <p:cNvPicPr>
+            <a:picLocks noChangeAspect="true"/>
+          </p:cNvPicPr>
+          <p:nvPr/>
+        </p:nvPicPr>
+        <p:blipFill>
+          <a:blip r:embed="rId1"/>
+          <a:stretch>
+            <a:fillRect/>
+          </a:stretch>
+        </p:blipFill>
+        <p:spPr>
+          <a:xfrm>
+            <a:off x="8651875" y="317500"/>
+            <a:ext cx="3158490" cy="389255"/>
+          </a:xfrm>
+          <a:prstGeom prst="rect">
+            <a:avLst/>
+          </a:prstGeom>
+        </p:spPr>
+      </p:pic>
       <p:sp>
         <p:nvSpPr>
           <p:cNvPr id="6" name="Content Placeholder 5"/>
@@ -4318,6 +4532,67 @@
         <p:spPr/>
         <p:txBody>
           <a:bodyPr/>
+          <a:p>
+            <a:pPr marL="0" indent="0">
+              <a:buNone/>
+            </a:pPr>
+            <a:endParaRPr lang="" altLang="en-US" sz="2400">
+              <a:latin typeface="Fira Code" charset="0"/>
+              <a:cs typeface="Fira Code" charset="0"/>
+            </a:endParaRPr>
+          </a:p>
+          <a:p>
+            <a:pPr marL="0" indent="0">
+              <a:buNone/>
+            </a:pPr>
+            <a:endParaRPr lang="" altLang="en-US" sz="2400">
+              <a:latin typeface="Fira Code" charset="0"/>
+              <a:cs typeface="Fira Code" charset="0"/>
+            </a:endParaRPr>
+          </a:p>
+          <a:p>
+            <a:pPr marL="0" indent="0">
+              <a:buNone/>
+            </a:pPr>
+            <a:endParaRPr lang="" altLang="en-US" sz="2400">
+              <a:latin typeface="Fira Code" charset="0"/>
+              <a:cs typeface="Fira Code" charset="0"/>
+            </a:endParaRPr>
+          </a:p>
+          <a:p>
+            <a:pPr marL="0" indent="0">
+              <a:buNone/>
+            </a:pPr>
+            <a:endParaRPr lang="" altLang="en-US" sz="2400">
+              <a:latin typeface="Fira Code" charset="0"/>
+              <a:cs typeface="Fira Code" charset="0"/>
+            </a:endParaRPr>
+          </a:p>
+          <a:p>
+            <a:pPr marL="0" indent="0">
+              <a:buNone/>
+            </a:pPr>
+            <a:endParaRPr lang="" altLang="en-US" sz="2400">
+              <a:latin typeface="Fira Code" charset="0"/>
+              <a:cs typeface="Fira Code" charset="0"/>
+            </a:endParaRPr>
+          </a:p>
+          <a:p>
+            <a:pPr marL="0" indent="0">
+              <a:buNone/>
+            </a:pPr>
+            <a:r>
+              <a:rPr lang="" altLang="en-US" sz="2400">
+                <a:latin typeface="Fira Code" charset="0"/>
+                <a:cs typeface="Fira Code" charset="0"/>
+              </a:rPr>
+              <a:t>References:</a:t>
+            </a:r>
+            <a:endParaRPr lang="en-US" sz="2400">
+              <a:latin typeface="Fira Code" charset="0"/>
+              <a:cs typeface="Fira Code" charset="0"/>
+            </a:endParaRPr>
+          </a:p>
           <a:p>
             <a:r>
               <a:rPr lang="en-US" sz="2400">
@@ -7367,7 +7642,7 @@
           <a:p>
             <a:pPr lvl="0"/>
             <a:r>
-              <a:rPr lang="" altLang="en-US" u="sng">
+              <a:rPr lang="" altLang="en-US">
                 <a:latin typeface="Noto Sans" panose="020B0502040504020204" charset="0"/>
                 <a:cs typeface="Noto Sans" panose="020B0502040504020204" charset="0"/>
               </a:rPr>
@@ -7385,7 +7660,7 @@
                 <a:latin typeface="Noto Sans" panose="020B0502040504020204" charset="0"/>
                 <a:cs typeface="Noto Sans" panose="020B0502040504020204" charset="0"/>
               </a:rPr>
-              <a:t>OpenCL, LLVM</a:t>
+              <a:t>OpenCL, LLVM, Not-yet-upstreamed</a:t>
             </a:r>
             <a:endParaRPr lang="" altLang="en-US">
               <a:latin typeface="Noto Sans" panose="020B0502040504020204" charset="0"/>
